--- a/build-discord-bots-with-Python.pptx
+++ b/build-discord-bots-with-Python.pptx
@@ -4,13 +4,34 @@
   <p:sldMasterIdLst>
     <p:sldMasterId id="2147483648" r:id="rId1"/>
   </p:sldMasterIdLst>
+  <p:notesMasterIdLst>
+    <p:notesMasterId r:id="rId26"/>
+  </p:notesMasterIdLst>
   <p:sldIdLst>
     <p:sldId id="256" r:id="rId2"/>
     <p:sldId id="257" r:id="rId3"/>
     <p:sldId id="258" r:id="rId4"/>
     <p:sldId id="260" r:id="rId5"/>
     <p:sldId id="259" r:id="rId6"/>
-    <p:sldId id="261" r:id="rId7"/>
+    <p:sldId id="262" r:id="rId7"/>
+    <p:sldId id="263" r:id="rId8"/>
+    <p:sldId id="264" r:id="rId9"/>
+    <p:sldId id="265" r:id="rId10"/>
+    <p:sldId id="266" r:id="rId11"/>
+    <p:sldId id="267" r:id="rId12"/>
+    <p:sldId id="261" r:id="rId13"/>
+    <p:sldId id="286" r:id="rId14"/>
+    <p:sldId id="275" r:id="rId15"/>
+    <p:sldId id="276" r:id="rId16"/>
+    <p:sldId id="277" r:id="rId17"/>
+    <p:sldId id="278" r:id="rId18"/>
+    <p:sldId id="279" r:id="rId19"/>
+    <p:sldId id="280" r:id="rId20"/>
+    <p:sldId id="281" r:id="rId21"/>
+    <p:sldId id="282" r:id="rId22"/>
+    <p:sldId id="283" r:id="rId23"/>
+    <p:sldId id="284" r:id="rId24"/>
+    <p:sldId id="285" r:id="rId25"/>
   </p:sldIdLst>
   <p:sldSz cx="12192000" cy="6858000"/>
   <p:notesSz cx="6858000" cy="9144000"/>
@@ -117,6 +138,2019 @@
 </p:presentation>
 </file>
 
+<file path=ppt/notesMasters/notesMaster1.xml><?xml version="1.0" encoding="utf-8"?>
+<p:notesMaster xmlns:a="http://schemas.openxmlformats.org/drawingml/2006/main" xmlns:r="http://schemas.openxmlformats.org/officeDocument/2006/relationships" xmlns:p="http://schemas.openxmlformats.org/presentationml/2006/main">
+  <p:cSld>
+    <p:bg>
+      <p:bgRef idx="1001">
+        <a:schemeClr val="bg1"/>
+      </p:bgRef>
+    </p:bg>
+    <p:spTree>
+      <p:nvGrpSpPr>
+        <p:cNvPr id="1" name=""/>
+        <p:cNvGrpSpPr/>
+        <p:nvPr/>
+      </p:nvGrpSpPr>
+      <p:grpSpPr>
+        <a:xfrm>
+          <a:off x="0" y="0"/>
+          <a:ext cx="0" cy="0"/>
+          <a:chOff x="0" y="0"/>
+          <a:chExt cx="0" cy="0"/>
+        </a:xfrm>
+      </p:grpSpPr>
+      <p:sp>
+        <p:nvSpPr>
+          <p:cNvPr id="2" name="Header Placeholder 1"/>
+          <p:cNvSpPr>
+            <a:spLocks noGrp="1"/>
+          </p:cNvSpPr>
+          <p:nvPr>
+            <p:ph type="hdr" sz="quarter"/>
+          </p:nvPr>
+        </p:nvSpPr>
+        <p:spPr>
+          <a:xfrm>
+            <a:off x="0" y="0"/>
+            <a:ext cx="2971800" cy="458788"/>
+          </a:xfrm>
+          <a:prstGeom prst="rect">
+            <a:avLst/>
+          </a:prstGeom>
+        </p:spPr>
+        <p:txBody>
+          <a:bodyPr vert="horz" lIns="91440" tIns="45720" rIns="91440" bIns="45720" rtlCol="0"/>
+          <a:lstStyle>
+            <a:lvl1pPr algn="l">
+              <a:defRPr sz="1200"/>
+            </a:lvl1pPr>
+          </a:lstStyle>
+          <a:p>
+            <a:endParaRPr lang="en-US"/>
+          </a:p>
+        </p:txBody>
+      </p:sp>
+      <p:sp>
+        <p:nvSpPr>
+          <p:cNvPr id="3" name="Date Placeholder 2"/>
+          <p:cNvSpPr>
+            <a:spLocks noGrp="1"/>
+          </p:cNvSpPr>
+          <p:nvPr>
+            <p:ph type="dt" idx="1"/>
+          </p:nvPr>
+        </p:nvSpPr>
+        <p:spPr>
+          <a:xfrm>
+            <a:off x="3884613" y="0"/>
+            <a:ext cx="2971800" cy="458788"/>
+          </a:xfrm>
+          <a:prstGeom prst="rect">
+            <a:avLst/>
+          </a:prstGeom>
+        </p:spPr>
+        <p:txBody>
+          <a:bodyPr vert="horz" lIns="91440" tIns="45720" rIns="91440" bIns="45720" rtlCol="0"/>
+          <a:lstStyle>
+            <a:lvl1pPr algn="r">
+              <a:defRPr sz="1200"/>
+            </a:lvl1pPr>
+          </a:lstStyle>
+          <a:p>
+            <a:fld id="{9DA6DF0B-9412-1B4B-8795-669F5E19ADB0}" type="datetimeFigureOut">
+              <a:rPr lang="en-US" smtClean="0"/>
+              <a:t>6/17/22</a:t>
+            </a:fld>
+            <a:endParaRPr lang="en-US"/>
+          </a:p>
+        </p:txBody>
+      </p:sp>
+      <p:sp>
+        <p:nvSpPr>
+          <p:cNvPr id="4" name="Slide Image Placeholder 3"/>
+          <p:cNvSpPr>
+            <a:spLocks noGrp="1" noRot="1" noChangeAspect="1"/>
+          </p:cNvSpPr>
+          <p:nvPr>
+            <p:ph type="sldImg" idx="2"/>
+          </p:nvPr>
+        </p:nvSpPr>
+        <p:spPr>
+          <a:xfrm>
+            <a:off x="685800" y="1143000"/>
+            <a:ext cx="5486400" cy="3086100"/>
+          </a:xfrm>
+          <a:prstGeom prst="rect">
+            <a:avLst/>
+          </a:prstGeom>
+          <a:noFill/>
+          <a:ln w="12700">
+            <a:solidFill>
+              <a:prstClr val="black"/>
+            </a:solidFill>
+          </a:ln>
+        </p:spPr>
+        <p:txBody>
+          <a:bodyPr vert="horz" lIns="91440" tIns="45720" rIns="91440" bIns="45720" rtlCol="0" anchor="ctr"/>
+          <a:lstStyle/>
+          <a:p>
+            <a:endParaRPr lang="en-US"/>
+          </a:p>
+        </p:txBody>
+      </p:sp>
+      <p:sp>
+        <p:nvSpPr>
+          <p:cNvPr id="5" name="Notes Placeholder 4"/>
+          <p:cNvSpPr>
+            <a:spLocks noGrp="1"/>
+          </p:cNvSpPr>
+          <p:nvPr>
+            <p:ph type="body" sz="quarter" idx="3"/>
+          </p:nvPr>
+        </p:nvSpPr>
+        <p:spPr>
+          <a:xfrm>
+            <a:off x="685800" y="4400550"/>
+            <a:ext cx="5486400" cy="3600450"/>
+          </a:xfrm>
+          <a:prstGeom prst="rect">
+            <a:avLst/>
+          </a:prstGeom>
+        </p:spPr>
+        <p:txBody>
+          <a:bodyPr vert="horz" lIns="91440" tIns="45720" rIns="91440" bIns="45720" rtlCol="0"/>
+          <a:lstStyle/>
+          <a:p>
+            <a:pPr lvl="0"/>
+            <a:r>
+              <a:rPr lang="en-US"/>
+              <a:t>Click to edit Master text styles</a:t>
+            </a:r>
+          </a:p>
+          <a:p>
+            <a:pPr lvl="1"/>
+            <a:r>
+              <a:rPr lang="en-US"/>
+              <a:t>Second level</a:t>
+            </a:r>
+          </a:p>
+          <a:p>
+            <a:pPr lvl="2"/>
+            <a:r>
+              <a:rPr lang="en-US"/>
+              <a:t>Third level</a:t>
+            </a:r>
+          </a:p>
+          <a:p>
+            <a:pPr lvl="3"/>
+            <a:r>
+              <a:rPr lang="en-US"/>
+              <a:t>Fourth level</a:t>
+            </a:r>
+          </a:p>
+          <a:p>
+            <a:pPr lvl="4"/>
+            <a:r>
+              <a:rPr lang="en-US"/>
+              <a:t>Fifth level</a:t>
+            </a:r>
+          </a:p>
+        </p:txBody>
+      </p:sp>
+      <p:sp>
+        <p:nvSpPr>
+          <p:cNvPr id="6" name="Footer Placeholder 5"/>
+          <p:cNvSpPr>
+            <a:spLocks noGrp="1"/>
+          </p:cNvSpPr>
+          <p:nvPr>
+            <p:ph type="ftr" sz="quarter" idx="4"/>
+          </p:nvPr>
+        </p:nvSpPr>
+        <p:spPr>
+          <a:xfrm>
+            <a:off x="0" y="8685213"/>
+            <a:ext cx="2971800" cy="458787"/>
+          </a:xfrm>
+          <a:prstGeom prst="rect">
+            <a:avLst/>
+          </a:prstGeom>
+        </p:spPr>
+        <p:txBody>
+          <a:bodyPr vert="horz" lIns="91440" tIns="45720" rIns="91440" bIns="45720" rtlCol="0" anchor="b"/>
+          <a:lstStyle>
+            <a:lvl1pPr algn="l">
+              <a:defRPr sz="1200"/>
+            </a:lvl1pPr>
+          </a:lstStyle>
+          <a:p>
+            <a:endParaRPr lang="en-US"/>
+          </a:p>
+        </p:txBody>
+      </p:sp>
+      <p:sp>
+        <p:nvSpPr>
+          <p:cNvPr id="7" name="Slide Number Placeholder 6"/>
+          <p:cNvSpPr>
+            <a:spLocks noGrp="1"/>
+          </p:cNvSpPr>
+          <p:nvPr>
+            <p:ph type="sldNum" sz="quarter" idx="5"/>
+          </p:nvPr>
+        </p:nvSpPr>
+        <p:spPr>
+          <a:xfrm>
+            <a:off x="3884613" y="8685213"/>
+            <a:ext cx="2971800" cy="458787"/>
+          </a:xfrm>
+          <a:prstGeom prst="rect">
+            <a:avLst/>
+          </a:prstGeom>
+        </p:spPr>
+        <p:txBody>
+          <a:bodyPr vert="horz" lIns="91440" tIns="45720" rIns="91440" bIns="45720" rtlCol="0" anchor="b"/>
+          <a:lstStyle>
+            <a:lvl1pPr algn="r">
+              <a:defRPr sz="1200"/>
+            </a:lvl1pPr>
+          </a:lstStyle>
+          <a:p>
+            <a:fld id="{82A08F03-E262-2F45-97ED-647B303DD18A}" type="slidenum">
+              <a:rPr lang="en-US" smtClean="0"/>
+              <a:t>‹#›</a:t>
+            </a:fld>
+            <a:endParaRPr lang="en-US"/>
+          </a:p>
+        </p:txBody>
+      </p:sp>
+    </p:spTree>
+    <p:extLst>
+      <p:ext uri="{BB962C8B-B14F-4D97-AF65-F5344CB8AC3E}">
+        <p14:creationId xmlns:p14="http://schemas.microsoft.com/office/powerpoint/2010/main" val="3503078821"/>
+      </p:ext>
+    </p:extLst>
+  </p:cSld>
+  <p:clrMap bg1="lt1" tx1="dk1" bg2="lt2" tx2="dk2" accent1="accent1" accent2="accent2" accent3="accent3" accent4="accent4" accent5="accent5" accent6="accent6" hlink="hlink" folHlink="folHlink"/>
+  <p:notesStyle>
+    <a:lvl1pPr marL="0" algn="l" defTabSz="914400" rtl="0" eaLnBrk="1" latinLnBrk="0" hangingPunct="1">
+      <a:defRPr sz="1200" kern="1200">
+        <a:solidFill>
+          <a:schemeClr val="tx1"/>
+        </a:solidFill>
+        <a:latin typeface="+mn-lt"/>
+        <a:ea typeface="+mn-ea"/>
+        <a:cs typeface="+mn-cs"/>
+      </a:defRPr>
+    </a:lvl1pPr>
+    <a:lvl2pPr marL="457200" algn="l" defTabSz="914400" rtl="0" eaLnBrk="1" latinLnBrk="0" hangingPunct="1">
+      <a:defRPr sz="1200" kern="1200">
+        <a:solidFill>
+          <a:schemeClr val="tx1"/>
+        </a:solidFill>
+        <a:latin typeface="+mn-lt"/>
+        <a:ea typeface="+mn-ea"/>
+        <a:cs typeface="+mn-cs"/>
+      </a:defRPr>
+    </a:lvl2pPr>
+    <a:lvl3pPr marL="914400" algn="l" defTabSz="914400" rtl="0" eaLnBrk="1" latinLnBrk="0" hangingPunct="1">
+      <a:defRPr sz="1200" kern="1200">
+        <a:solidFill>
+          <a:schemeClr val="tx1"/>
+        </a:solidFill>
+        <a:latin typeface="+mn-lt"/>
+        <a:ea typeface="+mn-ea"/>
+        <a:cs typeface="+mn-cs"/>
+      </a:defRPr>
+    </a:lvl3pPr>
+    <a:lvl4pPr marL="1371600" algn="l" defTabSz="914400" rtl="0" eaLnBrk="1" latinLnBrk="0" hangingPunct="1">
+      <a:defRPr sz="1200" kern="1200">
+        <a:solidFill>
+          <a:schemeClr val="tx1"/>
+        </a:solidFill>
+        <a:latin typeface="+mn-lt"/>
+        <a:ea typeface="+mn-ea"/>
+        <a:cs typeface="+mn-cs"/>
+      </a:defRPr>
+    </a:lvl4pPr>
+    <a:lvl5pPr marL="1828800" algn="l" defTabSz="914400" rtl="0" eaLnBrk="1" latinLnBrk="0" hangingPunct="1">
+      <a:defRPr sz="1200" kern="1200">
+        <a:solidFill>
+          <a:schemeClr val="tx1"/>
+        </a:solidFill>
+        <a:latin typeface="+mn-lt"/>
+        <a:ea typeface="+mn-ea"/>
+        <a:cs typeface="+mn-cs"/>
+      </a:defRPr>
+    </a:lvl5pPr>
+    <a:lvl6pPr marL="2286000" algn="l" defTabSz="914400" rtl="0" eaLnBrk="1" latinLnBrk="0" hangingPunct="1">
+      <a:defRPr sz="1200" kern="1200">
+        <a:solidFill>
+          <a:schemeClr val="tx1"/>
+        </a:solidFill>
+        <a:latin typeface="+mn-lt"/>
+        <a:ea typeface="+mn-ea"/>
+        <a:cs typeface="+mn-cs"/>
+      </a:defRPr>
+    </a:lvl6pPr>
+    <a:lvl7pPr marL="2743200" algn="l" defTabSz="914400" rtl="0" eaLnBrk="1" latinLnBrk="0" hangingPunct="1">
+      <a:defRPr sz="1200" kern="1200">
+        <a:solidFill>
+          <a:schemeClr val="tx1"/>
+        </a:solidFill>
+        <a:latin typeface="+mn-lt"/>
+        <a:ea typeface="+mn-ea"/>
+        <a:cs typeface="+mn-cs"/>
+      </a:defRPr>
+    </a:lvl7pPr>
+    <a:lvl8pPr marL="3200400" algn="l" defTabSz="914400" rtl="0" eaLnBrk="1" latinLnBrk="0" hangingPunct="1">
+      <a:defRPr sz="1200" kern="1200">
+        <a:solidFill>
+          <a:schemeClr val="tx1"/>
+        </a:solidFill>
+        <a:latin typeface="+mn-lt"/>
+        <a:ea typeface="+mn-ea"/>
+        <a:cs typeface="+mn-cs"/>
+      </a:defRPr>
+    </a:lvl8pPr>
+    <a:lvl9pPr marL="3657600" algn="l" defTabSz="914400" rtl="0" eaLnBrk="1" latinLnBrk="0" hangingPunct="1">
+      <a:defRPr sz="1200" kern="1200">
+        <a:solidFill>
+          <a:schemeClr val="tx1"/>
+        </a:solidFill>
+        <a:latin typeface="+mn-lt"/>
+        <a:ea typeface="+mn-ea"/>
+        <a:cs typeface="+mn-cs"/>
+      </a:defRPr>
+    </a:lvl9pPr>
+  </p:notesStyle>
+</p:notesMaster>
+</file>
+
+<file path=ppt/notesSlides/notesSlide1.xml><?xml version="1.0" encoding="utf-8"?>
+<p:notes xmlns:a="http://schemas.openxmlformats.org/drawingml/2006/main" xmlns:r="http://schemas.openxmlformats.org/officeDocument/2006/relationships" xmlns:p="http://schemas.openxmlformats.org/presentationml/2006/main" showMasterSp="0" showMasterPhAnim="0">
+  <p:cSld>
+    <p:spTree>
+      <p:nvGrpSpPr>
+        <p:cNvPr id="1" name="Shape 57"/>
+        <p:cNvGrpSpPr/>
+        <p:nvPr/>
+      </p:nvGrpSpPr>
+      <p:grpSpPr>
+        <a:xfrm>
+          <a:off x="0" y="0"/>
+          <a:ext cx="0" cy="0"/>
+          <a:chOff x="0" y="0"/>
+          <a:chExt cx="0" cy="0"/>
+        </a:xfrm>
+      </p:grpSpPr>
+      <p:sp>
+        <p:nvSpPr>
+          <p:cNvPr id="58" name="Google Shape;58;p5:notes"/>
+          <p:cNvSpPr txBox="1">
+            <a:spLocks noGrp="1"/>
+          </p:cNvSpPr>
+          <p:nvPr>
+            <p:ph type="body" idx="1"/>
+          </p:nvPr>
+        </p:nvSpPr>
+        <p:spPr>
+          <a:xfrm>
+            <a:off x="914400" y="4343400"/>
+            <a:ext cx="5029200" cy="4114800"/>
+          </a:xfrm>
+          <a:prstGeom prst="rect">
+            <a:avLst/>
+          </a:prstGeom>
+        </p:spPr>
+        <p:txBody>
+          <a:bodyPr spcFirstLastPara="1" wrap="square" lIns="91425" tIns="45700" rIns="91425" bIns="45700" anchor="t" anchorCtr="0">
+            <a:noAutofit/>
+          </a:bodyPr>
+          <a:lstStyle/>
+          <a:p>
+            <a:pPr marL="0" lvl="0" indent="0" algn="l" rtl="0">
+              <a:spcBef>
+                <a:spcPts val="0"/>
+              </a:spcBef>
+              <a:spcAft>
+                <a:spcPts val="0"/>
+              </a:spcAft>
+              <a:buNone/>
+            </a:pPr>
+            <a:endParaRPr/>
+          </a:p>
+        </p:txBody>
+      </p:sp>
+      <p:sp>
+        <p:nvSpPr>
+          <p:cNvPr id="59" name="Google Shape;59;p5:notes"/>
+          <p:cNvSpPr>
+            <a:spLocks noGrp="1" noRot="1" noChangeAspect="1"/>
+          </p:cNvSpPr>
+          <p:nvPr>
+            <p:ph type="sldImg" idx="2"/>
+          </p:nvPr>
+        </p:nvSpPr>
+        <p:spPr>
+          <a:xfrm>
+            <a:off x="381000" y="685800"/>
+            <a:ext cx="6096000" cy="3429000"/>
+          </a:xfrm>
+          <a:custGeom>
+            <a:avLst/>
+            <a:gdLst/>
+            <a:ahLst/>
+            <a:cxnLst/>
+            <a:rect l="l" t="t" r="r" b="b"/>
+            <a:pathLst>
+              <a:path w="120000" h="120000" extrusionOk="0">
+                <a:moveTo>
+                  <a:pt x="0" y="0"/>
+                </a:moveTo>
+                <a:lnTo>
+                  <a:pt x="120000" y="0"/>
+                </a:lnTo>
+                <a:lnTo>
+                  <a:pt x="120000" y="120000"/>
+                </a:lnTo>
+                <a:lnTo>
+                  <a:pt x="0" y="120000"/>
+                </a:lnTo>
+                <a:close/>
+              </a:path>
+            </a:pathLst>
+          </a:custGeom>
+        </p:spPr>
+      </p:sp>
+    </p:spTree>
+  </p:cSld>
+  <p:clrMapOvr>
+    <a:masterClrMapping/>
+  </p:clrMapOvr>
+</p:notes>
+</file>
+
+<file path=ppt/notesSlides/notesSlide10.xml><?xml version="1.0" encoding="utf-8"?>
+<p:notes xmlns:a="http://schemas.openxmlformats.org/drawingml/2006/main" xmlns:r="http://schemas.openxmlformats.org/officeDocument/2006/relationships" xmlns:p="http://schemas.openxmlformats.org/presentationml/2006/main" showMasterSp="0" showMasterPhAnim="0">
+  <p:cSld>
+    <p:spTree>
+      <p:nvGrpSpPr>
+        <p:cNvPr id="1" name="Shape 219"/>
+        <p:cNvGrpSpPr/>
+        <p:nvPr/>
+      </p:nvGrpSpPr>
+      <p:grpSpPr>
+        <a:xfrm>
+          <a:off x="0" y="0"/>
+          <a:ext cx="0" cy="0"/>
+          <a:chOff x="0" y="0"/>
+          <a:chExt cx="0" cy="0"/>
+        </a:xfrm>
+      </p:grpSpPr>
+      <p:sp>
+        <p:nvSpPr>
+          <p:cNvPr id="220" name="Google Shape;220;p24:notes"/>
+          <p:cNvSpPr txBox="1">
+            <a:spLocks noGrp="1"/>
+          </p:cNvSpPr>
+          <p:nvPr>
+            <p:ph type="body" idx="1"/>
+          </p:nvPr>
+        </p:nvSpPr>
+        <p:spPr>
+          <a:xfrm>
+            <a:off x="914400" y="4343400"/>
+            <a:ext cx="5029200" cy="4114800"/>
+          </a:xfrm>
+          <a:prstGeom prst="rect">
+            <a:avLst/>
+          </a:prstGeom>
+        </p:spPr>
+        <p:txBody>
+          <a:bodyPr spcFirstLastPara="1" wrap="square" lIns="91425" tIns="45700" rIns="91425" bIns="45700" anchor="t" anchorCtr="0">
+            <a:noAutofit/>
+          </a:bodyPr>
+          <a:lstStyle/>
+          <a:p>
+            <a:pPr marL="0" lvl="0" indent="0" algn="l" rtl="0">
+              <a:spcBef>
+                <a:spcPts val="0"/>
+              </a:spcBef>
+              <a:spcAft>
+                <a:spcPts val="0"/>
+              </a:spcAft>
+              <a:buNone/>
+            </a:pPr>
+            <a:endParaRPr/>
+          </a:p>
+        </p:txBody>
+      </p:sp>
+      <p:sp>
+        <p:nvSpPr>
+          <p:cNvPr id="221" name="Google Shape;221;p24:notes"/>
+          <p:cNvSpPr>
+            <a:spLocks noGrp="1" noRot="1" noChangeAspect="1"/>
+          </p:cNvSpPr>
+          <p:nvPr>
+            <p:ph type="sldImg" idx="2"/>
+          </p:nvPr>
+        </p:nvSpPr>
+        <p:spPr>
+          <a:xfrm>
+            <a:off x="381000" y="685800"/>
+            <a:ext cx="6096000" cy="3429000"/>
+          </a:xfrm>
+          <a:custGeom>
+            <a:avLst/>
+            <a:gdLst/>
+            <a:ahLst/>
+            <a:cxnLst/>
+            <a:rect l="l" t="t" r="r" b="b"/>
+            <a:pathLst>
+              <a:path w="120000" h="120000" extrusionOk="0">
+                <a:moveTo>
+                  <a:pt x="0" y="0"/>
+                </a:moveTo>
+                <a:lnTo>
+                  <a:pt x="120000" y="0"/>
+                </a:lnTo>
+                <a:lnTo>
+                  <a:pt x="120000" y="120000"/>
+                </a:lnTo>
+                <a:lnTo>
+                  <a:pt x="0" y="120000"/>
+                </a:lnTo>
+                <a:close/>
+              </a:path>
+            </a:pathLst>
+          </a:custGeom>
+        </p:spPr>
+      </p:sp>
+    </p:spTree>
+  </p:cSld>
+  <p:clrMapOvr>
+    <a:masterClrMapping/>
+  </p:clrMapOvr>
+</p:notes>
+</file>
+
+<file path=ppt/notesSlides/notesSlide11.xml><?xml version="1.0" encoding="utf-8"?>
+<p:notes xmlns:a="http://schemas.openxmlformats.org/drawingml/2006/main" xmlns:r="http://schemas.openxmlformats.org/officeDocument/2006/relationships" xmlns:p="http://schemas.openxmlformats.org/presentationml/2006/main" showMasterSp="0" showMasterPhAnim="0">
+  <p:cSld>
+    <p:spTree>
+      <p:nvGrpSpPr>
+        <p:cNvPr id="1" name="Shape 225"/>
+        <p:cNvGrpSpPr/>
+        <p:nvPr/>
+      </p:nvGrpSpPr>
+      <p:grpSpPr>
+        <a:xfrm>
+          <a:off x="0" y="0"/>
+          <a:ext cx="0" cy="0"/>
+          <a:chOff x="0" y="0"/>
+          <a:chExt cx="0" cy="0"/>
+        </a:xfrm>
+      </p:grpSpPr>
+      <p:sp>
+        <p:nvSpPr>
+          <p:cNvPr id="226" name="Google Shape;226;p25:notes"/>
+          <p:cNvSpPr txBox="1">
+            <a:spLocks noGrp="1"/>
+          </p:cNvSpPr>
+          <p:nvPr>
+            <p:ph type="body" idx="1"/>
+          </p:nvPr>
+        </p:nvSpPr>
+        <p:spPr>
+          <a:xfrm>
+            <a:off x="914400" y="4343400"/>
+            <a:ext cx="5029200" cy="4114800"/>
+          </a:xfrm>
+          <a:prstGeom prst="rect">
+            <a:avLst/>
+          </a:prstGeom>
+        </p:spPr>
+        <p:txBody>
+          <a:bodyPr spcFirstLastPara="1" wrap="square" lIns="91425" tIns="45700" rIns="91425" bIns="45700" anchor="t" anchorCtr="0">
+            <a:noAutofit/>
+          </a:bodyPr>
+          <a:lstStyle/>
+          <a:p>
+            <a:pPr marL="0" lvl="0" indent="0" algn="l" rtl="0">
+              <a:spcBef>
+                <a:spcPts val="0"/>
+              </a:spcBef>
+              <a:spcAft>
+                <a:spcPts val="0"/>
+              </a:spcAft>
+              <a:buNone/>
+            </a:pPr>
+            <a:endParaRPr/>
+          </a:p>
+        </p:txBody>
+      </p:sp>
+      <p:sp>
+        <p:nvSpPr>
+          <p:cNvPr id="227" name="Google Shape;227;p25:notes"/>
+          <p:cNvSpPr>
+            <a:spLocks noGrp="1" noRot="1" noChangeAspect="1"/>
+          </p:cNvSpPr>
+          <p:nvPr>
+            <p:ph type="sldImg" idx="2"/>
+          </p:nvPr>
+        </p:nvSpPr>
+        <p:spPr>
+          <a:xfrm>
+            <a:off x="381000" y="685800"/>
+            <a:ext cx="6096000" cy="3429000"/>
+          </a:xfrm>
+          <a:custGeom>
+            <a:avLst/>
+            <a:gdLst/>
+            <a:ahLst/>
+            <a:cxnLst/>
+            <a:rect l="l" t="t" r="r" b="b"/>
+            <a:pathLst>
+              <a:path w="120000" h="120000" extrusionOk="0">
+                <a:moveTo>
+                  <a:pt x="0" y="0"/>
+                </a:moveTo>
+                <a:lnTo>
+                  <a:pt x="120000" y="0"/>
+                </a:lnTo>
+                <a:lnTo>
+                  <a:pt x="120000" y="120000"/>
+                </a:lnTo>
+                <a:lnTo>
+                  <a:pt x="0" y="120000"/>
+                </a:lnTo>
+                <a:close/>
+              </a:path>
+            </a:pathLst>
+          </a:custGeom>
+        </p:spPr>
+      </p:sp>
+    </p:spTree>
+  </p:cSld>
+  <p:clrMapOvr>
+    <a:masterClrMapping/>
+  </p:clrMapOvr>
+</p:notes>
+</file>
+
+<file path=ppt/notesSlides/notesSlide12.xml><?xml version="1.0" encoding="utf-8"?>
+<p:notes xmlns:a="http://schemas.openxmlformats.org/drawingml/2006/main" xmlns:r="http://schemas.openxmlformats.org/officeDocument/2006/relationships" xmlns:p="http://schemas.openxmlformats.org/presentationml/2006/main" showMasterSp="0" showMasterPhAnim="0">
+  <p:cSld>
+    <p:spTree>
+      <p:nvGrpSpPr>
+        <p:cNvPr id="1" name="Shape 231"/>
+        <p:cNvGrpSpPr/>
+        <p:nvPr/>
+      </p:nvGrpSpPr>
+      <p:grpSpPr>
+        <a:xfrm>
+          <a:off x="0" y="0"/>
+          <a:ext cx="0" cy="0"/>
+          <a:chOff x="0" y="0"/>
+          <a:chExt cx="0" cy="0"/>
+        </a:xfrm>
+      </p:grpSpPr>
+      <p:sp>
+        <p:nvSpPr>
+          <p:cNvPr id="232" name="Google Shape;232;p26:notes"/>
+          <p:cNvSpPr txBox="1">
+            <a:spLocks noGrp="1"/>
+          </p:cNvSpPr>
+          <p:nvPr>
+            <p:ph type="body" idx="1"/>
+          </p:nvPr>
+        </p:nvSpPr>
+        <p:spPr>
+          <a:xfrm>
+            <a:off x="914400" y="4343400"/>
+            <a:ext cx="5029200" cy="4114800"/>
+          </a:xfrm>
+          <a:prstGeom prst="rect">
+            <a:avLst/>
+          </a:prstGeom>
+        </p:spPr>
+        <p:txBody>
+          <a:bodyPr spcFirstLastPara="1" wrap="square" lIns="91425" tIns="45700" rIns="91425" bIns="45700" anchor="t" anchorCtr="0">
+            <a:noAutofit/>
+          </a:bodyPr>
+          <a:lstStyle/>
+          <a:p>
+            <a:pPr marL="0" lvl="0" indent="0" algn="l" rtl="0">
+              <a:spcBef>
+                <a:spcPts val="0"/>
+              </a:spcBef>
+              <a:spcAft>
+                <a:spcPts val="0"/>
+              </a:spcAft>
+              <a:buNone/>
+            </a:pPr>
+            <a:endParaRPr/>
+          </a:p>
+        </p:txBody>
+      </p:sp>
+      <p:sp>
+        <p:nvSpPr>
+          <p:cNvPr id="233" name="Google Shape;233;p26:notes"/>
+          <p:cNvSpPr>
+            <a:spLocks noGrp="1" noRot="1" noChangeAspect="1"/>
+          </p:cNvSpPr>
+          <p:nvPr>
+            <p:ph type="sldImg" idx="2"/>
+          </p:nvPr>
+        </p:nvSpPr>
+        <p:spPr>
+          <a:xfrm>
+            <a:off x="381000" y="685800"/>
+            <a:ext cx="6096000" cy="3429000"/>
+          </a:xfrm>
+          <a:custGeom>
+            <a:avLst/>
+            <a:gdLst/>
+            <a:ahLst/>
+            <a:cxnLst/>
+            <a:rect l="l" t="t" r="r" b="b"/>
+            <a:pathLst>
+              <a:path w="120000" h="120000" extrusionOk="0">
+                <a:moveTo>
+                  <a:pt x="0" y="0"/>
+                </a:moveTo>
+                <a:lnTo>
+                  <a:pt x="120000" y="0"/>
+                </a:lnTo>
+                <a:lnTo>
+                  <a:pt x="120000" y="120000"/>
+                </a:lnTo>
+                <a:lnTo>
+                  <a:pt x="0" y="120000"/>
+                </a:lnTo>
+                <a:close/>
+              </a:path>
+            </a:pathLst>
+          </a:custGeom>
+        </p:spPr>
+      </p:sp>
+    </p:spTree>
+  </p:cSld>
+  <p:clrMapOvr>
+    <a:masterClrMapping/>
+  </p:clrMapOvr>
+</p:notes>
+</file>
+
+<file path=ppt/notesSlides/notesSlide13.xml><?xml version="1.0" encoding="utf-8"?>
+<p:notes xmlns:a="http://schemas.openxmlformats.org/drawingml/2006/main" xmlns:r="http://schemas.openxmlformats.org/officeDocument/2006/relationships" xmlns:p="http://schemas.openxmlformats.org/presentationml/2006/main" showMasterSp="0" showMasterPhAnim="0">
+  <p:cSld>
+    <p:spTree>
+      <p:nvGrpSpPr>
+        <p:cNvPr id="1" name="Shape 237"/>
+        <p:cNvGrpSpPr/>
+        <p:nvPr/>
+      </p:nvGrpSpPr>
+      <p:grpSpPr>
+        <a:xfrm>
+          <a:off x="0" y="0"/>
+          <a:ext cx="0" cy="0"/>
+          <a:chOff x="0" y="0"/>
+          <a:chExt cx="0" cy="0"/>
+        </a:xfrm>
+      </p:grpSpPr>
+      <p:sp>
+        <p:nvSpPr>
+          <p:cNvPr id="238" name="Google Shape;238;p27:notes"/>
+          <p:cNvSpPr txBox="1">
+            <a:spLocks noGrp="1"/>
+          </p:cNvSpPr>
+          <p:nvPr>
+            <p:ph type="body" idx="1"/>
+          </p:nvPr>
+        </p:nvSpPr>
+        <p:spPr>
+          <a:xfrm>
+            <a:off x="914400" y="4343400"/>
+            <a:ext cx="5029200" cy="4114800"/>
+          </a:xfrm>
+          <a:prstGeom prst="rect">
+            <a:avLst/>
+          </a:prstGeom>
+        </p:spPr>
+        <p:txBody>
+          <a:bodyPr spcFirstLastPara="1" wrap="square" lIns="91425" tIns="45700" rIns="91425" bIns="45700" anchor="t" anchorCtr="0">
+            <a:noAutofit/>
+          </a:bodyPr>
+          <a:lstStyle/>
+          <a:p>
+            <a:pPr marL="0" lvl="0" indent="0" algn="l" rtl="0">
+              <a:spcBef>
+                <a:spcPts val="0"/>
+              </a:spcBef>
+              <a:spcAft>
+                <a:spcPts val="0"/>
+              </a:spcAft>
+              <a:buNone/>
+            </a:pPr>
+            <a:endParaRPr/>
+          </a:p>
+        </p:txBody>
+      </p:sp>
+      <p:sp>
+        <p:nvSpPr>
+          <p:cNvPr id="239" name="Google Shape;239;p27:notes"/>
+          <p:cNvSpPr>
+            <a:spLocks noGrp="1" noRot="1" noChangeAspect="1"/>
+          </p:cNvSpPr>
+          <p:nvPr>
+            <p:ph type="sldImg" idx="2"/>
+          </p:nvPr>
+        </p:nvSpPr>
+        <p:spPr>
+          <a:xfrm>
+            <a:off x="381000" y="685800"/>
+            <a:ext cx="6096000" cy="3429000"/>
+          </a:xfrm>
+          <a:custGeom>
+            <a:avLst/>
+            <a:gdLst/>
+            <a:ahLst/>
+            <a:cxnLst/>
+            <a:rect l="l" t="t" r="r" b="b"/>
+            <a:pathLst>
+              <a:path w="120000" h="120000" extrusionOk="0">
+                <a:moveTo>
+                  <a:pt x="0" y="0"/>
+                </a:moveTo>
+                <a:lnTo>
+                  <a:pt x="120000" y="0"/>
+                </a:lnTo>
+                <a:lnTo>
+                  <a:pt x="120000" y="120000"/>
+                </a:lnTo>
+                <a:lnTo>
+                  <a:pt x="0" y="120000"/>
+                </a:lnTo>
+                <a:close/>
+              </a:path>
+            </a:pathLst>
+          </a:custGeom>
+        </p:spPr>
+      </p:sp>
+    </p:spTree>
+  </p:cSld>
+  <p:clrMapOvr>
+    <a:masterClrMapping/>
+  </p:clrMapOvr>
+</p:notes>
+</file>
+
+<file path=ppt/notesSlides/notesSlide14.xml><?xml version="1.0" encoding="utf-8"?>
+<p:notes xmlns:a="http://schemas.openxmlformats.org/drawingml/2006/main" xmlns:r="http://schemas.openxmlformats.org/officeDocument/2006/relationships" xmlns:p="http://schemas.openxmlformats.org/presentationml/2006/main" showMasterSp="0" showMasterPhAnim="0">
+  <p:cSld>
+    <p:spTree>
+      <p:nvGrpSpPr>
+        <p:cNvPr id="1" name="Shape 243"/>
+        <p:cNvGrpSpPr/>
+        <p:nvPr/>
+      </p:nvGrpSpPr>
+      <p:grpSpPr>
+        <a:xfrm>
+          <a:off x="0" y="0"/>
+          <a:ext cx="0" cy="0"/>
+          <a:chOff x="0" y="0"/>
+          <a:chExt cx="0" cy="0"/>
+        </a:xfrm>
+      </p:grpSpPr>
+      <p:sp>
+        <p:nvSpPr>
+          <p:cNvPr id="244" name="Google Shape;244;p28:notes"/>
+          <p:cNvSpPr txBox="1">
+            <a:spLocks noGrp="1"/>
+          </p:cNvSpPr>
+          <p:nvPr>
+            <p:ph type="body" idx="1"/>
+          </p:nvPr>
+        </p:nvSpPr>
+        <p:spPr>
+          <a:xfrm>
+            <a:off x="914400" y="4343400"/>
+            <a:ext cx="5029200" cy="4114800"/>
+          </a:xfrm>
+          <a:prstGeom prst="rect">
+            <a:avLst/>
+          </a:prstGeom>
+        </p:spPr>
+        <p:txBody>
+          <a:bodyPr spcFirstLastPara="1" wrap="square" lIns="91425" tIns="45700" rIns="91425" bIns="45700" anchor="t" anchorCtr="0">
+            <a:noAutofit/>
+          </a:bodyPr>
+          <a:lstStyle/>
+          <a:p>
+            <a:pPr marL="0" lvl="0" indent="0" algn="l" rtl="0">
+              <a:spcBef>
+                <a:spcPts val="0"/>
+              </a:spcBef>
+              <a:spcAft>
+                <a:spcPts val="0"/>
+              </a:spcAft>
+              <a:buNone/>
+            </a:pPr>
+            <a:endParaRPr/>
+          </a:p>
+        </p:txBody>
+      </p:sp>
+      <p:sp>
+        <p:nvSpPr>
+          <p:cNvPr id="245" name="Google Shape;245;p28:notes"/>
+          <p:cNvSpPr>
+            <a:spLocks noGrp="1" noRot="1" noChangeAspect="1"/>
+          </p:cNvSpPr>
+          <p:nvPr>
+            <p:ph type="sldImg" idx="2"/>
+          </p:nvPr>
+        </p:nvSpPr>
+        <p:spPr>
+          <a:xfrm>
+            <a:off x="381000" y="685800"/>
+            <a:ext cx="6096000" cy="3429000"/>
+          </a:xfrm>
+          <a:custGeom>
+            <a:avLst/>
+            <a:gdLst/>
+            <a:ahLst/>
+            <a:cxnLst/>
+            <a:rect l="l" t="t" r="r" b="b"/>
+            <a:pathLst>
+              <a:path w="120000" h="120000" extrusionOk="0">
+                <a:moveTo>
+                  <a:pt x="0" y="0"/>
+                </a:moveTo>
+                <a:lnTo>
+                  <a:pt x="120000" y="0"/>
+                </a:lnTo>
+                <a:lnTo>
+                  <a:pt x="120000" y="120000"/>
+                </a:lnTo>
+                <a:lnTo>
+                  <a:pt x="0" y="120000"/>
+                </a:lnTo>
+                <a:close/>
+              </a:path>
+            </a:pathLst>
+          </a:custGeom>
+        </p:spPr>
+      </p:sp>
+    </p:spTree>
+  </p:cSld>
+  <p:clrMapOvr>
+    <a:masterClrMapping/>
+  </p:clrMapOvr>
+</p:notes>
+</file>
+
+<file path=ppt/notesSlides/notesSlide15.xml><?xml version="1.0" encoding="utf-8"?>
+<p:notes xmlns:a="http://schemas.openxmlformats.org/drawingml/2006/main" xmlns:r="http://schemas.openxmlformats.org/officeDocument/2006/relationships" xmlns:p="http://schemas.openxmlformats.org/presentationml/2006/main" showMasterSp="0" showMasterPhAnim="0">
+  <p:cSld>
+    <p:spTree>
+      <p:nvGrpSpPr>
+        <p:cNvPr id="1" name="Shape 249"/>
+        <p:cNvGrpSpPr/>
+        <p:nvPr/>
+      </p:nvGrpSpPr>
+      <p:grpSpPr>
+        <a:xfrm>
+          <a:off x="0" y="0"/>
+          <a:ext cx="0" cy="0"/>
+          <a:chOff x="0" y="0"/>
+          <a:chExt cx="0" cy="0"/>
+        </a:xfrm>
+      </p:grpSpPr>
+      <p:sp>
+        <p:nvSpPr>
+          <p:cNvPr id="250" name="Google Shape;250;p29:notes"/>
+          <p:cNvSpPr txBox="1">
+            <a:spLocks noGrp="1"/>
+          </p:cNvSpPr>
+          <p:nvPr>
+            <p:ph type="body" idx="1"/>
+          </p:nvPr>
+        </p:nvSpPr>
+        <p:spPr>
+          <a:xfrm>
+            <a:off x="914400" y="4343400"/>
+            <a:ext cx="5029200" cy="4114800"/>
+          </a:xfrm>
+          <a:prstGeom prst="rect">
+            <a:avLst/>
+          </a:prstGeom>
+        </p:spPr>
+        <p:txBody>
+          <a:bodyPr spcFirstLastPara="1" wrap="square" lIns="91425" tIns="45700" rIns="91425" bIns="45700" anchor="t" anchorCtr="0">
+            <a:noAutofit/>
+          </a:bodyPr>
+          <a:lstStyle/>
+          <a:p>
+            <a:pPr marL="0" lvl="0" indent="0" algn="l" rtl="0">
+              <a:spcBef>
+                <a:spcPts val="0"/>
+              </a:spcBef>
+              <a:spcAft>
+                <a:spcPts val="0"/>
+              </a:spcAft>
+              <a:buNone/>
+            </a:pPr>
+            <a:endParaRPr/>
+          </a:p>
+        </p:txBody>
+      </p:sp>
+      <p:sp>
+        <p:nvSpPr>
+          <p:cNvPr id="251" name="Google Shape;251;p29:notes"/>
+          <p:cNvSpPr>
+            <a:spLocks noGrp="1" noRot="1" noChangeAspect="1"/>
+          </p:cNvSpPr>
+          <p:nvPr>
+            <p:ph type="sldImg" idx="2"/>
+          </p:nvPr>
+        </p:nvSpPr>
+        <p:spPr>
+          <a:xfrm>
+            <a:off x="381000" y="685800"/>
+            <a:ext cx="6096000" cy="3429000"/>
+          </a:xfrm>
+          <a:custGeom>
+            <a:avLst/>
+            <a:gdLst/>
+            <a:ahLst/>
+            <a:cxnLst/>
+            <a:rect l="l" t="t" r="r" b="b"/>
+            <a:pathLst>
+              <a:path w="120000" h="120000" extrusionOk="0">
+                <a:moveTo>
+                  <a:pt x="0" y="0"/>
+                </a:moveTo>
+                <a:lnTo>
+                  <a:pt x="120000" y="0"/>
+                </a:lnTo>
+                <a:lnTo>
+                  <a:pt x="120000" y="120000"/>
+                </a:lnTo>
+                <a:lnTo>
+                  <a:pt x="0" y="120000"/>
+                </a:lnTo>
+                <a:close/>
+              </a:path>
+            </a:pathLst>
+          </a:custGeom>
+        </p:spPr>
+      </p:sp>
+    </p:spTree>
+  </p:cSld>
+  <p:clrMapOvr>
+    <a:masterClrMapping/>
+  </p:clrMapOvr>
+</p:notes>
+</file>
+
+<file path=ppt/notesSlides/notesSlide16.xml><?xml version="1.0" encoding="utf-8"?>
+<p:notes xmlns:a="http://schemas.openxmlformats.org/drawingml/2006/main" xmlns:r="http://schemas.openxmlformats.org/officeDocument/2006/relationships" xmlns:p="http://schemas.openxmlformats.org/presentationml/2006/main" showMasterSp="0" showMasterPhAnim="0">
+  <p:cSld>
+    <p:spTree>
+      <p:nvGrpSpPr>
+        <p:cNvPr id="1" name="Shape 255"/>
+        <p:cNvGrpSpPr/>
+        <p:nvPr/>
+      </p:nvGrpSpPr>
+      <p:grpSpPr>
+        <a:xfrm>
+          <a:off x="0" y="0"/>
+          <a:ext cx="0" cy="0"/>
+          <a:chOff x="0" y="0"/>
+          <a:chExt cx="0" cy="0"/>
+        </a:xfrm>
+      </p:grpSpPr>
+      <p:sp>
+        <p:nvSpPr>
+          <p:cNvPr id="256" name="Google Shape;256;p30:notes"/>
+          <p:cNvSpPr txBox="1">
+            <a:spLocks noGrp="1"/>
+          </p:cNvSpPr>
+          <p:nvPr>
+            <p:ph type="body" idx="1"/>
+          </p:nvPr>
+        </p:nvSpPr>
+        <p:spPr>
+          <a:xfrm>
+            <a:off x="914400" y="4343400"/>
+            <a:ext cx="5029200" cy="4114800"/>
+          </a:xfrm>
+          <a:prstGeom prst="rect">
+            <a:avLst/>
+          </a:prstGeom>
+        </p:spPr>
+        <p:txBody>
+          <a:bodyPr spcFirstLastPara="1" wrap="square" lIns="91425" tIns="45700" rIns="91425" bIns="45700" anchor="t" anchorCtr="0">
+            <a:noAutofit/>
+          </a:bodyPr>
+          <a:lstStyle/>
+          <a:p>
+            <a:pPr marL="0" lvl="0" indent="0" algn="l" rtl="0">
+              <a:spcBef>
+                <a:spcPts val="0"/>
+              </a:spcBef>
+              <a:spcAft>
+                <a:spcPts val="0"/>
+              </a:spcAft>
+              <a:buNone/>
+            </a:pPr>
+            <a:endParaRPr/>
+          </a:p>
+        </p:txBody>
+      </p:sp>
+      <p:sp>
+        <p:nvSpPr>
+          <p:cNvPr id="257" name="Google Shape;257;p30:notes"/>
+          <p:cNvSpPr>
+            <a:spLocks noGrp="1" noRot="1" noChangeAspect="1"/>
+          </p:cNvSpPr>
+          <p:nvPr>
+            <p:ph type="sldImg" idx="2"/>
+          </p:nvPr>
+        </p:nvSpPr>
+        <p:spPr>
+          <a:xfrm>
+            <a:off x="381000" y="685800"/>
+            <a:ext cx="6096000" cy="3429000"/>
+          </a:xfrm>
+          <a:custGeom>
+            <a:avLst/>
+            <a:gdLst/>
+            <a:ahLst/>
+            <a:cxnLst/>
+            <a:rect l="l" t="t" r="r" b="b"/>
+            <a:pathLst>
+              <a:path w="120000" h="120000" extrusionOk="0">
+                <a:moveTo>
+                  <a:pt x="0" y="0"/>
+                </a:moveTo>
+                <a:lnTo>
+                  <a:pt x="120000" y="0"/>
+                </a:lnTo>
+                <a:lnTo>
+                  <a:pt x="120000" y="120000"/>
+                </a:lnTo>
+                <a:lnTo>
+                  <a:pt x="0" y="120000"/>
+                </a:lnTo>
+                <a:close/>
+              </a:path>
+            </a:pathLst>
+          </a:custGeom>
+        </p:spPr>
+      </p:sp>
+    </p:spTree>
+  </p:cSld>
+  <p:clrMapOvr>
+    <a:masterClrMapping/>
+  </p:clrMapOvr>
+</p:notes>
+</file>
+
+<file path=ppt/notesSlides/notesSlide2.xml><?xml version="1.0" encoding="utf-8"?>
+<p:notes xmlns:a="http://schemas.openxmlformats.org/drawingml/2006/main" xmlns:r="http://schemas.openxmlformats.org/officeDocument/2006/relationships" xmlns:p="http://schemas.openxmlformats.org/presentationml/2006/main" showMasterSp="0" showMasterPhAnim="0">
+  <p:cSld>
+    <p:spTree>
+      <p:nvGrpSpPr>
+        <p:cNvPr id="1" name="Shape 63"/>
+        <p:cNvGrpSpPr/>
+        <p:nvPr/>
+      </p:nvGrpSpPr>
+      <p:grpSpPr>
+        <a:xfrm>
+          <a:off x="0" y="0"/>
+          <a:ext cx="0" cy="0"/>
+          <a:chOff x="0" y="0"/>
+          <a:chExt cx="0" cy="0"/>
+        </a:xfrm>
+      </p:grpSpPr>
+      <p:sp>
+        <p:nvSpPr>
+          <p:cNvPr id="64" name="Google Shape;64;p6:notes"/>
+          <p:cNvSpPr txBox="1">
+            <a:spLocks noGrp="1"/>
+          </p:cNvSpPr>
+          <p:nvPr>
+            <p:ph type="body" idx="1"/>
+          </p:nvPr>
+        </p:nvSpPr>
+        <p:spPr>
+          <a:xfrm>
+            <a:off x="914400" y="4343400"/>
+            <a:ext cx="5029200" cy="4114800"/>
+          </a:xfrm>
+          <a:prstGeom prst="rect">
+            <a:avLst/>
+          </a:prstGeom>
+        </p:spPr>
+        <p:txBody>
+          <a:bodyPr spcFirstLastPara="1" wrap="square" lIns="91425" tIns="45700" rIns="91425" bIns="45700" anchor="t" anchorCtr="0">
+            <a:noAutofit/>
+          </a:bodyPr>
+          <a:lstStyle/>
+          <a:p>
+            <a:pPr marL="0" lvl="0" indent="0" algn="l" rtl="0">
+              <a:spcBef>
+                <a:spcPts val="0"/>
+              </a:spcBef>
+              <a:spcAft>
+                <a:spcPts val="0"/>
+              </a:spcAft>
+              <a:buNone/>
+            </a:pPr>
+            <a:endParaRPr/>
+          </a:p>
+        </p:txBody>
+      </p:sp>
+      <p:sp>
+        <p:nvSpPr>
+          <p:cNvPr id="65" name="Google Shape;65;p6:notes"/>
+          <p:cNvSpPr>
+            <a:spLocks noGrp="1" noRot="1" noChangeAspect="1"/>
+          </p:cNvSpPr>
+          <p:nvPr>
+            <p:ph type="sldImg" idx="2"/>
+          </p:nvPr>
+        </p:nvSpPr>
+        <p:spPr>
+          <a:xfrm>
+            <a:off x="381000" y="685800"/>
+            <a:ext cx="6096000" cy="3429000"/>
+          </a:xfrm>
+          <a:custGeom>
+            <a:avLst/>
+            <a:gdLst/>
+            <a:ahLst/>
+            <a:cxnLst/>
+            <a:rect l="l" t="t" r="r" b="b"/>
+            <a:pathLst>
+              <a:path w="120000" h="120000" extrusionOk="0">
+                <a:moveTo>
+                  <a:pt x="0" y="0"/>
+                </a:moveTo>
+                <a:lnTo>
+                  <a:pt x="120000" y="0"/>
+                </a:lnTo>
+                <a:lnTo>
+                  <a:pt x="120000" y="120000"/>
+                </a:lnTo>
+                <a:lnTo>
+                  <a:pt x="0" y="120000"/>
+                </a:lnTo>
+                <a:close/>
+              </a:path>
+            </a:pathLst>
+          </a:custGeom>
+        </p:spPr>
+      </p:sp>
+    </p:spTree>
+  </p:cSld>
+  <p:clrMapOvr>
+    <a:masterClrMapping/>
+  </p:clrMapOvr>
+</p:notes>
+</file>
+
+<file path=ppt/notesSlides/notesSlide3.xml><?xml version="1.0" encoding="utf-8"?>
+<p:notes xmlns:a="http://schemas.openxmlformats.org/drawingml/2006/main" xmlns:r="http://schemas.openxmlformats.org/officeDocument/2006/relationships" xmlns:p="http://schemas.openxmlformats.org/presentationml/2006/main" showMasterSp="0" showMasterPhAnim="0">
+  <p:cSld>
+    <p:spTree>
+      <p:nvGrpSpPr>
+        <p:cNvPr id="1" name="Shape 69"/>
+        <p:cNvGrpSpPr/>
+        <p:nvPr/>
+      </p:nvGrpSpPr>
+      <p:grpSpPr>
+        <a:xfrm>
+          <a:off x="0" y="0"/>
+          <a:ext cx="0" cy="0"/>
+          <a:chOff x="0" y="0"/>
+          <a:chExt cx="0" cy="0"/>
+        </a:xfrm>
+      </p:grpSpPr>
+      <p:sp>
+        <p:nvSpPr>
+          <p:cNvPr id="70" name="Google Shape;70;p7:notes"/>
+          <p:cNvSpPr txBox="1">
+            <a:spLocks noGrp="1"/>
+          </p:cNvSpPr>
+          <p:nvPr>
+            <p:ph type="body" idx="1"/>
+          </p:nvPr>
+        </p:nvSpPr>
+        <p:spPr>
+          <a:xfrm>
+            <a:off x="914400" y="4343400"/>
+            <a:ext cx="5029200" cy="4114800"/>
+          </a:xfrm>
+          <a:prstGeom prst="rect">
+            <a:avLst/>
+          </a:prstGeom>
+        </p:spPr>
+        <p:txBody>
+          <a:bodyPr spcFirstLastPara="1" wrap="square" lIns="91425" tIns="45700" rIns="91425" bIns="45700" anchor="t" anchorCtr="0">
+            <a:noAutofit/>
+          </a:bodyPr>
+          <a:lstStyle/>
+          <a:p>
+            <a:pPr marL="0" lvl="0" indent="0" algn="l" rtl="0">
+              <a:spcBef>
+                <a:spcPts val="0"/>
+              </a:spcBef>
+              <a:spcAft>
+                <a:spcPts val="0"/>
+              </a:spcAft>
+              <a:buNone/>
+            </a:pPr>
+            <a:endParaRPr/>
+          </a:p>
+        </p:txBody>
+      </p:sp>
+      <p:sp>
+        <p:nvSpPr>
+          <p:cNvPr id="71" name="Google Shape;71;p7:notes"/>
+          <p:cNvSpPr>
+            <a:spLocks noGrp="1" noRot="1" noChangeAspect="1"/>
+          </p:cNvSpPr>
+          <p:nvPr>
+            <p:ph type="sldImg" idx="2"/>
+          </p:nvPr>
+        </p:nvSpPr>
+        <p:spPr>
+          <a:xfrm>
+            <a:off x="381000" y="685800"/>
+            <a:ext cx="6096000" cy="3429000"/>
+          </a:xfrm>
+          <a:custGeom>
+            <a:avLst/>
+            <a:gdLst/>
+            <a:ahLst/>
+            <a:cxnLst/>
+            <a:rect l="l" t="t" r="r" b="b"/>
+            <a:pathLst>
+              <a:path w="120000" h="120000" extrusionOk="0">
+                <a:moveTo>
+                  <a:pt x="0" y="0"/>
+                </a:moveTo>
+                <a:lnTo>
+                  <a:pt x="120000" y="0"/>
+                </a:lnTo>
+                <a:lnTo>
+                  <a:pt x="120000" y="120000"/>
+                </a:lnTo>
+                <a:lnTo>
+                  <a:pt x="0" y="120000"/>
+                </a:lnTo>
+                <a:close/>
+              </a:path>
+            </a:pathLst>
+          </a:custGeom>
+        </p:spPr>
+      </p:sp>
+    </p:spTree>
+  </p:cSld>
+  <p:clrMapOvr>
+    <a:masterClrMapping/>
+  </p:clrMapOvr>
+</p:notes>
+</file>
+
+<file path=ppt/notesSlides/notesSlide4.xml><?xml version="1.0" encoding="utf-8"?>
+<p:notes xmlns:a="http://schemas.openxmlformats.org/drawingml/2006/main" xmlns:r="http://schemas.openxmlformats.org/officeDocument/2006/relationships" xmlns:p="http://schemas.openxmlformats.org/presentationml/2006/main" showMasterSp="0" showMasterPhAnim="0">
+  <p:cSld>
+    <p:spTree>
+      <p:nvGrpSpPr>
+        <p:cNvPr id="1" name="Shape 75"/>
+        <p:cNvGrpSpPr/>
+        <p:nvPr/>
+      </p:nvGrpSpPr>
+      <p:grpSpPr>
+        <a:xfrm>
+          <a:off x="0" y="0"/>
+          <a:ext cx="0" cy="0"/>
+          <a:chOff x="0" y="0"/>
+          <a:chExt cx="0" cy="0"/>
+        </a:xfrm>
+      </p:grpSpPr>
+      <p:sp>
+        <p:nvSpPr>
+          <p:cNvPr id="76" name="Google Shape;76;p8:notes"/>
+          <p:cNvSpPr txBox="1">
+            <a:spLocks noGrp="1"/>
+          </p:cNvSpPr>
+          <p:nvPr>
+            <p:ph type="body" idx="1"/>
+          </p:nvPr>
+        </p:nvSpPr>
+        <p:spPr>
+          <a:xfrm>
+            <a:off x="914400" y="4343400"/>
+            <a:ext cx="5029200" cy="4114800"/>
+          </a:xfrm>
+          <a:prstGeom prst="rect">
+            <a:avLst/>
+          </a:prstGeom>
+        </p:spPr>
+        <p:txBody>
+          <a:bodyPr spcFirstLastPara="1" wrap="square" lIns="91425" tIns="45700" rIns="91425" bIns="45700" anchor="t" anchorCtr="0">
+            <a:noAutofit/>
+          </a:bodyPr>
+          <a:lstStyle/>
+          <a:p>
+            <a:pPr marL="0" lvl="0" indent="0" algn="l" rtl="0">
+              <a:spcBef>
+                <a:spcPts val="0"/>
+              </a:spcBef>
+              <a:spcAft>
+                <a:spcPts val="0"/>
+              </a:spcAft>
+              <a:buNone/>
+            </a:pPr>
+            <a:endParaRPr/>
+          </a:p>
+        </p:txBody>
+      </p:sp>
+      <p:sp>
+        <p:nvSpPr>
+          <p:cNvPr id="77" name="Google Shape;77;p8:notes"/>
+          <p:cNvSpPr>
+            <a:spLocks noGrp="1" noRot="1" noChangeAspect="1"/>
+          </p:cNvSpPr>
+          <p:nvPr>
+            <p:ph type="sldImg" idx="2"/>
+          </p:nvPr>
+        </p:nvSpPr>
+        <p:spPr>
+          <a:xfrm>
+            <a:off x="381000" y="685800"/>
+            <a:ext cx="6096000" cy="3429000"/>
+          </a:xfrm>
+          <a:custGeom>
+            <a:avLst/>
+            <a:gdLst/>
+            <a:ahLst/>
+            <a:cxnLst/>
+            <a:rect l="l" t="t" r="r" b="b"/>
+            <a:pathLst>
+              <a:path w="120000" h="120000" extrusionOk="0">
+                <a:moveTo>
+                  <a:pt x="0" y="0"/>
+                </a:moveTo>
+                <a:lnTo>
+                  <a:pt x="120000" y="0"/>
+                </a:lnTo>
+                <a:lnTo>
+                  <a:pt x="120000" y="120000"/>
+                </a:lnTo>
+                <a:lnTo>
+                  <a:pt x="0" y="120000"/>
+                </a:lnTo>
+                <a:close/>
+              </a:path>
+            </a:pathLst>
+          </a:custGeom>
+        </p:spPr>
+      </p:sp>
+    </p:spTree>
+  </p:cSld>
+  <p:clrMapOvr>
+    <a:masterClrMapping/>
+  </p:clrMapOvr>
+</p:notes>
+</file>
+
+<file path=ppt/notesSlides/notesSlide5.xml><?xml version="1.0" encoding="utf-8"?>
+<p:notes xmlns:a="http://schemas.openxmlformats.org/drawingml/2006/main" xmlns:r="http://schemas.openxmlformats.org/officeDocument/2006/relationships" xmlns:p="http://schemas.openxmlformats.org/presentationml/2006/main" showMasterSp="0" showMasterPhAnim="0">
+  <p:cSld>
+    <p:spTree>
+      <p:nvGrpSpPr>
+        <p:cNvPr id="1" name="Shape 81"/>
+        <p:cNvGrpSpPr/>
+        <p:nvPr/>
+      </p:nvGrpSpPr>
+      <p:grpSpPr>
+        <a:xfrm>
+          <a:off x="0" y="0"/>
+          <a:ext cx="0" cy="0"/>
+          <a:chOff x="0" y="0"/>
+          <a:chExt cx="0" cy="0"/>
+        </a:xfrm>
+      </p:grpSpPr>
+      <p:sp>
+        <p:nvSpPr>
+          <p:cNvPr id="82" name="Google Shape;82;p9:notes"/>
+          <p:cNvSpPr txBox="1">
+            <a:spLocks noGrp="1"/>
+          </p:cNvSpPr>
+          <p:nvPr>
+            <p:ph type="body" idx="1"/>
+          </p:nvPr>
+        </p:nvSpPr>
+        <p:spPr>
+          <a:xfrm>
+            <a:off x="914400" y="4343400"/>
+            <a:ext cx="5029200" cy="4114800"/>
+          </a:xfrm>
+          <a:prstGeom prst="rect">
+            <a:avLst/>
+          </a:prstGeom>
+        </p:spPr>
+        <p:txBody>
+          <a:bodyPr spcFirstLastPara="1" wrap="square" lIns="91425" tIns="45700" rIns="91425" bIns="45700" anchor="t" anchorCtr="0">
+            <a:noAutofit/>
+          </a:bodyPr>
+          <a:lstStyle/>
+          <a:p>
+            <a:pPr marL="0" lvl="0" indent="0" algn="l" rtl="0">
+              <a:spcBef>
+                <a:spcPts val="0"/>
+              </a:spcBef>
+              <a:spcAft>
+                <a:spcPts val="0"/>
+              </a:spcAft>
+              <a:buNone/>
+            </a:pPr>
+            <a:endParaRPr/>
+          </a:p>
+        </p:txBody>
+      </p:sp>
+      <p:sp>
+        <p:nvSpPr>
+          <p:cNvPr id="83" name="Google Shape;83;p9:notes"/>
+          <p:cNvSpPr>
+            <a:spLocks noGrp="1" noRot="1" noChangeAspect="1"/>
+          </p:cNvSpPr>
+          <p:nvPr>
+            <p:ph type="sldImg" idx="2"/>
+          </p:nvPr>
+        </p:nvSpPr>
+        <p:spPr>
+          <a:xfrm>
+            <a:off x="381000" y="685800"/>
+            <a:ext cx="6096000" cy="3429000"/>
+          </a:xfrm>
+          <a:custGeom>
+            <a:avLst/>
+            <a:gdLst/>
+            <a:ahLst/>
+            <a:cxnLst/>
+            <a:rect l="l" t="t" r="r" b="b"/>
+            <a:pathLst>
+              <a:path w="120000" h="120000" extrusionOk="0">
+                <a:moveTo>
+                  <a:pt x="0" y="0"/>
+                </a:moveTo>
+                <a:lnTo>
+                  <a:pt x="120000" y="0"/>
+                </a:lnTo>
+                <a:lnTo>
+                  <a:pt x="120000" y="120000"/>
+                </a:lnTo>
+                <a:lnTo>
+                  <a:pt x="0" y="120000"/>
+                </a:lnTo>
+                <a:close/>
+              </a:path>
+            </a:pathLst>
+          </a:custGeom>
+        </p:spPr>
+      </p:sp>
+    </p:spTree>
+  </p:cSld>
+  <p:clrMapOvr>
+    <a:masterClrMapping/>
+  </p:clrMapOvr>
+</p:notes>
+</file>
+
+<file path=ppt/notesSlides/notesSlide6.xml><?xml version="1.0" encoding="utf-8"?>
+<p:notes xmlns:a="http://schemas.openxmlformats.org/drawingml/2006/main" xmlns:r="http://schemas.openxmlformats.org/officeDocument/2006/relationships" xmlns:p="http://schemas.openxmlformats.org/presentationml/2006/main" showMasterSp="0" showMasterPhAnim="0">
+  <p:cSld>
+    <p:spTree>
+      <p:nvGrpSpPr>
+        <p:cNvPr id="1" name="Shape 195"/>
+        <p:cNvGrpSpPr/>
+        <p:nvPr/>
+      </p:nvGrpSpPr>
+      <p:grpSpPr>
+        <a:xfrm>
+          <a:off x="0" y="0"/>
+          <a:ext cx="0" cy="0"/>
+          <a:chOff x="0" y="0"/>
+          <a:chExt cx="0" cy="0"/>
+        </a:xfrm>
+      </p:grpSpPr>
+      <p:sp>
+        <p:nvSpPr>
+          <p:cNvPr id="196" name="Google Shape;196;p20:notes"/>
+          <p:cNvSpPr txBox="1">
+            <a:spLocks noGrp="1"/>
+          </p:cNvSpPr>
+          <p:nvPr>
+            <p:ph type="body" idx="1"/>
+          </p:nvPr>
+        </p:nvSpPr>
+        <p:spPr>
+          <a:xfrm>
+            <a:off x="914400" y="4343400"/>
+            <a:ext cx="5029200" cy="4114800"/>
+          </a:xfrm>
+          <a:prstGeom prst="rect">
+            <a:avLst/>
+          </a:prstGeom>
+        </p:spPr>
+        <p:txBody>
+          <a:bodyPr spcFirstLastPara="1" wrap="square" lIns="91425" tIns="45700" rIns="91425" bIns="45700" anchor="t" anchorCtr="0">
+            <a:noAutofit/>
+          </a:bodyPr>
+          <a:lstStyle/>
+          <a:p>
+            <a:pPr marL="0" lvl="0" indent="0" algn="l" rtl="0">
+              <a:spcBef>
+                <a:spcPts val="0"/>
+              </a:spcBef>
+              <a:spcAft>
+                <a:spcPts val="0"/>
+              </a:spcAft>
+              <a:buNone/>
+            </a:pPr>
+            <a:endParaRPr/>
+          </a:p>
+        </p:txBody>
+      </p:sp>
+      <p:sp>
+        <p:nvSpPr>
+          <p:cNvPr id="197" name="Google Shape;197;p20:notes"/>
+          <p:cNvSpPr>
+            <a:spLocks noGrp="1" noRot="1" noChangeAspect="1"/>
+          </p:cNvSpPr>
+          <p:nvPr>
+            <p:ph type="sldImg" idx="2"/>
+          </p:nvPr>
+        </p:nvSpPr>
+        <p:spPr>
+          <a:xfrm>
+            <a:off x="381000" y="685800"/>
+            <a:ext cx="6096000" cy="3429000"/>
+          </a:xfrm>
+          <a:custGeom>
+            <a:avLst/>
+            <a:gdLst/>
+            <a:ahLst/>
+            <a:cxnLst/>
+            <a:rect l="l" t="t" r="r" b="b"/>
+            <a:pathLst>
+              <a:path w="120000" h="120000" extrusionOk="0">
+                <a:moveTo>
+                  <a:pt x="0" y="0"/>
+                </a:moveTo>
+                <a:lnTo>
+                  <a:pt x="120000" y="0"/>
+                </a:lnTo>
+                <a:lnTo>
+                  <a:pt x="120000" y="120000"/>
+                </a:lnTo>
+                <a:lnTo>
+                  <a:pt x="0" y="120000"/>
+                </a:lnTo>
+                <a:close/>
+              </a:path>
+            </a:pathLst>
+          </a:custGeom>
+        </p:spPr>
+      </p:sp>
+    </p:spTree>
+  </p:cSld>
+  <p:clrMapOvr>
+    <a:masterClrMapping/>
+  </p:clrMapOvr>
+</p:notes>
+</file>
+
+<file path=ppt/notesSlides/notesSlide7.xml><?xml version="1.0" encoding="utf-8"?>
+<p:notes xmlns:a="http://schemas.openxmlformats.org/drawingml/2006/main" xmlns:r="http://schemas.openxmlformats.org/officeDocument/2006/relationships" xmlns:p="http://schemas.openxmlformats.org/presentationml/2006/main" showMasterSp="0" showMasterPhAnim="0">
+  <p:cSld>
+    <p:spTree>
+      <p:nvGrpSpPr>
+        <p:cNvPr id="1" name="Shape 201"/>
+        <p:cNvGrpSpPr/>
+        <p:nvPr/>
+      </p:nvGrpSpPr>
+      <p:grpSpPr>
+        <a:xfrm>
+          <a:off x="0" y="0"/>
+          <a:ext cx="0" cy="0"/>
+          <a:chOff x="0" y="0"/>
+          <a:chExt cx="0" cy="0"/>
+        </a:xfrm>
+      </p:grpSpPr>
+      <p:sp>
+        <p:nvSpPr>
+          <p:cNvPr id="202" name="Google Shape;202;p21:notes"/>
+          <p:cNvSpPr txBox="1">
+            <a:spLocks noGrp="1"/>
+          </p:cNvSpPr>
+          <p:nvPr>
+            <p:ph type="body" idx="1"/>
+          </p:nvPr>
+        </p:nvSpPr>
+        <p:spPr>
+          <a:xfrm>
+            <a:off x="914400" y="4343400"/>
+            <a:ext cx="5029200" cy="4114800"/>
+          </a:xfrm>
+          <a:prstGeom prst="rect">
+            <a:avLst/>
+          </a:prstGeom>
+        </p:spPr>
+        <p:txBody>
+          <a:bodyPr spcFirstLastPara="1" wrap="square" lIns="91425" tIns="45700" rIns="91425" bIns="45700" anchor="t" anchorCtr="0">
+            <a:noAutofit/>
+          </a:bodyPr>
+          <a:lstStyle/>
+          <a:p>
+            <a:pPr marL="0" lvl="0" indent="0" algn="l" rtl="0">
+              <a:spcBef>
+                <a:spcPts val="0"/>
+              </a:spcBef>
+              <a:spcAft>
+                <a:spcPts val="0"/>
+              </a:spcAft>
+              <a:buNone/>
+            </a:pPr>
+            <a:endParaRPr/>
+          </a:p>
+        </p:txBody>
+      </p:sp>
+      <p:sp>
+        <p:nvSpPr>
+          <p:cNvPr id="203" name="Google Shape;203;p21:notes"/>
+          <p:cNvSpPr>
+            <a:spLocks noGrp="1" noRot="1" noChangeAspect="1"/>
+          </p:cNvSpPr>
+          <p:nvPr>
+            <p:ph type="sldImg" idx="2"/>
+          </p:nvPr>
+        </p:nvSpPr>
+        <p:spPr>
+          <a:xfrm>
+            <a:off x="381000" y="685800"/>
+            <a:ext cx="6096000" cy="3429000"/>
+          </a:xfrm>
+          <a:custGeom>
+            <a:avLst/>
+            <a:gdLst/>
+            <a:ahLst/>
+            <a:cxnLst/>
+            <a:rect l="l" t="t" r="r" b="b"/>
+            <a:pathLst>
+              <a:path w="120000" h="120000" extrusionOk="0">
+                <a:moveTo>
+                  <a:pt x="0" y="0"/>
+                </a:moveTo>
+                <a:lnTo>
+                  <a:pt x="120000" y="0"/>
+                </a:lnTo>
+                <a:lnTo>
+                  <a:pt x="120000" y="120000"/>
+                </a:lnTo>
+                <a:lnTo>
+                  <a:pt x="0" y="120000"/>
+                </a:lnTo>
+                <a:close/>
+              </a:path>
+            </a:pathLst>
+          </a:custGeom>
+        </p:spPr>
+      </p:sp>
+    </p:spTree>
+  </p:cSld>
+  <p:clrMapOvr>
+    <a:masterClrMapping/>
+  </p:clrMapOvr>
+</p:notes>
+</file>
+
+<file path=ppt/notesSlides/notesSlide8.xml><?xml version="1.0" encoding="utf-8"?>
+<p:notes xmlns:a="http://schemas.openxmlformats.org/drawingml/2006/main" xmlns:r="http://schemas.openxmlformats.org/officeDocument/2006/relationships" xmlns:p="http://schemas.openxmlformats.org/presentationml/2006/main" showMasterSp="0" showMasterPhAnim="0">
+  <p:cSld>
+    <p:spTree>
+      <p:nvGrpSpPr>
+        <p:cNvPr id="1" name="Shape 207"/>
+        <p:cNvGrpSpPr/>
+        <p:nvPr/>
+      </p:nvGrpSpPr>
+      <p:grpSpPr>
+        <a:xfrm>
+          <a:off x="0" y="0"/>
+          <a:ext cx="0" cy="0"/>
+          <a:chOff x="0" y="0"/>
+          <a:chExt cx="0" cy="0"/>
+        </a:xfrm>
+      </p:grpSpPr>
+      <p:sp>
+        <p:nvSpPr>
+          <p:cNvPr id="208" name="Google Shape;208;p22:notes"/>
+          <p:cNvSpPr txBox="1">
+            <a:spLocks noGrp="1"/>
+          </p:cNvSpPr>
+          <p:nvPr>
+            <p:ph type="body" idx="1"/>
+          </p:nvPr>
+        </p:nvSpPr>
+        <p:spPr>
+          <a:xfrm>
+            <a:off x="914400" y="4343400"/>
+            <a:ext cx="5029200" cy="4114800"/>
+          </a:xfrm>
+          <a:prstGeom prst="rect">
+            <a:avLst/>
+          </a:prstGeom>
+        </p:spPr>
+        <p:txBody>
+          <a:bodyPr spcFirstLastPara="1" wrap="square" lIns="91425" tIns="45700" rIns="91425" bIns="45700" anchor="t" anchorCtr="0">
+            <a:noAutofit/>
+          </a:bodyPr>
+          <a:lstStyle/>
+          <a:p>
+            <a:pPr marL="0" lvl="0" indent="0" algn="l" rtl="0">
+              <a:spcBef>
+                <a:spcPts val="0"/>
+              </a:spcBef>
+              <a:spcAft>
+                <a:spcPts val="0"/>
+              </a:spcAft>
+              <a:buNone/>
+            </a:pPr>
+            <a:endParaRPr/>
+          </a:p>
+        </p:txBody>
+      </p:sp>
+      <p:sp>
+        <p:nvSpPr>
+          <p:cNvPr id="209" name="Google Shape;209;p22:notes"/>
+          <p:cNvSpPr>
+            <a:spLocks noGrp="1" noRot="1" noChangeAspect="1"/>
+          </p:cNvSpPr>
+          <p:nvPr>
+            <p:ph type="sldImg" idx="2"/>
+          </p:nvPr>
+        </p:nvSpPr>
+        <p:spPr>
+          <a:xfrm>
+            <a:off x="381000" y="685800"/>
+            <a:ext cx="6096000" cy="3429000"/>
+          </a:xfrm>
+          <a:custGeom>
+            <a:avLst/>
+            <a:gdLst/>
+            <a:ahLst/>
+            <a:cxnLst/>
+            <a:rect l="l" t="t" r="r" b="b"/>
+            <a:pathLst>
+              <a:path w="120000" h="120000" extrusionOk="0">
+                <a:moveTo>
+                  <a:pt x="0" y="0"/>
+                </a:moveTo>
+                <a:lnTo>
+                  <a:pt x="120000" y="0"/>
+                </a:lnTo>
+                <a:lnTo>
+                  <a:pt x="120000" y="120000"/>
+                </a:lnTo>
+                <a:lnTo>
+                  <a:pt x="0" y="120000"/>
+                </a:lnTo>
+                <a:close/>
+              </a:path>
+            </a:pathLst>
+          </a:custGeom>
+        </p:spPr>
+      </p:sp>
+    </p:spTree>
+  </p:cSld>
+  <p:clrMapOvr>
+    <a:masterClrMapping/>
+  </p:clrMapOvr>
+</p:notes>
+</file>
+
+<file path=ppt/notesSlides/notesSlide9.xml><?xml version="1.0" encoding="utf-8"?>
+<p:notes xmlns:a="http://schemas.openxmlformats.org/drawingml/2006/main" xmlns:r="http://schemas.openxmlformats.org/officeDocument/2006/relationships" xmlns:p="http://schemas.openxmlformats.org/presentationml/2006/main" showMasterSp="0" showMasterPhAnim="0">
+  <p:cSld>
+    <p:spTree>
+      <p:nvGrpSpPr>
+        <p:cNvPr id="1" name="Shape 213"/>
+        <p:cNvGrpSpPr/>
+        <p:nvPr/>
+      </p:nvGrpSpPr>
+      <p:grpSpPr>
+        <a:xfrm>
+          <a:off x="0" y="0"/>
+          <a:ext cx="0" cy="0"/>
+          <a:chOff x="0" y="0"/>
+          <a:chExt cx="0" cy="0"/>
+        </a:xfrm>
+      </p:grpSpPr>
+      <p:sp>
+        <p:nvSpPr>
+          <p:cNvPr id="214" name="Google Shape;214;p23:notes"/>
+          <p:cNvSpPr txBox="1">
+            <a:spLocks noGrp="1"/>
+          </p:cNvSpPr>
+          <p:nvPr>
+            <p:ph type="body" idx="1"/>
+          </p:nvPr>
+        </p:nvSpPr>
+        <p:spPr>
+          <a:xfrm>
+            <a:off x="914400" y="4343400"/>
+            <a:ext cx="5029200" cy="4114800"/>
+          </a:xfrm>
+          <a:prstGeom prst="rect">
+            <a:avLst/>
+          </a:prstGeom>
+        </p:spPr>
+        <p:txBody>
+          <a:bodyPr spcFirstLastPara="1" wrap="square" lIns="91425" tIns="45700" rIns="91425" bIns="45700" anchor="t" anchorCtr="0">
+            <a:noAutofit/>
+          </a:bodyPr>
+          <a:lstStyle/>
+          <a:p>
+            <a:pPr marL="0" lvl="0" indent="0" algn="l" rtl="0">
+              <a:spcBef>
+                <a:spcPts val="0"/>
+              </a:spcBef>
+              <a:spcAft>
+                <a:spcPts val="0"/>
+              </a:spcAft>
+              <a:buNone/>
+            </a:pPr>
+            <a:endParaRPr/>
+          </a:p>
+        </p:txBody>
+      </p:sp>
+      <p:sp>
+        <p:nvSpPr>
+          <p:cNvPr id="215" name="Google Shape;215;p23:notes"/>
+          <p:cNvSpPr>
+            <a:spLocks noGrp="1" noRot="1" noChangeAspect="1"/>
+          </p:cNvSpPr>
+          <p:nvPr>
+            <p:ph type="sldImg" idx="2"/>
+          </p:nvPr>
+        </p:nvSpPr>
+        <p:spPr>
+          <a:xfrm>
+            <a:off x="381000" y="685800"/>
+            <a:ext cx="6096000" cy="3429000"/>
+          </a:xfrm>
+          <a:custGeom>
+            <a:avLst/>
+            <a:gdLst/>
+            <a:ahLst/>
+            <a:cxnLst/>
+            <a:rect l="l" t="t" r="r" b="b"/>
+            <a:pathLst>
+              <a:path w="120000" h="120000" extrusionOk="0">
+                <a:moveTo>
+                  <a:pt x="0" y="0"/>
+                </a:moveTo>
+                <a:lnTo>
+                  <a:pt x="120000" y="0"/>
+                </a:lnTo>
+                <a:lnTo>
+                  <a:pt x="120000" y="120000"/>
+                </a:lnTo>
+                <a:lnTo>
+                  <a:pt x="0" y="120000"/>
+                </a:lnTo>
+                <a:close/>
+              </a:path>
+            </a:pathLst>
+          </a:custGeom>
+        </p:spPr>
+      </p:sp>
+    </p:spTree>
+  </p:cSld>
+  <p:clrMapOvr>
+    <a:masterClrMapping/>
+  </p:clrMapOvr>
+</p:notes>
+</file>
+
 <file path=ppt/slideLayouts/slideLayout1.xml><?xml version="1.0" encoding="utf-8"?>
 <p:sldLayout xmlns:a="http://schemas.openxmlformats.org/drawingml/2006/main" xmlns:r="http://schemas.openxmlformats.org/officeDocument/2006/relationships" xmlns:p="http://schemas.openxmlformats.org/presentationml/2006/main" type="title" preserve="1">
   <p:cSld name="Title Slide">
@@ -3235,6 +5269,1083 @@
 </p:sldLayout>
 </file>
 
+<file path=ppt/slideLayouts/slideLayout18.xml><?xml version="1.0" encoding="utf-8"?>
+<p:sldLayout xmlns:a="http://schemas.openxmlformats.org/drawingml/2006/main" xmlns:r="http://schemas.openxmlformats.org/officeDocument/2006/relationships" xmlns:p="http://schemas.openxmlformats.org/presentationml/2006/main" matchingName="Title and text" type="tx">
+  <p:cSld name="Title and text">
+    <p:spTree>
+      <p:nvGrpSpPr>
+        <p:cNvPr id="1" name="Shape 17"/>
+        <p:cNvGrpSpPr/>
+        <p:nvPr/>
+      </p:nvGrpSpPr>
+      <p:grpSpPr>
+        <a:xfrm>
+          <a:off x="0" y="0"/>
+          <a:ext cx="0" cy="0"/>
+          <a:chOff x="0" y="0"/>
+          <a:chExt cx="0" cy="0"/>
+        </a:xfrm>
+      </p:grpSpPr>
+      <p:sp>
+        <p:nvSpPr>
+          <p:cNvPr id="18" name="Google Shape;18;p45"/>
+          <p:cNvSpPr txBox="1">
+            <a:spLocks noGrp="1"/>
+          </p:cNvSpPr>
+          <p:nvPr>
+            <p:ph type="title"/>
+          </p:nvPr>
+        </p:nvSpPr>
+        <p:spPr>
+          <a:xfrm>
+            <a:off x="1828800" y="304800"/>
+            <a:ext cx="10092267" cy="685800"/>
+          </a:xfrm>
+          <a:prstGeom prst="rect">
+            <a:avLst/>
+          </a:prstGeom>
+          <a:noFill/>
+          <a:ln>
+            <a:noFill/>
+          </a:ln>
+        </p:spPr>
+        <p:txBody>
+          <a:bodyPr spcFirstLastPara="1" wrap="square" lIns="91425" tIns="45700" rIns="91425" bIns="45700" anchor="ctr" anchorCtr="0">
+            <a:noAutofit/>
+          </a:bodyPr>
+          <a:lstStyle>
+            <a:lvl1pPr lvl="0" algn="r">
+              <a:lnSpc>
+                <a:spcPct val="100000"/>
+              </a:lnSpc>
+              <a:spcBef>
+                <a:spcPts val="0"/>
+              </a:spcBef>
+              <a:spcAft>
+                <a:spcPts val="0"/>
+              </a:spcAft>
+              <a:buSzPts val="1400"/>
+              <a:buNone/>
+              <a:defRPr/>
+            </a:lvl1pPr>
+            <a:lvl2pPr lvl="1" algn="r">
+              <a:lnSpc>
+                <a:spcPct val="100000"/>
+              </a:lnSpc>
+              <a:spcBef>
+                <a:spcPts val="0"/>
+              </a:spcBef>
+              <a:spcAft>
+                <a:spcPts val="0"/>
+              </a:spcAft>
+              <a:buSzPts val="1400"/>
+              <a:buNone/>
+              <a:defRPr/>
+            </a:lvl2pPr>
+            <a:lvl3pPr lvl="2" algn="r">
+              <a:lnSpc>
+                <a:spcPct val="100000"/>
+              </a:lnSpc>
+              <a:spcBef>
+                <a:spcPts val="0"/>
+              </a:spcBef>
+              <a:spcAft>
+                <a:spcPts val="0"/>
+              </a:spcAft>
+              <a:buSzPts val="1400"/>
+              <a:buNone/>
+              <a:defRPr/>
+            </a:lvl3pPr>
+            <a:lvl4pPr lvl="3" algn="r">
+              <a:lnSpc>
+                <a:spcPct val="100000"/>
+              </a:lnSpc>
+              <a:spcBef>
+                <a:spcPts val="0"/>
+              </a:spcBef>
+              <a:spcAft>
+                <a:spcPts val="0"/>
+              </a:spcAft>
+              <a:buSzPts val="1400"/>
+              <a:buNone/>
+              <a:defRPr/>
+            </a:lvl4pPr>
+            <a:lvl5pPr lvl="4" algn="r">
+              <a:lnSpc>
+                <a:spcPct val="100000"/>
+              </a:lnSpc>
+              <a:spcBef>
+                <a:spcPts val="0"/>
+              </a:spcBef>
+              <a:spcAft>
+                <a:spcPts val="0"/>
+              </a:spcAft>
+              <a:buSzPts val="1400"/>
+              <a:buNone/>
+              <a:defRPr/>
+            </a:lvl5pPr>
+            <a:lvl6pPr lvl="5" algn="r">
+              <a:lnSpc>
+                <a:spcPct val="100000"/>
+              </a:lnSpc>
+              <a:spcBef>
+                <a:spcPts val="0"/>
+              </a:spcBef>
+              <a:spcAft>
+                <a:spcPts val="0"/>
+              </a:spcAft>
+              <a:buSzPts val="1400"/>
+              <a:buNone/>
+              <a:defRPr/>
+            </a:lvl6pPr>
+            <a:lvl7pPr lvl="6" algn="r">
+              <a:lnSpc>
+                <a:spcPct val="100000"/>
+              </a:lnSpc>
+              <a:spcBef>
+                <a:spcPts val="0"/>
+              </a:spcBef>
+              <a:spcAft>
+                <a:spcPts val="0"/>
+              </a:spcAft>
+              <a:buSzPts val="1400"/>
+              <a:buNone/>
+              <a:defRPr/>
+            </a:lvl7pPr>
+            <a:lvl8pPr lvl="7" algn="r">
+              <a:lnSpc>
+                <a:spcPct val="100000"/>
+              </a:lnSpc>
+              <a:spcBef>
+                <a:spcPts val="0"/>
+              </a:spcBef>
+              <a:spcAft>
+                <a:spcPts val="0"/>
+              </a:spcAft>
+              <a:buSzPts val="1400"/>
+              <a:buNone/>
+              <a:defRPr/>
+            </a:lvl8pPr>
+            <a:lvl9pPr lvl="8" algn="r">
+              <a:lnSpc>
+                <a:spcPct val="100000"/>
+              </a:lnSpc>
+              <a:spcBef>
+                <a:spcPts val="0"/>
+              </a:spcBef>
+              <a:spcAft>
+                <a:spcPts val="0"/>
+              </a:spcAft>
+              <a:buSzPts val="1400"/>
+              <a:buNone/>
+              <a:defRPr/>
+            </a:lvl9pPr>
+          </a:lstStyle>
+          <a:p>
+            <a:endParaRPr/>
+          </a:p>
+        </p:txBody>
+      </p:sp>
+      <p:sp>
+        <p:nvSpPr>
+          <p:cNvPr id="19" name="Google Shape;19;p45"/>
+          <p:cNvSpPr txBox="1">
+            <a:spLocks noGrp="1"/>
+          </p:cNvSpPr>
+          <p:nvPr>
+            <p:ph type="body" idx="1"/>
+          </p:nvPr>
+        </p:nvSpPr>
+        <p:spPr>
+          <a:xfrm>
+            <a:off x="1625600" y="1447800"/>
+            <a:ext cx="9652000" cy="4648200"/>
+          </a:xfrm>
+          <a:prstGeom prst="rect">
+            <a:avLst/>
+          </a:prstGeom>
+          <a:noFill/>
+          <a:ln>
+            <a:noFill/>
+          </a:ln>
+        </p:spPr>
+        <p:txBody>
+          <a:bodyPr spcFirstLastPara="1" wrap="square" lIns="91425" tIns="45700" rIns="91425" bIns="45700" anchor="t" anchorCtr="0">
+            <a:noAutofit/>
+          </a:bodyPr>
+          <a:lstStyle>
+            <a:lvl1pPr marL="457200" lvl="0" indent="-342900" algn="l">
+              <a:lnSpc>
+                <a:spcPct val="100000"/>
+              </a:lnSpc>
+              <a:spcBef>
+                <a:spcPts val="720"/>
+              </a:spcBef>
+              <a:spcAft>
+                <a:spcPts val="0"/>
+              </a:spcAft>
+              <a:buClr>
+                <a:schemeClr val="accent2"/>
+              </a:buClr>
+              <a:buSzPts val="1800"/>
+              <a:buChar char="•"/>
+              <a:defRPr/>
+            </a:lvl1pPr>
+            <a:lvl2pPr marL="914400" lvl="1" indent="-342900" algn="l">
+              <a:lnSpc>
+                <a:spcPct val="100000"/>
+              </a:lnSpc>
+              <a:spcBef>
+                <a:spcPts val="720"/>
+              </a:spcBef>
+              <a:spcAft>
+                <a:spcPts val="0"/>
+              </a:spcAft>
+              <a:buClr>
+                <a:schemeClr val="accent2"/>
+              </a:buClr>
+              <a:buSzPts val="1800"/>
+              <a:buChar char="–"/>
+              <a:defRPr/>
+            </a:lvl2pPr>
+            <a:lvl3pPr marL="1371600" lvl="2" indent="-342900" algn="l">
+              <a:lnSpc>
+                <a:spcPct val="100000"/>
+              </a:lnSpc>
+              <a:spcBef>
+                <a:spcPts val="720"/>
+              </a:spcBef>
+              <a:spcAft>
+                <a:spcPts val="0"/>
+              </a:spcAft>
+              <a:buClr>
+                <a:schemeClr val="accent2"/>
+              </a:buClr>
+              <a:buSzPts val="1800"/>
+              <a:buChar char="•"/>
+              <a:defRPr/>
+            </a:lvl3pPr>
+            <a:lvl4pPr marL="1828800" lvl="3" indent="-342900" algn="l">
+              <a:lnSpc>
+                <a:spcPct val="100000"/>
+              </a:lnSpc>
+              <a:spcBef>
+                <a:spcPts val="720"/>
+              </a:spcBef>
+              <a:spcAft>
+                <a:spcPts val="0"/>
+              </a:spcAft>
+              <a:buClr>
+                <a:schemeClr val="accent2"/>
+              </a:buClr>
+              <a:buSzPts val="1800"/>
+              <a:buChar char="–"/>
+              <a:defRPr/>
+            </a:lvl4pPr>
+            <a:lvl5pPr marL="2286000" lvl="4" indent="-342900" algn="l">
+              <a:lnSpc>
+                <a:spcPct val="100000"/>
+              </a:lnSpc>
+              <a:spcBef>
+                <a:spcPts val="720"/>
+              </a:spcBef>
+              <a:spcAft>
+                <a:spcPts val="0"/>
+              </a:spcAft>
+              <a:buClr>
+                <a:schemeClr val="accent2"/>
+              </a:buClr>
+              <a:buSzPts val="1800"/>
+              <a:buChar char="»"/>
+              <a:defRPr/>
+            </a:lvl5pPr>
+            <a:lvl6pPr marL="2743200" lvl="5" indent="-342900" algn="l">
+              <a:lnSpc>
+                <a:spcPct val="100000"/>
+              </a:lnSpc>
+              <a:spcBef>
+                <a:spcPts val="720"/>
+              </a:spcBef>
+              <a:spcAft>
+                <a:spcPts val="0"/>
+              </a:spcAft>
+              <a:buClr>
+                <a:schemeClr val="accent2"/>
+              </a:buClr>
+              <a:buSzPts val="1800"/>
+              <a:buChar char="»"/>
+              <a:defRPr/>
+            </a:lvl6pPr>
+            <a:lvl7pPr marL="3200400" lvl="6" indent="-342900" algn="l">
+              <a:lnSpc>
+                <a:spcPct val="100000"/>
+              </a:lnSpc>
+              <a:spcBef>
+                <a:spcPts val="720"/>
+              </a:spcBef>
+              <a:spcAft>
+                <a:spcPts val="0"/>
+              </a:spcAft>
+              <a:buClr>
+                <a:schemeClr val="accent2"/>
+              </a:buClr>
+              <a:buSzPts val="1800"/>
+              <a:buChar char="»"/>
+              <a:defRPr/>
+            </a:lvl7pPr>
+            <a:lvl8pPr marL="3657600" lvl="7" indent="-342900" algn="l">
+              <a:lnSpc>
+                <a:spcPct val="100000"/>
+              </a:lnSpc>
+              <a:spcBef>
+                <a:spcPts val="720"/>
+              </a:spcBef>
+              <a:spcAft>
+                <a:spcPts val="0"/>
+              </a:spcAft>
+              <a:buClr>
+                <a:schemeClr val="accent2"/>
+              </a:buClr>
+              <a:buSzPts val="1800"/>
+              <a:buChar char="»"/>
+              <a:defRPr/>
+            </a:lvl8pPr>
+            <a:lvl9pPr marL="4114800" lvl="8" indent="-342900" algn="l">
+              <a:lnSpc>
+                <a:spcPct val="100000"/>
+              </a:lnSpc>
+              <a:spcBef>
+                <a:spcPts val="720"/>
+              </a:spcBef>
+              <a:spcAft>
+                <a:spcPts val="0"/>
+              </a:spcAft>
+              <a:buClr>
+                <a:schemeClr val="accent2"/>
+              </a:buClr>
+              <a:buSzPts val="1800"/>
+              <a:buChar char="»"/>
+              <a:defRPr/>
+            </a:lvl9pPr>
+          </a:lstStyle>
+          <a:p>
+            <a:endParaRPr/>
+          </a:p>
+        </p:txBody>
+      </p:sp>
+      <p:sp>
+        <p:nvSpPr>
+          <p:cNvPr id="20" name="Google Shape;20;p45"/>
+          <p:cNvSpPr txBox="1">
+            <a:spLocks noGrp="1"/>
+          </p:cNvSpPr>
+          <p:nvPr>
+            <p:ph type="dt" idx="10"/>
+          </p:nvPr>
+        </p:nvSpPr>
+        <p:spPr>
+          <a:xfrm>
+            <a:off x="0" y="0"/>
+            <a:ext cx="4000000" cy="3000000"/>
+          </a:xfrm>
+          <a:prstGeom prst="rect">
+            <a:avLst/>
+          </a:prstGeom>
+          <a:noFill/>
+          <a:ln>
+            <a:noFill/>
+          </a:ln>
+        </p:spPr>
+        <p:txBody>
+          <a:bodyPr spcFirstLastPara="1" wrap="square" lIns="91425" tIns="45700" rIns="91425" bIns="45700" anchor="t" anchorCtr="0">
+            <a:noAutofit/>
+          </a:bodyPr>
+          <a:lstStyle>
+            <a:lvl1pPr marR="0" lvl="0" algn="l" rtl="0">
+              <a:lnSpc>
+                <a:spcPct val="100000"/>
+              </a:lnSpc>
+              <a:spcBef>
+                <a:spcPts val="0"/>
+              </a:spcBef>
+              <a:spcAft>
+                <a:spcPts val="0"/>
+              </a:spcAft>
+              <a:buSzPts val="1400"/>
+              <a:buNone/>
+              <a:defRPr sz="2400" b="0" i="0" u="none">
+                <a:solidFill>
+                  <a:schemeClr val="dk1"/>
+                </a:solidFill>
+                <a:latin typeface="Verdana"/>
+                <a:ea typeface="Verdana"/>
+                <a:cs typeface="Verdana"/>
+                <a:sym typeface="Verdana"/>
+              </a:defRPr>
+            </a:lvl1pPr>
+            <a:lvl2pPr marR="0" lvl="1" algn="l" rtl="0">
+              <a:lnSpc>
+                <a:spcPct val="100000"/>
+              </a:lnSpc>
+              <a:spcBef>
+                <a:spcPts val="0"/>
+              </a:spcBef>
+              <a:spcAft>
+                <a:spcPts val="0"/>
+              </a:spcAft>
+              <a:buSzPts val="1400"/>
+              <a:buNone/>
+              <a:defRPr sz="2400" b="0" i="0" u="none" strike="noStrike" cap="none">
+                <a:solidFill>
+                  <a:schemeClr val="dk1"/>
+                </a:solidFill>
+                <a:latin typeface="Verdana"/>
+                <a:ea typeface="Verdana"/>
+                <a:cs typeface="Verdana"/>
+                <a:sym typeface="Verdana"/>
+              </a:defRPr>
+            </a:lvl2pPr>
+            <a:lvl3pPr marR="0" lvl="2" algn="l" rtl="0">
+              <a:lnSpc>
+                <a:spcPct val="100000"/>
+              </a:lnSpc>
+              <a:spcBef>
+                <a:spcPts val="0"/>
+              </a:spcBef>
+              <a:spcAft>
+                <a:spcPts val="0"/>
+              </a:spcAft>
+              <a:buSzPts val="1400"/>
+              <a:buNone/>
+              <a:defRPr sz="2400" b="0" i="0" u="none" strike="noStrike" cap="none">
+                <a:solidFill>
+                  <a:schemeClr val="dk1"/>
+                </a:solidFill>
+                <a:latin typeface="Verdana"/>
+                <a:ea typeface="Verdana"/>
+                <a:cs typeface="Verdana"/>
+                <a:sym typeface="Verdana"/>
+              </a:defRPr>
+            </a:lvl3pPr>
+            <a:lvl4pPr marR="0" lvl="3" algn="l" rtl="0">
+              <a:lnSpc>
+                <a:spcPct val="100000"/>
+              </a:lnSpc>
+              <a:spcBef>
+                <a:spcPts val="0"/>
+              </a:spcBef>
+              <a:spcAft>
+                <a:spcPts val="0"/>
+              </a:spcAft>
+              <a:buSzPts val="1400"/>
+              <a:buNone/>
+              <a:defRPr sz="2400" b="0" i="0" u="none" strike="noStrike" cap="none">
+                <a:solidFill>
+                  <a:schemeClr val="dk1"/>
+                </a:solidFill>
+                <a:latin typeface="Verdana"/>
+                <a:ea typeface="Verdana"/>
+                <a:cs typeface="Verdana"/>
+                <a:sym typeface="Verdana"/>
+              </a:defRPr>
+            </a:lvl4pPr>
+            <a:lvl5pPr marR="0" lvl="4" algn="l" rtl="0">
+              <a:lnSpc>
+                <a:spcPct val="100000"/>
+              </a:lnSpc>
+              <a:spcBef>
+                <a:spcPts val="0"/>
+              </a:spcBef>
+              <a:spcAft>
+                <a:spcPts val="0"/>
+              </a:spcAft>
+              <a:buSzPts val="1400"/>
+              <a:buNone/>
+              <a:defRPr sz="2400" b="0" i="0" u="none" strike="noStrike" cap="none">
+                <a:solidFill>
+                  <a:schemeClr val="dk1"/>
+                </a:solidFill>
+                <a:latin typeface="Verdana"/>
+                <a:ea typeface="Verdana"/>
+                <a:cs typeface="Verdana"/>
+                <a:sym typeface="Verdana"/>
+              </a:defRPr>
+            </a:lvl5pPr>
+            <a:lvl6pPr marR="0" lvl="5" algn="l" rtl="0">
+              <a:lnSpc>
+                <a:spcPct val="100000"/>
+              </a:lnSpc>
+              <a:spcBef>
+                <a:spcPts val="0"/>
+              </a:spcBef>
+              <a:spcAft>
+                <a:spcPts val="0"/>
+              </a:spcAft>
+              <a:buSzPts val="1400"/>
+              <a:buNone/>
+              <a:defRPr sz="2400" b="0" i="0" u="none" strike="noStrike" cap="none">
+                <a:solidFill>
+                  <a:schemeClr val="dk1"/>
+                </a:solidFill>
+                <a:latin typeface="Verdana"/>
+                <a:ea typeface="Verdana"/>
+                <a:cs typeface="Verdana"/>
+                <a:sym typeface="Verdana"/>
+              </a:defRPr>
+            </a:lvl6pPr>
+            <a:lvl7pPr marR="0" lvl="6" algn="l" rtl="0">
+              <a:lnSpc>
+                <a:spcPct val="100000"/>
+              </a:lnSpc>
+              <a:spcBef>
+                <a:spcPts val="0"/>
+              </a:spcBef>
+              <a:spcAft>
+                <a:spcPts val="0"/>
+              </a:spcAft>
+              <a:buSzPts val="1400"/>
+              <a:buNone/>
+              <a:defRPr sz="2400" b="0" i="0" u="none" strike="noStrike" cap="none">
+                <a:solidFill>
+                  <a:schemeClr val="dk1"/>
+                </a:solidFill>
+                <a:latin typeface="Verdana"/>
+                <a:ea typeface="Verdana"/>
+                <a:cs typeface="Verdana"/>
+                <a:sym typeface="Verdana"/>
+              </a:defRPr>
+            </a:lvl7pPr>
+            <a:lvl8pPr marR="0" lvl="7" algn="l" rtl="0">
+              <a:lnSpc>
+                <a:spcPct val="100000"/>
+              </a:lnSpc>
+              <a:spcBef>
+                <a:spcPts val="0"/>
+              </a:spcBef>
+              <a:spcAft>
+                <a:spcPts val="0"/>
+              </a:spcAft>
+              <a:buSzPts val="1400"/>
+              <a:buNone/>
+              <a:defRPr sz="2400" b="0" i="0" u="none" strike="noStrike" cap="none">
+                <a:solidFill>
+                  <a:schemeClr val="dk1"/>
+                </a:solidFill>
+                <a:latin typeface="Verdana"/>
+                <a:ea typeface="Verdana"/>
+                <a:cs typeface="Verdana"/>
+                <a:sym typeface="Verdana"/>
+              </a:defRPr>
+            </a:lvl8pPr>
+            <a:lvl9pPr marR="0" lvl="8" algn="l" rtl="0">
+              <a:lnSpc>
+                <a:spcPct val="100000"/>
+              </a:lnSpc>
+              <a:spcBef>
+                <a:spcPts val="0"/>
+              </a:spcBef>
+              <a:spcAft>
+                <a:spcPts val="0"/>
+              </a:spcAft>
+              <a:buSzPts val="1400"/>
+              <a:buNone/>
+              <a:defRPr sz="2400" b="0" i="0" u="none" strike="noStrike" cap="none">
+                <a:solidFill>
+                  <a:schemeClr val="dk1"/>
+                </a:solidFill>
+                <a:latin typeface="Verdana"/>
+                <a:ea typeface="Verdana"/>
+                <a:cs typeface="Verdana"/>
+                <a:sym typeface="Verdana"/>
+              </a:defRPr>
+            </a:lvl9pPr>
+          </a:lstStyle>
+          <a:p>
+            <a:endParaRPr/>
+          </a:p>
+        </p:txBody>
+      </p:sp>
+      <p:sp>
+        <p:nvSpPr>
+          <p:cNvPr id="21" name="Google Shape;21;p45"/>
+          <p:cNvSpPr txBox="1">
+            <a:spLocks noGrp="1"/>
+          </p:cNvSpPr>
+          <p:nvPr>
+            <p:ph type="ftr" idx="11"/>
+          </p:nvPr>
+        </p:nvSpPr>
+        <p:spPr>
+          <a:xfrm>
+            <a:off x="0" y="0"/>
+            <a:ext cx="4000000" cy="3000000"/>
+          </a:xfrm>
+          <a:prstGeom prst="rect">
+            <a:avLst/>
+          </a:prstGeom>
+          <a:noFill/>
+          <a:ln>
+            <a:noFill/>
+          </a:ln>
+        </p:spPr>
+        <p:txBody>
+          <a:bodyPr spcFirstLastPara="1" wrap="square" lIns="91425" tIns="45700" rIns="91425" bIns="45700" anchor="t" anchorCtr="0">
+            <a:noAutofit/>
+          </a:bodyPr>
+          <a:lstStyle>
+            <a:lvl1pPr marR="0" lvl="0" algn="l" rtl="0">
+              <a:lnSpc>
+                <a:spcPct val="100000"/>
+              </a:lnSpc>
+              <a:spcBef>
+                <a:spcPts val="0"/>
+              </a:spcBef>
+              <a:spcAft>
+                <a:spcPts val="0"/>
+              </a:spcAft>
+              <a:buSzPts val="1400"/>
+              <a:buNone/>
+              <a:defRPr sz="2400" b="0" i="0" u="none">
+                <a:solidFill>
+                  <a:schemeClr val="dk1"/>
+                </a:solidFill>
+                <a:latin typeface="Verdana"/>
+                <a:ea typeface="Verdana"/>
+                <a:cs typeface="Verdana"/>
+                <a:sym typeface="Verdana"/>
+              </a:defRPr>
+            </a:lvl1pPr>
+            <a:lvl2pPr marR="0" lvl="1" algn="l" rtl="0">
+              <a:lnSpc>
+                <a:spcPct val="100000"/>
+              </a:lnSpc>
+              <a:spcBef>
+                <a:spcPts val="0"/>
+              </a:spcBef>
+              <a:spcAft>
+                <a:spcPts val="0"/>
+              </a:spcAft>
+              <a:buSzPts val="1400"/>
+              <a:buNone/>
+              <a:defRPr sz="2400" b="0" i="0" u="none" strike="noStrike" cap="none">
+                <a:solidFill>
+                  <a:schemeClr val="dk1"/>
+                </a:solidFill>
+                <a:latin typeface="Verdana"/>
+                <a:ea typeface="Verdana"/>
+                <a:cs typeface="Verdana"/>
+                <a:sym typeface="Verdana"/>
+              </a:defRPr>
+            </a:lvl2pPr>
+            <a:lvl3pPr marR="0" lvl="2" algn="l" rtl="0">
+              <a:lnSpc>
+                <a:spcPct val="100000"/>
+              </a:lnSpc>
+              <a:spcBef>
+                <a:spcPts val="0"/>
+              </a:spcBef>
+              <a:spcAft>
+                <a:spcPts val="0"/>
+              </a:spcAft>
+              <a:buSzPts val="1400"/>
+              <a:buNone/>
+              <a:defRPr sz="2400" b="0" i="0" u="none" strike="noStrike" cap="none">
+                <a:solidFill>
+                  <a:schemeClr val="dk1"/>
+                </a:solidFill>
+                <a:latin typeface="Verdana"/>
+                <a:ea typeface="Verdana"/>
+                <a:cs typeface="Verdana"/>
+                <a:sym typeface="Verdana"/>
+              </a:defRPr>
+            </a:lvl3pPr>
+            <a:lvl4pPr marR="0" lvl="3" algn="l" rtl="0">
+              <a:lnSpc>
+                <a:spcPct val="100000"/>
+              </a:lnSpc>
+              <a:spcBef>
+                <a:spcPts val="0"/>
+              </a:spcBef>
+              <a:spcAft>
+                <a:spcPts val="0"/>
+              </a:spcAft>
+              <a:buSzPts val="1400"/>
+              <a:buNone/>
+              <a:defRPr sz="2400" b="0" i="0" u="none" strike="noStrike" cap="none">
+                <a:solidFill>
+                  <a:schemeClr val="dk1"/>
+                </a:solidFill>
+                <a:latin typeface="Verdana"/>
+                <a:ea typeface="Verdana"/>
+                <a:cs typeface="Verdana"/>
+                <a:sym typeface="Verdana"/>
+              </a:defRPr>
+            </a:lvl4pPr>
+            <a:lvl5pPr marR="0" lvl="4" algn="l" rtl="0">
+              <a:lnSpc>
+                <a:spcPct val="100000"/>
+              </a:lnSpc>
+              <a:spcBef>
+                <a:spcPts val="0"/>
+              </a:spcBef>
+              <a:spcAft>
+                <a:spcPts val="0"/>
+              </a:spcAft>
+              <a:buSzPts val="1400"/>
+              <a:buNone/>
+              <a:defRPr sz="2400" b="0" i="0" u="none" strike="noStrike" cap="none">
+                <a:solidFill>
+                  <a:schemeClr val="dk1"/>
+                </a:solidFill>
+                <a:latin typeface="Verdana"/>
+                <a:ea typeface="Verdana"/>
+                <a:cs typeface="Verdana"/>
+                <a:sym typeface="Verdana"/>
+              </a:defRPr>
+            </a:lvl5pPr>
+            <a:lvl6pPr marR="0" lvl="5" algn="l" rtl="0">
+              <a:lnSpc>
+                <a:spcPct val="100000"/>
+              </a:lnSpc>
+              <a:spcBef>
+                <a:spcPts val="0"/>
+              </a:spcBef>
+              <a:spcAft>
+                <a:spcPts val="0"/>
+              </a:spcAft>
+              <a:buSzPts val="1400"/>
+              <a:buNone/>
+              <a:defRPr sz="2400" b="0" i="0" u="none" strike="noStrike" cap="none">
+                <a:solidFill>
+                  <a:schemeClr val="dk1"/>
+                </a:solidFill>
+                <a:latin typeface="Verdana"/>
+                <a:ea typeface="Verdana"/>
+                <a:cs typeface="Verdana"/>
+                <a:sym typeface="Verdana"/>
+              </a:defRPr>
+            </a:lvl6pPr>
+            <a:lvl7pPr marR="0" lvl="6" algn="l" rtl="0">
+              <a:lnSpc>
+                <a:spcPct val="100000"/>
+              </a:lnSpc>
+              <a:spcBef>
+                <a:spcPts val="0"/>
+              </a:spcBef>
+              <a:spcAft>
+                <a:spcPts val="0"/>
+              </a:spcAft>
+              <a:buSzPts val="1400"/>
+              <a:buNone/>
+              <a:defRPr sz="2400" b="0" i="0" u="none" strike="noStrike" cap="none">
+                <a:solidFill>
+                  <a:schemeClr val="dk1"/>
+                </a:solidFill>
+                <a:latin typeface="Verdana"/>
+                <a:ea typeface="Verdana"/>
+                <a:cs typeface="Verdana"/>
+                <a:sym typeface="Verdana"/>
+              </a:defRPr>
+            </a:lvl7pPr>
+            <a:lvl8pPr marR="0" lvl="7" algn="l" rtl="0">
+              <a:lnSpc>
+                <a:spcPct val="100000"/>
+              </a:lnSpc>
+              <a:spcBef>
+                <a:spcPts val="0"/>
+              </a:spcBef>
+              <a:spcAft>
+                <a:spcPts val="0"/>
+              </a:spcAft>
+              <a:buSzPts val="1400"/>
+              <a:buNone/>
+              <a:defRPr sz="2400" b="0" i="0" u="none" strike="noStrike" cap="none">
+                <a:solidFill>
+                  <a:schemeClr val="dk1"/>
+                </a:solidFill>
+                <a:latin typeface="Verdana"/>
+                <a:ea typeface="Verdana"/>
+                <a:cs typeface="Verdana"/>
+                <a:sym typeface="Verdana"/>
+              </a:defRPr>
+            </a:lvl8pPr>
+            <a:lvl9pPr marR="0" lvl="8" algn="l" rtl="0">
+              <a:lnSpc>
+                <a:spcPct val="100000"/>
+              </a:lnSpc>
+              <a:spcBef>
+                <a:spcPts val="0"/>
+              </a:spcBef>
+              <a:spcAft>
+                <a:spcPts val="0"/>
+              </a:spcAft>
+              <a:buSzPts val="1400"/>
+              <a:buNone/>
+              <a:defRPr sz="2400" b="0" i="0" u="none" strike="noStrike" cap="none">
+                <a:solidFill>
+                  <a:schemeClr val="dk1"/>
+                </a:solidFill>
+                <a:latin typeface="Verdana"/>
+                <a:ea typeface="Verdana"/>
+                <a:cs typeface="Verdana"/>
+                <a:sym typeface="Verdana"/>
+              </a:defRPr>
+            </a:lvl9pPr>
+          </a:lstStyle>
+          <a:p>
+            <a:endParaRPr/>
+          </a:p>
+        </p:txBody>
+      </p:sp>
+      <p:sp>
+        <p:nvSpPr>
+          <p:cNvPr id="22" name="Google Shape;22;p45"/>
+          <p:cNvSpPr txBox="1">
+            <a:spLocks noGrp="1"/>
+          </p:cNvSpPr>
+          <p:nvPr>
+            <p:ph type="sldNum" idx="12"/>
+          </p:nvPr>
+        </p:nvSpPr>
+        <p:spPr>
+          <a:xfrm>
+            <a:off x="0" y="0"/>
+            <a:ext cx="4000000" cy="3000000"/>
+          </a:xfrm>
+          <a:prstGeom prst="rect">
+            <a:avLst/>
+          </a:prstGeom>
+          <a:noFill/>
+          <a:ln>
+            <a:noFill/>
+          </a:ln>
+        </p:spPr>
+        <p:txBody>
+          <a:bodyPr spcFirstLastPara="1" wrap="square" lIns="91425" tIns="45700" rIns="91425" bIns="45700" anchor="t" anchorCtr="0">
+            <a:noAutofit/>
+          </a:bodyPr>
+          <a:lstStyle>
+            <a:lvl1pPr marL="0" marR="0" lvl="0" indent="0" algn="l" rtl="0">
+              <a:lnSpc>
+                <a:spcPct val="100000"/>
+              </a:lnSpc>
+              <a:spcBef>
+                <a:spcPts val="0"/>
+              </a:spcBef>
+              <a:spcAft>
+                <a:spcPts val="0"/>
+              </a:spcAft>
+              <a:buNone/>
+              <a:defRPr sz="2400" b="0" i="0" u="none">
+                <a:solidFill>
+                  <a:schemeClr val="dk1"/>
+                </a:solidFill>
+                <a:latin typeface="Verdana"/>
+                <a:ea typeface="Verdana"/>
+                <a:cs typeface="Verdana"/>
+                <a:sym typeface="Verdana"/>
+              </a:defRPr>
+            </a:lvl1pPr>
+            <a:lvl2pPr marL="0" marR="0" lvl="1" indent="0" algn="l" rtl="0">
+              <a:lnSpc>
+                <a:spcPct val="100000"/>
+              </a:lnSpc>
+              <a:spcBef>
+                <a:spcPts val="0"/>
+              </a:spcBef>
+              <a:spcAft>
+                <a:spcPts val="0"/>
+              </a:spcAft>
+              <a:buNone/>
+              <a:defRPr sz="2400" b="0" i="0" u="none">
+                <a:solidFill>
+                  <a:schemeClr val="dk1"/>
+                </a:solidFill>
+                <a:latin typeface="Verdana"/>
+                <a:ea typeface="Verdana"/>
+                <a:cs typeface="Verdana"/>
+                <a:sym typeface="Verdana"/>
+              </a:defRPr>
+            </a:lvl2pPr>
+            <a:lvl3pPr marL="0" marR="0" lvl="2" indent="0" algn="l" rtl="0">
+              <a:lnSpc>
+                <a:spcPct val="100000"/>
+              </a:lnSpc>
+              <a:spcBef>
+                <a:spcPts val="0"/>
+              </a:spcBef>
+              <a:spcAft>
+                <a:spcPts val="0"/>
+              </a:spcAft>
+              <a:buNone/>
+              <a:defRPr sz="2400" b="0" i="0" u="none">
+                <a:solidFill>
+                  <a:schemeClr val="dk1"/>
+                </a:solidFill>
+                <a:latin typeface="Verdana"/>
+                <a:ea typeface="Verdana"/>
+                <a:cs typeface="Verdana"/>
+                <a:sym typeface="Verdana"/>
+              </a:defRPr>
+            </a:lvl3pPr>
+            <a:lvl4pPr marL="0" marR="0" lvl="3" indent="0" algn="l" rtl="0">
+              <a:lnSpc>
+                <a:spcPct val="100000"/>
+              </a:lnSpc>
+              <a:spcBef>
+                <a:spcPts val="0"/>
+              </a:spcBef>
+              <a:spcAft>
+                <a:spcPts val="0"/>
+              </a:spcAft>
+              <a:buNone/>
+              <a:defRPr sz="2400" b="0" i="0" u="none">
+                <a:solidFill>
+                  <a:schemeClr val="dk1"/>
+                </a:solidFill>
+                <a:latin typeface="Verdana"/>
+                <a:ea typeface="Verdana"/>
+                <a:cs typeface="Verdana"/>
+                <a:sym typeface="Verdana"/>
+              </a:defRPr>
+            </a:lvl4pPr>
+            <a:lvl5pPr marL="0" marR="0" lvl="4" indent="0" algn="l" rtl="0">
+              <a:lnSpc>
+                <a:spcPct val="100000"/>
+              </a:lnSpc>
+              <a:spcBef>
+                <a:spcPts val="0"/>
+              </a:spcBef>
+              <a:spcAft>
+                <a:spcPts val="0"/>
+              </a:spcAft>
+              <a:buNone/>
+              <a:defRPr sz="2400" b="0" i="0" u="none">
+                <a:solidFill>
+                  <a:schemeClr val="dk1"/>
+                </a:solidFill>
+                <a:latin typeface="Verdana"/>
+                <a:ea typeface="Verdana"/>
+                <a:cs typeface="Verdana"/>
+                <a:sym typeface="Verdana"/>
+              </a:defRPr>
+            </a:lvl5pPr>
+            <a:lvl6pPr marL="0" marR="0" lvl="5" indent="0" algn="l" rtl="0">
+              <a:lnSpc>
+                <a:spcPct val="100000"/>
+              </a:lnSpc>
+              <a:spcBef>
+                <a:spcPts val="0"/>
+              </a:spcBef>
+              <a:spcAft>
+                <a:spcPts val="0"/>
+              </a:spcAft>
+              <a:buNone/>
+              <a:defRPr sz="2400" b="0" i="0" u="none">
+                <a:solidFill>
+                  <a:schemeClr val="dk1"/>
+                </a:solidFill>
+                <a:latin typeface="Verdana"/>
+                <a:ea typeface="Verdana"/>
+                <a:cs typeface="Verdana"/>
+                <a:sym typeface="Verdana"/>
+              </a:defRPr>
+            </a:lvl6pPr>
+            <a:lvl7pPr marL="0" marR="0" lvl="6" indent="0" algn="l" rtl="0">
+              <a:lnSpc>
+                <a:spcPct val="100000"/>
+              </a:lnSpc>
+              <a:spcBef>
+                <a:spcPts val="0"/>
+              </a:spcBef>
+              <a:spcAft>
+                <a:spcPts val="0"/>
+              </a:spcAft>
+              <a:buNone/>
+              <a:defRPr sz="2400" b="0" i="0" u="none">
+                <a:solidFill>
+                  <a:schemeClr val="dk1"/>
+                </a:solidFill>
+                <a:latin typeface="Verdana"/>
+                <a:ea typeface="Verdana"/>
+                <a:cs typeface="Verdana"/>
+                <a:sym typeface="Verdana"/>
+              </a:defRPr>
+            </a:lvl7pPr>
+            <a:lvl8pPr marL="0" marR="0" lvl="7" indent="0" algn="l" rtl="0">
+              <a:lnSpc>
+                <a:spcPct val="100000"/>
+              </a:lnSpc>
+              <a:spcBef>
+                <a:spcPts val="0"/>
+              </a:spcBef>
+              <a:spcAft>
+                <a:spcPts val="0"/>
+              </a:spcAft>
+              <a:buNone/>
+              <a:defRPr sz="2400" b="0" i="0" u="none">
+                <a:solidFill>
+                  <a:schemeClr val="dk1"/>
+                </a:solidFill>
+                <a:latin typeface="Verdana"/>
+                <a:ea typeface="Verdana"/>
+                <a:cs typeface="Verdana"/>
+                <a:sym typeface="Verdana"/>
+              </a:defRPr>
+            </a:lvl8pPr>
+            <a:lvl9pPr marL="0" marR="0" lvl="8" indent="0" algn="l" rtl="0">
+              <a:lnSpc>
+                <a:spcPct val="100000"/>
+              </a:lnSpc>
+              <a:spcBef>
+                <a:spcPts val="0"/>
+              </a:spcBef>
+              <a:spcAft>
+                <a:spcPts val="0"/>
+              </a:spcAft>
+              <a:buNone/>
+              <a:defRPr sz="2400" b="0" i="0" u="none">
+                <a:solidFill>
+                  <a:schemeClr val="dk1"/>
+                </a:solidFill>
+                <a:latin typeface="Verdana"/>
+                <a:ea typeface="Verdana"/>
+                <a:cs typeface="Verdana"/>
+                <a:sym typeface="Verdana"/>
+              </a:defRPr>
+            </a:lvl9pPr>
+          </a:lstStyle>
+          <a:p>
+            <a:fld id="{00000000-1234-1234-1234-123412341234}" type="slidenum">
+              <a:rPr lang="en-US" smtClean="0"/>
+              <a:pPr/>
+              <a:t>‹#›</a:t>
+            </a:fld>
+            <a:endParaRPr lang="en-US" sz="1400">
+              <a:solidFill>
+                <a:srgbClr val="000000"/>
+              </a:solidFill>
+              <a:latin typeface="Arial"/>
+              <a:ea typeface="Arial"/>
+              <a:cs typeface="Arial"/>
+              <a:sym typeface="Arial"/>
+            </a:endParaRPr>
+          </a:p>
+        </p:txBody>
+      </p:sp>
+    </p:spTree>
+    <p:extLst>
+      <p:ext uri="{BB962C8B-B14F-4D97-AF65-F5344CB8AC3E}">
+        <p14:creationId xmlns:p14="http://schemas.microsoft.com/office/powerpoint/2010/main" val="537494834"/>
+      </p:ext>
+    </p:extLst>
+  </p:cSld>
+  <p:clrMapOvr>
+    <a:masterClrMapping/>
+  </p:clrMapOvr>
+</p:sldLayout>
+</file>
+
 <file path=ppt/slideLayouts/slideLayout2.xml><?xml version="1.0" encoding="utf-8"?>
 <p:sldLayout xmlns:a="http://schemas.openxmlformats.org/drawingml/2006/main" xmlns:r="http://schemas.openxmlformats.org/officeDocument/2006/relationships" xmlns:p="http://schemas.openxmlformats.org/presentationml/2006/main" type="obj" preserve="1">
   <p:cSld name="Title and Content">
@@ -5146,7 +8257,7 @@
           <p:nvPr/>
         </p:nvPicPr>
         <p:blipFill rotWithShape="1">
-          <a:blip r:embed="rId19">
+          <a:blip r:embed="rId20">
             <a:extLst>
               <a:ext uri="{28A0092B-C50C-407E-A947-70E740481C1C}">
                 <a14:useLocalDpi xmlns:a14="http://schemas.microsoft.com/office/drawing/2010/main" val="0"/>
@@ -5175,7 +8286,7 @@
           <p:nvPr/>
         </p:nvPicPr>
         <p:blipFill rotWithShape="1">
-          <a:blip r:embed="rId20">
+          <a:blip r:embed="rId21">
             <a:extLst>
               <a:ext uri="{28A0092B-C50C-407E-A947-70E740481C1C}">
                 <a14:useLocalDpi xmlns:a14="http://schemas.microsoft.com/office/drawing/2010/main" val="0"/>
@@ -5267,7 +8378,7 @@
           <p:nvPr/>
         </p:nvPicPr>
         <p:blipFill rotWithShape="1">
-          <a:blip r:embed="rId21">
+          <a:blip r:embed="rId22">
             <a:extLst>
               <a:ext uri="{28A0092B-C50C-407E-A947-70E740481C1C}">
                 <a14:useLocalDpi xmlns:a14="http://schemas.microsoft.com/office/drawing/2010/main" val="0"/>
@@ -5296,7 +8407,7 @@
           <p:nvPr/>
         </p:nvPicPr>
         <p:blipFill rotWithShape="1">
-          <a:blip r:embed="rId22">
+          <a:blip r:embed="rId23">
             <a:extLst>
               <a:ext uri="{28A0092B-C50C-407E-A947-70E740481C1C}">
                 <a14:useLocalDpi xmlns:a14="http://schemas.microsoft.com/office/drawing/2010/main" val="0"/>
@@ -5589,6 +8700,7 @@
     <p:sldLayoutId id="2147483670" r:id="rId15"/>
     <p:sldLayoutId id="2147483658" r:id="rId16"/>
     <p:sldLayoutId id="2147483659" r:id="rId17"/>
+    <p:sldLayoutId id="2147483671" r:id="rId18"/>
   </p:sldLayoutIdLst>
   <p:hf sldNum="0" hdr="0" ftr="0" dt="0"/>
   <p:txStyles>
@@ -6073,6 +9185,2881 @@
 </p:sld>
 </file>
 
+<file path=ppt/slides/slide10.xml><?xml version="1.0" encoding="utf-8"?>
+<p:sld xmlns:a="http://schemas.openxmlformats.org/drawingml/2006/main" xmlns:r="http://schemas.openxmlformats.org/officeDocument/2006/relationships" xmlns:p="http://schemas.openxmlformats.org/presentationml/2006/main">
+  <p:cSld>
+    <p:spTree>
+      <p:nvGrpSpPr>
+        <p:cNvPr id="1" name="Shape 84"/>
+        <p:cNvGrpSpPr/>
+        <p:nvPr/>
+      </p:nvGrpSpPr>
+      <p:grpSpPr>
+        <a:xfrm>
+          <a:off x="0" y="0"/>
+          <a:ext cx="0" cy="0"/>
+          <a:chOff x="0" y="0"/>
+          <a:chExt cx="0" cy="0"/>
+        </a:xfrm>
+      </p:grpSpPr>
+      <p:sp>
+        <p:nvSpPr>
+          <p:cNvPr id="85" name="Google Shape;85;p9"/>
+          <p:cNvSpPr txBox="1">
+            <a:spLocks noGrp="1"/>
+          </p:cNvSpPr>
+          <p:nvPr>
+            <p:ph type="title"/>
+          </p:nvPr>
+        </p:nvSpPr>
+        <p:spPr>
+          <a:prstGeom prst="rect">
+            <a:avLst/>
+          </a:prstGeom>
+          <a:noFill/>
+          <a:ln>
+            <a:noFill/>
+          </a:ln>
+        </p:spPr>
+        <p:txBody>
+          <a:bodyPr spcFirstLastPara="1" vert="horz" wrap="square" lIns="91425" tIns="45700" rIns="91425" bIns="45700" rtlCol="0" anchor="ctr" anchorCtr="0">
+            <a:noAutofit/>
+          </a:bodyPr>
+          <a:lstStyle/>
+          <a:p>
+            <a:pPr>
+              <a:buClr>
+                <a:schemeClr val="dk1"/>
+              </a:buClr>
+              <a:buSzPts val="3200"/>
+            </a:pPr>
+            <a:r>
+              <a:rPr lang="en-US" sz="3200" b="1" dirty="0">
+                <a:solidFill>
+                  <a:schemeClr val="tx1"/>
+                </a:solidFill>
+                <a:latin typeface="Verdana"/>
+                <a:ea typeface="Verdana"/>
+                <a:cs typeface="Verdana"/>
+                <a:sym typeface="Verdana"/>
+              </a:rPr>
+              <a:t>More List Operations</a:t>
+            </a:r>
+            <a:endParaRPr dirty="0">
+              <a:solidFill>
+                <a:schemeClr val="tx1"/>
+              </a:solidFill>
+            </a:endParaRPr>
+          </a:p>
+        </p:txBody>
+      </p:sp>
+      <p:sp>
+        <p:nvSpPr>
+          <p:cNvPr id="86" name="Google Shape;86;p9"/>
+          <p:cNvSpPr txBox="1">
+            <a:spLocks noGrp="1"/>
+          </p:cNvSpPr>
+          <p:nvPr>
+            <p:ph idx="1"/>
+          </p:nvPr>
+        </p:nvSpPr>
+        <p:spPr>
+          <a:prstGeom prst="rect">
+            <a:avLst/>
+          </a:prstGeom>
+          <a:noFill/>
+          <a:ln>
+            <a:noFill/>
+          </a:ln>
+        </p:spPr>
+        <p:txBody>
+          <a:bodyPr spcFirstLastPara="1" vert="horz" wrap="square" lIns="91425" tIns="45700" rIns="91425" bIns="45700" rtlCol="0" anchor="t" anchorCtr="0">
+            <a:noAutofit/>
+          </a:bodyPr>
+          <a:lstStyle/>
+          <a:p>
+            <a:pPr marL="342900">
+              <a:spcBef>
+                <a:spcPts val="0"/>
+              </a:spcBef>
+              <a:buSzPts val="2000"/>
+              <a:buNone/>
+            </a:pPr>
+            <a:r>
+              <a:rPr lang="en-US" dirty="0">
+                <a:latin typeface="Verdana"/>
+                <a:ea typeface="Verdana"/>
+                <a:cs typeface="Verdana"/>
+                <a:sym typeface="Verdana"/>
+              </a:rPr>
+              <a:t>&gt;&gt;&gt; a = range(5)		# [0,1,2,3,4]</a:t>
+            </a:r>
+            <a:endParaRPr dirty="0"/>
+          </a:p>
+          <a:p>
+            <a:pPr marL="342900">
+              <a:spcBef>
+                <a:spcPts val="800"/>
+              </a:spcBef>
+              <a:buSzPts val="2000"/>
+              <a:buNone/>
+            </a:pPr>
+            <a:r>
+              <a:rPr lang="en-US" dirty="0">
+                <a:latin typeface="Verdana"/>
+                <a:ea typeface="Verdana"/>
+                <a:cs typeface="Verdana"/>
+                <a:sym typeface="Verdana"/>
+              </a:rPr>
+              <a:t>&gt;&gt;&gt; </a:t>
+            </a:r>
+            <a:r>
+              <a:rPr lang="en-US" dirty="0" err="1">
+                <a:latin typeface="Verdana"/>
+                <a:ea typeface="Verdana"/>
+                <a:cs typeface="Verdana"/>
+                <a:sym typeface="Verdana"/>
+              </a:rPr>
+              <a:t>a.append</a:t>
+            </a:r>
+            <a:r>
+              <a:rPr lang="en-US" dirty="0">
+                <a:latin typeface="Verdana"/>
+                <a:ea typeface="Verdana"/>
+                <a:cs typeface="Verdana"/>
+                <a:sym typeface="Verdana"/>
+              </a:rPr>
+              <a:t>(5)		# [0,1,2,3,4,5]</a:t>
+            </a:r>
+            <a:endParaRPr dirty="0"/>
+          </a:p>
+          <a:p>
+            <a:pPr marL="342900">
+              <a:spcBef>
+                <a:spcPts val="800"/>
+              </a:spcBef>
+              <a:buSzPts val="2000"/>
+              <a:buNone/>
+            </a:pPr>
+            <a:r>
+              <a:rPr lang="en-US" dirty="0">
+                <a:latin typeface="Verdana"/>
+                <a:ea typeface="Verdana"/>
+                <a:cs typeface="Verdana"/>
+                <a:sym typeface="Verdana"/>
+              </a:rPr>
+              <a:t>&gt;&gt;&gt; </a:t>
+            </a:r>
+            <a:r>
+              <a:rPr lang="en-US" dirty="0" err="1">
+                <a:latin typeface="Verdana"/>
+                <a:ea typeface="Verdana"/>
+                <a:cs typeface="Verdana"/>
+                <a:sym typeface="Verdana"/>
+              </a:rPr>
+              <a:t>a.pop</a:t>
+            </a:r>
+            <a:r>
+              <a:rPr lang="en-US" dirty="0">
+                <a:latin typeface="Verdana"/>
+                <a:ea typeface="Verdana"/>
+                <a:cs typeface="Verdana"/>
+                <a:sym typeface="Verdana"/>
+              </a:rPr>
+              <a:t>()			# [0,1,2,3,4]</a:t>
+            </a:r>
+            <a:endParaRPr dirty="0"/>
+          </a:p>
+          <a:p>
+            <a:pPr marL="342900">
+              <a:spcBef>
+                <a:spcPts val="800"/>
+              </a:spcBef>
+              <a:buSzPts val="2000"/>
+              <a:buNone/>
+            </a:pPr>
+            <a:r>
+              <a:rPr lang="en-US" dirty="0">
+                <a:latin typeface="Verdana"/>
+                <a:ea typeface="Verdana"/>
+                <a:cs typeface="Verdana"/>
+                <a:sym typeface="Verdana"/>
+              </a:rPr>
+              <a:t>5</a:t>
+            </a:r>
+            <a:endParaRPr dirty="0"/>
+          </a:p>
+          <a:p>
+            <a:pPr marL="342900">
+              <a:spcBef>
+                <a:spcPts val="800"/>
+              </a:spcBef>
+              <a:buSzPts val="2000"/>
+              <a:buNone/>
+            </a:pPr>
+            <a:r>
+              <a:rPr lang="en-US" dirty="0">
+                <a:latin typeface="Verdana"/>
+                <a:ea typeface="Verdana"/>
+                <a:cs typeface="Verdana"/>
+                <a:sym typeface="Verdana"/>
+              </a:rPr>
+              <a:t>&gt;&gt;&gt; </a:t>
+            </a:r>
+            <a:r>
+              <a:rPr lang="en-US" dirty="0" err="1">
+                <a:latin typeface="Verdana"/>
+                <a:ea typeface="Verdana"/>
+                <a:cs typeface="Verdana"/>
+                <a:sym typeface="Verdana"/>
+              </a:rPr>
+              <a:t>a.insert</a:t>
+            </a:r>
+            <a:r>
+              <a:rPr lang="en-US" dirty="0">
+                <a:latin typeface="Verdana"/>
+                <a:ea typeface="Verdana"/>
+                <a:cs typeface="Verdana"/>
+                <a:sym typeface="Verdana"/>
+              </a:rPr>
+              <a:t>(0, 42)		# [42,0,1,2,3,4]</a:t>
+            </a:r>
+            <a:endParaRPr dirty="0"/>
+          </a:p>
+          <a:p>
+            <a:pPr marL="342900">
+              <a:spcBef>
+                <a:spcPts val="800"/>
+              </a:spcBef>
+              <a:buSzPts val="2000"/>
+              <a:buNone/>
+            </a:pPr>
+            <a:r>
+              <a:rPr lang="en-US" dirty="0">
+                <a:latin typeface="Verdana"/>
+                <a:ea typeface="Verdana"/>
+                <a:cs typeface="Verdana"/>
+                <a:sym typeface="Verdana"/>
+              </a:rPr>
+              <a:t>&gt;&gt;&gt; </a:t>
+            </a:r>
+            <a:r>
+              <a:rPr lang="en-US" dirty="0" err="1">
+                <a:latin typeface="Verdana"/>
+                <a:ea typeface="Verdana"/>
+                <a:cs typeface="Verdana"/>
+                <a:sym typeface="Verdana"/>
+              </a:rPr>
+              <a:t>a.pop</a:t>
+            </a:r>
+            <a:r>
+              <a:rPr lang="en-US" dirty="0">
+                <a:latin typeface="Verdana"/>
+                <a:ea typeface="Verdana"/>
+                <a:cs typeface="Verdana"/>
+                <a:sym typeface="Verdana"/>
+              </a:rPr>
+              <a:t>(0)			# [0,1,2,3,4]</a:t>
+            </a:r>
+            <a:endParaRPr dirty="0"/>
+          </a:p>
+          <a:p>
+            <a:pPr marL="342900">
+              <a:spcBef>
+                <a:spcPts val="800"/>
+              </a:spcBef>
+              <a:buSzPts val="2000"/>
+              <a:buNone/>
+            </a:pPr>
+            <a:r>
+              <a:rPr lang="en-US" dirty="0">
+                <a:latin typeface="Verdana"/>
+                <a:ea typeface="Verdana"/>
+                <a:cs typeface="Verdana"/>
+                <a:sym typeface="Verdana"/>
+              </a:rPr>
+              <a:t>5.5</a:t>
+            </a:r>
+            <a:endParaRPr dirty="0"/>
+          </a:p>
+          <a:p>
+            <a:pPr marL="342900">
+              <a:spcBef>
+                <a:spcPts val="800"/>
+              </a:spcBef>
+              <a:buSzPts val="2000"/>
+              <a:buNone/>
+            </a:pPr>
+            <a:r>
+              <a:rPr lang="en-US" dirty="0">
+                <a:latin typeface="Verdana"/>
+                <a:ea typeface="Verdana"/>
+                <a:cs typeface="Verdana"/>
+                <a:sym typeface="Verdana"/>
+              </a:rPr>
+              <a:t>&gt;&gt;&gt; </a:t>
+            </a:r>
+            <a:r>
+              <a:rPr lang="en-US" dirty="0" err="1">
+                <a:latin typeface="Verdana"/>
+                <a:ea typeface="Verdana"/>
+                <a:cs typeface="Verdana"/>
+                <a:sym typeface="Verdana"/>
+              </a:rPr>
+              <a:t>a.reverse</a:t>
+            </a:r>
+            <a:r>
+              <a:rPr lang="en-US" dirty="0">
+                <a:latin typeface="Verdana"/>
+                <a:ea typeface="Verdana"/>
+                <a:cs typeface="Verdana"/>
+                <a:sym typeface="Verdana"/>
+              </a:rPr>
+              <a:t>()		# [4,3,2,1,0]</a:t>
+            </a:r>
+            <a:endParaRPr dirty="0"/>
+          </a:p>
+          <a:p>
+            <a:pPr marL="342900">
+              <a:spcBef>
+                <a:spcPts val="800"/>
+              </a:spcBef>
+              <a:buSzPts val="2000"/>
+              <a:buNone/>
+            </a:pPr>
+            <a:r>
+              <a:rPr lang="en-US" dirty="0">
+                <a:latin typeface="Verdana"/>
+                <a:ea typeface="Verdana"/>
+                <a:cs typeface="Verdana"/>
+                <a:sym typeface="Verdana"/>
+              </a:rPr>
+              <a:t>&gt;&gt;&gt; </a:t>
+            </a:r>
+            <a:r>
+              <a:rPr lang="en-US" dirty="0" err="1">
+                <a:latin typeface="Verdana"/>
+                <a:ea typeface="Verdana"/>
+                <a:cs typeface="Verdana"/>
+                <a:sym typeface="Verdana"/>
+              </a:rPr>
+              <a:t>a.sort</a:t>
+            </a:r>
+            <a:r>
+              <a:rPr lang="en-US" dirty="0">
+                <a:latin typeface="Verdana"/>
+                <a:ea typeface="Verdana"/>
+                <a:cs typeface="Verdana"/>
+                <a:sym typeface="Verdana"/>
+              </a:rPr>
+              <a:t>()			# [0,1,2,3,4]</a:t>
+            </a:r>
+            <a:endParaRPr dirty="0"/>
+          </a:p>
+        </p:txBody>
+      </p:sp>
+    </p:spTree>
+  </p:cSld>
+  <p:clrMapOvr>
+    <a:masterClrMapping/>
+  </p:clrMapOvr>
+</p:sld>
+</file>
+
+<file path=ppt/slides/slide11.xml><?xml version="1.0" encoding="utf-8"?>
+<p:sld xmlns:a="http://schemas.openxmlformats.org/drawingml/2006/main" xmlns:r="http://schemas.openxmlformats.org/officeDocument/2006/relationships" xmlns:p="http://schemas.openxmlformats.org/presentationml/2006/main">
+  <p:cSld>
+    <p:spTree>
+      <p:nvGrpSpPr>
+        <p:cNvPr id="1" name=""/>
+        <p:cNvGrpSpPr/>
+        <p:nvPr/>
+      </p:nvGrpSpPr>
+      <p:grpSpPr>
+        <a:xfrm>
+          <a:off x="0" y="0"/>
+          <a:ext cx="0" cy="0"/>
+          <a:chOff x="0" y="0"/>
+          <a:chExt cx="0" cy="0"/>
+        </a:xfrm>
+      </p:grpSpPr>
+      <p:sp>
+        <p:nvSpPr>
+          <p:cNvPr id="2" name="Title 1">
+            <a:extLst>
+              <a:ext uri="{FF2B5EF4-FFF2-40B4-BE49-F238E27FC236}">
+                <a16:creationId xmlns:a16="http://schemas.microsoft.com/office/drawing/2014/main" id="{56DD13C1-4178-AACF-1761-DB1FAAF1A679}"/>
+              </a:ext>
+            </a:extLst>
+          </p:cNvPr>
+          <p:cNvSpPr>
+            <a:spLocks noGrp="1"/>
+          </p:cNvSpPr>
+          <p:nvPr>
+            <p:ph type="title"/>
+          </p:nvPr>
+        </p:nvSpPr>
+        <p:spPr/>
+        <p:txBody>
+          <a:bodyPr/>
+          <a:lstStyle/>
+          <a:p>
+            <a:r>
+              <a:rPr lang="en-US" dirty="0"/>
+              <a:t>Find The 7</a:t>
+            </a:r>
+            <a:r>
+              <a:rPr lang="en-US" baseline="30000" dirty="0"/>
+              <a:t>th</a:t>
+            </a:r>
+            <a:r>
+              <a:rPr lang="en-US" dirty="0"/>
+              <a:t> Largest Integer of A List of 20 Random Integers</a:t>
+            </a:r>
+          </a:p>
+        </p:txBody>
+      </p:sp>
+      <p:sp>
+        <p:nvSpPr>
+          <p:cNvPr id="3" name="Content Placeholder 2">
+            <a:extLst>
+              <a:ext uri="{FF2B5EF4-FFF2-40B4-BE49-F238E27FC236}">
+                <a16:creationId xmlns:a16="http://schemas.microsoft.com/office/drawing/2014/main" id="{0FBBFDCA-27BF-A19E-6769-139B12F104CC}"/>
+              </a:ext>
+            </a:extLst>
+          </p:cNvPr>
+          <p:cNvSpPr>
+            <a:spLocks noGrp="1"/>
+          </p:cNvSpPr>
+          <p:nvPr>
+            <p:ph idx="1"/>
+          </p:nvPr>
+        </p:nvSpPr>
+        <p:spPr/>
+        <p:txBody>
+          <a:bodyPr/>
+          <a:lstStyle/>
+          <a:p>
+            <a:endParaRPr lang="en-US" dirty="0"/>
+          </a:p>
+        </p:txBody>
+      </p:sp>
+    </p:spTree>
+    <p:extLst>
+      <p:ext uri="{BB962C8B-B14F-4D97-AF65-F5344CB8AC3E}">
+        <p14:creationId xmlns:p14="http://schemas.microsoft.com/office/powerpoint/2010/main" val="1121446568"/>
+      </p:ext>
+    </p:extLst>
+  </p:cSld>
+  <p:clrMapOvr>
+    <a:masterClrMapping/>
+  </p:clrMapOvr>
+</p:sld>
+</file>
+
+<file path=ppt/slides/slide12.xml><?xml version="1.0" encoding="utf-8"?>
+<p:sld xmlns:a="http://schemas.openxmlformats.org/drawingml/2006/main" xmlns:r="http://schemas.openxmlformats.org/officeDocument/2006/relationships" xmlns:p="http://schemas.openxmlformats.org/presentationml/2006/main">
+  <p:cSld>
+    <p:spTree>
+      <p:nvGrpSpPr>
+        <p:cNvPr id="1" name=""/>
+        <p:cNvGrpSpPr/>
+        <p:nvPr/>
+      </p:nvGrpSpPr>
+      <p:grpSpPr>
+        <a:xfrm>
+          <a:off x="0" y="0"/>
+          <a:ext cx="0" cy="0"/>
+          <a:chOff x="0" y="0"/>
+          <a:chExt cx="0" cy="0"/>
+        </a:xfrm>
+      </p:grpSpPr>
+      <p:sp>
+        <p:nvSpPr>
+          <p:cNvPr id="2" name="Title 1">
+            <a:extLst>
+              <a:ext uri="{FF2B5EF4-FFF2-40B4-BE49-F238E27FC236}">
+                <a16:creationId xmlns:a16="http://schemas.microsoft.com/office/drawing/2014/main" id="{F8425BBF-94C7-A03C-D2B0-1F29C84713F0}"/>
+              </a:ext>
+            </a:extLst>
+          </p:cNvPr>
+          <p:cNvSpPr>
+            <a:spLocks noGrp="1"/>
+          </p:cNvSpPr>
+          <p:nvPr>
+            <p:ph type="title"/>
+          </p:nvPr>
+        </p:nvSpPr>
+        <p:spPr/>
+        <p:txBody>
+          <a:bodyPr/>
+          <a:lstStyle/>
+          <a:p>
+            <a:r>
+              <a:rPr lang="en-US" dirty="0"/>
+              <a:t>Sort Algorithms in Python</a:t>
+            </a:r>
+          </a:p>
+        </p:txBody>
+      </p:sp>
+      <p:sp>
+        <p:nvSpPr>
+          <p:cNvPr id="3" name="Content Placeholder 2">
+            <a:extLst>
+              <a:ext uri="{FF2B5EF4-FFF2-40B4-BE49-F238E27FC236}">
+                <a16:creationId xmlns:a16="http://schemas.microsoft.com/office/drawing/2014/main" id="{AC86DE11-A3E6-B441-AC57-E7D1C24270DD}"/>
+              </a:ext>
+            </a:extLst>
+          </p:cNvPr>
+          <p:cNvSpPr>
+            <a:spLocks noGrp="1"/>
+          </p:cNvSpPr>
+          <p:nvPr>
+            <p:ph idx="1"/>
+          </p:nvPr>
+        </p:nvSpPr>
+        <p:spPr/>
+        <p:txBody>
+          <a:bodyPr/>
+          <a:lstStyle/>
+          <a:p>
+            <a:r>
+              <a:rPr lang="en-US" dirty="0"/>
+              <a:t>Selection Sort</a:t>
+            </a:r>
+          </a:p>
+          <a:p>
+            <a:r>
+              <a:rPr lang="en-US" dirty="0"/>
+              <a:t>Bubble Sort</a:t>
+            </a:r>
+          </a:p>
+          <a:p>
+            <a:r>
+              <a:rPr lang="en-US" dirty="0"/>
+              <a:t>Insertion Sort</a:t>
+            </a:r>
+          </a:p>
+          <a:p>
+            <a:r>
+              <a:rPr lang="en-US" dirty="0"/>
+              <a:t>Shell Sort</a:t>
+            </a:r>
+          </a:p>
+          <a:p>
+            <a:r>
+              <a:rPr lang="en-US" dirty="0"/>
+              <a:t>Quick Sort</a:t>
+            </a:r>
+          </a:p>
+          <a:p>
+            <a:r>
+              <a:rPr lang="en-US" dirty="0"/>
+              <a:t>Merge Sort</a:t>
+            </a:r>
+          </a:p>
+        </p:txBody>
+      </p:sp>
+    </p:spTree>
+    <p:extLst>
+      <p:ext uri="{BB962C8B-B14F-4D97-AF65-F5344CB8AC3E}">
+        <p14:creationId xmlns:p14="http://schemas.microsoft.com/office/powerpoint/2010/main" val="241947415"/>
+      </p:ext>
+    </p:extLst>
+  </p:cSld>
+  <p:clrMapOvr>
+    <a:masterClrMapping/>
+  </p:clrMapOvr>
+</p:sld>
+</file>
+
+<file path=ppt/slides/slide13.xml><?xml version="1.0" encoding="utf-8"?>
+<p:sld xmlns:a="http://schemas.openxmlformats.org/drawingml/2006/main" xmlns:r="http://schemas.openxmlformats.org/officeDocument/2006/relationships" xmlns:p="http://schemas.openxmlformats.org/presentationml/2006/main">
+  <p:cSld>
+    <p:spTree>
+      <p:nvGrpSpPr>
+        <p:cNvPr id="1" name=""/>
+        <p:cNvGrpSpPr/>
+        <p:nvPr/>
+      </p:nvGrpSpPr>
+      <p:grpSpPr>
+        <a:xfrm>
+          <a:off x="0" y="0"/>
+          <a:ext cx="0" cy="0"/>
+          <a:chOff x="0" y="0"/>
+          <a:chExt cx="0" cy="0"/>
+        </a:xfrm>
+      </p:grpSpPr>
+      <p:sp>
+        <p:nvSpPr>
+          <p:cNvPr id="2" name="Title 1">
+            <a:extLst>
+              <a:ext uri="{FF2B5EF4-FFF2-40B4-BE49-F238E27FC236}">
+                <a16:creationId xmlns:a16="http://schemas.microsoft.com/office/drawing/2014/main" id="{4592A20F-7493-BA75-43AE-3A839B4048F2}"/>
+              </a:ext>
+            </a:extLst>
+          </p:cNvPr>
+          <p:cNvSpPr>
+            <a:spLocks noGrp="1"/>
+          </p:cNvSpPr>
+          <p:nvPr>
+            <p:ph type="title"/>
+          </p:nvPr>
+        </p:nvSpPr>
+        <p:spPr/>
+        <p:txBody>
+          <a:bodyPr/>
+          <a:lstStyle/>
+          <a:p>
+            <a:endParaRPr lang="en-US"/>
+          </a:p>
+        </p:txBody>
+      </p:sp>
+      <p:sp>
+        <p:nvSpPr>
+          <p:cNvPr id="3" name="Content Placeholder 2">
+            <a:extLst>
+              <a:ext uri="{FF2B5EF4-FFF2-40B4-BE49-F238E27FC236}">
+                <a16:creationId xmlns:a16="http://schemas.microsoft.com/office/drawing/2014/main" id="{4D4F332F-87F0-D6DC-B85D-BD5FC01B25E6}"/>
+              </a:ext>
+            </a:extLst>
+          </p:cNvPr>
+          <p:cNvSpPr>
+            <a:spLocks noGrp="1"/>
+          </p:cNvSpPr>
+          <p:nvPr>
+            <p:ph idx="1"/>
+          </p:nvPr>
+        </p:nvSpPr>
+        <p:spPr/>
+        <p:txBody>
+          <a:bodyPr/>
+          <a:lstStyle/>
+          <a:p>
+            <a:endParaRPr lang="en-US"/>
+          </a:p>
+        </p:txBody>
+      </p:sp>
+    </p:spTree>
+    <p:extLst>
+      <p:ext uri="{BB962C8B-B14F-4D97-AF65-F5344CB8AC3E}">
+        <p14:creationId xmlns:p14="http://schemas.microsoft.com/office/powerpoint/2010/main" val="3388737449"/>
+      </p:ext>
+    </p:extLst>
+  </p:cSld>
+  <p:clrMapOvr>
+    <a:masterClrMapping/>
+  </p:clrMapOvr>
+</p:sld>
+</file>
+
+<file path=ppt/slides/slide14.xml><?xml version="1.0" encoding="utf-8"?>
+<p:sld xmlns:a="http://schemas.openxmlformats.org/drawingml/2006/main" xmlns:r="http://schemas.openxmlformats.org/officeDocument/2006/relationships" xmlns:p="http://schemas.openxmlformats.org/presentationml/2006/main">
+  <p:cSld>
+    <p:spTree>
+      <p:nvGrpSpPr>
+        <p:cNvPr id="1" name="Shape 198"/>
+        <p:cNvGrpSpPr/>
+        <p:nvPr/>
+      </p:nvGrpSpPr>
+      <p:grpSpPr>
+        <a:xfrm>
+          <a:off x="0" y="0"/>
+          <a:ext cx="0" cy="0"/>
+          <a:chOff x="0" y="0"/>
+          <a:chExt cx="0" cy="0"/>
+        </a:xfrm>
+      </p:grpSpPr>
+      <p:sp>
+        <p:nvSpPr>
+          <p:cNvPr id="199" name="Google Shape;199;p20"/>
+          <p:cNvSpPr txBox="1">
+            <a:spLocks noGrp="1"/>
+          </p:cNvSpPr>
+          <p:nvPr>
+            <p:ph type="title"/>
+          </p:nvPr>
+        </p:nvSpPr>
+        <p:spPr>
+          <a:prstGeom prst="rect">
+            <a:avLst/>
+          </a:prstGeom>
+          <a:noFill/>
+          <a:ln>
+            <a:noFill/>
+          </a:ln>
+        </p:spPr>
+        <p:txBody>
+          <a:bodyPr spcFirstLastPara="1" vert="horz" wrap="square" lIns="91425" tIns="45700" rIns="91425" bIns="45700" rtlCol="0" anchor="ctr" anchorCtr="0">
+            <a:noAutofit/>
+          </a:bodyPr>
+          <a:lstStyle/>
+          <a:p>
+            <a:pPr>
+              <a:buClr>
+                <a:schemeClr val="dk1"/>
+              </a:buClr>
+              <a:buSzPts val="3200"/>
+            </a:pPr>
+            <a:r>
+              <a:rPr lang="en-US" sz="3200" b="1" dirty="0">
+                <a:solidFill>
+                  <a:schemeClr val="tx1"/>
+                </a:solidFill>
+                <a:latin typeface="Verdana"/>
+                <a:ea typeface="Verdana"/>
+                <a:cs typeface="Verdana"/>
+                <a:sym typeface="Verdana"/>
+              </a:rPr>
+              <a:t>Functions, Procedures</a:t>
+            </a:r>
+            <a:endParaRPr dirty="0">
+              <a:solidFill>
+                <a:schemeClr val="tx1"/>
+              </a:solidFill>
+            </a:endParaRPr>
+          </a:p>
+        </p:txBody>
+      </p:sp>
+      <p:sp>
+        <p:nvSpPr>
+          <p:cNvPr id="200" name="Google Shape;200;p20"/>
+          <p:cNvSpPr txBox="1">
+            <a:spLocks noGrp="1"/>
+          </p:cNvSpPr>
+          <p:nvPr>
+            <p:ph idx="1"/>
+          </p:nvPr>
+        </p:nvSpPr>
+        <p:spPr>
+          <a:prstGeom prst="rect">
+            <a:avLst/>
+          </a:prstGeom>
+          <a:noFill/>
+          <a:ln>
+            <a:noFill/>
+          </a:ln>
+        </p:spPr>
+        <p:txBody>
+          <a:bodyPr spcFirstLastPara="1" vert="horz" wrap="square" lIns="91425" tIns="45700" rIns="91425" bIns="45700" rtlCol="0" anchor="t" anchorCtr="0">
+            <a:noAutofit/>
+          </a:bodyPr>
+          <a:lstStyle/>
+          <a:p>
+            <a:pPr marL="342900">
+              <a:spcBef>
+                <a:spcPts val="0"/>
+              </a:spcBef>
+              <a:buSzPts val="2400"/>
+              <a:buNone/>
+            </a:pPr>
+            <a:r>
+              <a:rPr lang="en-US" sz="2400" dirty="0">
+                <a:latin typeface="Verdana"/>
+                <a:ea typeface="Verdana"/>
+                <a:cs typeface="Verdana"/>
+                <a:sym typeface="Verdana"/>
+              </a:rPr>
+              <a:t>def </a:t>
+            </a:r>
+            <a:r>
+              <a:rPr lang="en-US" sz="2400" i="1" dirty="0">
+                <a:latin typeface="Verdana"/>
+                <a:ea typeface="Verdana"/>
+                <a:cs typeface="Verdana"/>
+                <a:sym typeface="Verdana"/>
+              </a:rPr>
+              <a:t>name</a:t>
+            </a:r>
+            <a:r>
+              <a:rPr lang="en-US" sz="2400" dirty="0">
+                <a:latin typeface="Verdana"/>
+                <a:ea typeface="Verdana"/>
+                <a:cs typeface="Verdana"/>
+                <a:sym typeface="Verdana"/>
+              </a:rPr>
+              <a:t>(</a:t>
+            </a:r>
+            <a:r>
+              <a:rPr lang="en-US" sz="2400" i="1" dirty="0">
+                <a:latin typeface="Verdana"/>
+                <a:ea typeface="Verdana"/>
+                <a:cs typeface="Verdana"/>
+                <a:sym typeface="Verdana"/>
+              </a:rPr>
+              <a:t>arg1</a:t>
+            </a:r>
+            <a:r>
+              <a:rPr lang="en-US" sz="2400" dirty="0">
+                <a:latin typeface="Verdana"/>
+                <a:ea typeface="Verdana"/>
+                <a:cs typeface="Verdana"/>
+                <a:sym typeface="Verdana"/>
+              </a:rPr>
+              <a:t>, </a:t>
+            </a:r>
+            <a:r>
+              <a:rPr lang="en-US" sz="2400" i="1" dirty="0">
+                <a:latin typeface="Verdana"/>
+                <a:ea typeface="Verdana"/>
+                <a:cs typeface="Verdana"/>
+                <a:sym typeface="Verdana"/>
+              </a:rPr>
+              <a:t>arg2</a:t>
+            </a:r>
+            <a:r>
+              <a:rPr lang="en-US" sz="2400" dirty="0">
+                <a:latin typeface="Verdana"/>
+                <a:ea typeface="Verdana"/>
+                <a:cs typeface="Verdana"/>
+                <a:sym typeface="Verdana"/>
+              </a:rPr>
+              <a:t>, ...):</a:t>
+            </a:r>
+            <a:endParaRPr dirty="0"/>
+          </a:p>
+          <a:p>
+            <a:pPr marL="342900">
+              <a:spcBef>
+                <a:spcPts val="960"/>
+              </a:spcBef>
+              <a:buSzPts val="2400"/>
+              <a:buNone/>
+            </a:pPr>
+            <a:r>
+              <a:rPr lang="en-US" sz="2400" dirty="0">
+                <a:latin typeface="Verdana"/>
+                <a:ea typeface="Verdana"/>
+                <a:cs typeface="Verdana"/>
+                <a:sym typeface="Verdana"/>
+              </a:rPr>
+              <a:t>    """</a:t>
+            </a:r>
+            <a:r>
+              <a:rPr lang="en-US" sz="2400" i="1" dirty="0">
+                <a:latin typeface="Verdana"/>
+                <a:ea typeface="Verdana"/>
+                <a:cs typeface="Verdana"/>
+                <a:sym typeface="Verdana"/>
+              </a:rPr>
+              <a:t>documentation</a:t>
+            </a:r>
+            <a:r>
+              <a:rPr lang="en-US" sz="2400" dirty="0">
+                <a:latin typeface="Verdana"/>
+                <a:ea typeface="Verdana"/>
+                <a:cs typeface="Verdana"/>
+                <a:sym typeface="Verdana"/>
+              </a:rPr>
+              <a:t>"""	# optional doc string</a:t>
+            </a:r>
+            <a:endParaRPr dirty="0"/>
+          </a:p>
+          <a:p>
+            <a:pPr marL="342900">
+              <a:spcBef>
+                <a:spcPts val="960"/>
+              </a:spcBef>
+              <a:buSzPts val="2400"/>
+              <a:buNone/>
+            </a:pPr>
+            <a:r>
+              <a:rPr lang="en-US" sz="2400" dirty="0">
+                <a:latin typeface="Verdana"/>
+                <a:ea typeface="Verdana"/>
+                <a:cs typeface="Verdana"/>
+                <a:sym typeface="Verdana"/>
+              </a:rPr>
+              <a:t>    </a:t>
+            </a:r>
+            <a:r>
+              <a:rPr lang="en-US" sz="2400" i="1" dirty="0">
+                <a:latin typeface="Verdana"/>
+                <a:ea typeface="Verdana"/>
+                <a:cs typeface="Verdana"/>
+                <a:sym typeface="Verdana"/>
+              </a:rPr>
+              <a:t>statements</a:t>
+            </a:r>
+            <a:endParaRPr dirty="0"/>
+          </a:p>
+          <a:p>
+            <a:pPr marL="342900">
+              <a:spcBef>
+                <a:spcPts val="960"/>
+              </a:spcBef>
+              <a:buSzPts val="2400"/>
+              <a:buNone/>
+            </a:pPr>
+            <a:endParaRPr sz="2400" dirty="0">
+              <a:latin typeface="Verdana"/>
+              <a:ea typeface="Verdana"/>
+              <a:cs typeface="Verdana"/>
+              <a:sym typeface="Verdana"/>
+            </a:endParaRPr>
+          </a:p>
+          <a:p>
+            <a:pPr marL="342900">
+              <a:spcBef>
+                <a:spcPts val="960"/>
+              </a:spcBef>
+              <a:buSzPts val="2400"/>
+              <a:buNone/>
+            </a:pPr>
+            <a:r>
+              <a:rPr lang="en-US" sz="2400" dirty="0">
+                <a:latin typeface="Verdana"/>
+                <a:ea typeface="Verdana"/>
+                <a:cs typeface="Verdana"/>
+                <a:sym typeface="Verdana"/>
+              </a:rPr>
+              <a:t>return			# from procedure</a:t>
+            </a:r>
+            <a:endParaRPr dirty="0"/>
+          </a:p>
+          <a:p>
+            <a:pPr marL="342900">
+              <a:spcBef>
+                <a:spcPts val="960"/>
+              </a:spcBef>
+              <a:buSzPts val="2400"/>
+              <a:buNone/>
+            </a:pPr>
+            <a:r>
+              <a:rPr lang="en-US" sz="2400" dirty="0">
+                <a:latin typeface="Verdana"/>
+                <a:ea typeface="Verdana"/>
+                <a:cs typeface="Verdana"/>
+                <a:sym typeface="Verdana"/>
+              </a:rPr>
+              <a:t>return </a:t>
+            </a:r>
+            <a:r>
+              <a:rPr lang="en-US" sz="2400" i="1" dirty="0">
+                <a:latin typeface="Verdana"/>
+                <a:ea typeface="Verdana"/>
+                <a:cs typeface="Verdana"/>
+                <a:sym typeface="Verdana"/>
+              </a:rPr>
+              <a:t>expression</a:t>
+            </a:r>
+            <a:r>
+              <a:rPr lang="en-US" sz="2400" dirty="0">
+                <a:latin typeface="Verdana"/>
+                <a:ea typeface="Verdana"/>
+                <a:cs typeface="Verdana"/>
+                <a:sym typeface="Verdana"/>
+              </a:rPr>
+              <a:t>		# from function</a:t>
+            </a:r>
+            <a:endParaRPr dirty="0"/>
+          </a:p>
+        </p:txBody>
+      </p:sp>
+    </p:spTree>
+  </p:cSld>
+  <p:clrMapOvr>
+    <a:masterClrMapping/>
+  </p:clrMapOvr>
+</p:sld>
+</file>
+
+<file path=ppt/slides/slide15.xml><?xml version="1.0" encoding="utf-8"?>
+<p:sld xmlns:a="http://schemas.openxmlformats.org/drawingml/2006/main" xmlns:r="http://schemas.openxmlformats.org/officeDocument/2006/relationships" xmlns:p="http://schemas.openxmlformats.org/presentationml/2006/main">
+  <p:cSld>
+    <p:spTree>
+      <p:nvGrpSpPr>
+        <p:cNvPr id="1" name="Shape 204"/>
+        <p:cNvGrpSpPr/>
+        <p:nvPr/>
+      </p:nvGrpSpPr>
+      <p:grpSpPr>
+        <a:xfrm>
+          <a:off x="0" y="0"/>
+          <a:ext cx="0" cy="0"/>
+          <a:chOff x="0" y="0"/>
+          <a:chExt cx="0" cy="0"/>
+        </a:xfrm>
+      </p:grpSpPr>
+      <p:sp>
+        <p:nvSpPr>
+          <p:cNvPr id="205" name="Google Shape;205;p21"/>
+          <p:cNvSpPr txBox="1">
+            <a:spLocks noGrp="1"/>
+          </p:cNvSpPr>
+          <p:nvPr>
+            <p:ph type="title"/>
+          </p:nvPr>
+        </p:nvSpPr>
+        <p:spPr>
+          <a:prstGeom prst="rect">
+            <a:avLst/>
+          </a:prstGeom>
+          <a:noFill/>
+          <a:ln>
+            <a:noFill/>
+          </a:ln>
+        </p:spPr>
+        <p:txBody>
+          <a:bodyPr spcFirstLastPara="1" vert="horz" wrap="square" lIns="91425" tIns="45700" rIns="91425" bIns="45700" rtlCol="0" anchor="ctr" anchorCtr="0">
+            <a:noAutofit/>
+          </a:bodyPr>
+          <a:lstStyle/>
+          <a:p>
+            <a:pPr>
+              <a:buClr>
+                <a:schemeClr val="dk1"/>
+              </a:buClr>
+              <a:buSzPts val="3200"/>
+            </a:pPr>
+            <a:r>
+              <a:rPr lang="en-US" sz="3200" b="1" dirty="0">
+                <a:solidFill>
+                  <a:schemeClr val="tx1"/>
+                </a:solidFill>
+                <a:latin typeface="Verdana"/>
+                <a:ea typeface="Verdana"/>
+                <a:cs typeface="Verdana"/>
+                <a:sym typeface="Verdana"/>
+              </a:rPr>
+              <a:t>Example Function</a:t>
+            </a:r>
+            <a:endParaRPr dirty="0">
+              <a:solidFill>
+                <a:schemeClr val="tx1"/>
+              </a:solidFill>
+            </a:endParaRPr>
+          </a:p>
+        </p:txBody>
+      </p:sp>
+      <p:sp>
+        <p:nvSpPr>
+          <p:cNvPr id="206" name="Google Shape;206;p21"/>
+          <p:cNvSpPr txBox="1">
+            <a:spLocks noGrp="1"/>
+          </p:cNvSpPr>
+          <p:nvPr>
+            <p:ph idx="1"/>
+          </p:nvPr>
+        </p:nvSpPr>
+        <p:spPr>
+          <a:prstGeom prst="rect">
+            <a:avLst/>
+          </a:prstGeom>
+          <a:noFill/>
+          <a:ln>
+            <a:noFill/>
+          </a:ln>
+        </p:spPr>
+        <p:txBody>
+          <a:bodyPr spcFirstLastPara="1" vert="horz" wrap="square" lIns="91425" tIns="45700" rIns="91425" bIns="45700" rtlCol="0" anchor="t" anchorCtr="0">
+            <a:noAutofit/>
+          </a:bodyPr>
+          <a:lstStyle/>
+          <a:p>
+            <a:pPr marL="342900">
+              <a:spcBef>
+                <a:spcPts val="0"/>
+              </a:spcBef>
+              <a:buSzPts val="2000"/>
+              <a:buNone/>
+            </a:pPr>
+            <a:r>
+              <a:rPr lang="en-US" dirty="0">
+                <a:latin typeface="Verdana"/>
+                <a:ea typeface="Verdana"/>
+                <a:cs typeface="Verdana"/>
+                <a:sym typeface="Verdana"/>
+              </a:rPr>
+              <a:t>def </a:t>
+            </a:r>
+            <a:r>
+              <a:rPr lang="en-US" dirty="0" err="1">
+                <a:latin typeface="Verdana"/>
+                <a:ea typeface="Verdana"/>
+                <a:cs typeface="Verdana"/>
+                <a:sym typeface="Verdana"/>
+              </a:rPr>
+              <a:t>gcd</a:t>
+            </a:r>
+            <a:r>
+              <a:rPr lang="en-US" dirty="0">
+                <a:latin typeface="Verdana"/>
+                <a:ea typeface="Verdana"/>
+                <a:cs typeface="Verdana"/>
+                <a:sym typeface="Verdana"/>
+              </a:rPr>
+              <a:t>(a, b):</a:t>
+            </a:r>
+            <a:endParaRPr dirty="0"/>
+          </a:p>
+          <a:p>
+            <a:pPr marL="342900">
+              <a:spcBef>
+                <a:spcPts val="800"/>
+              </a:spcBef>
+              <a:buSzPts val="2000"/>
+              <a:buNone/>
+            </a:pPr>
+            <a:r>
+              <a:rPr lang="en-US" dirty="0">
+                <a:latin typeface="Verdana"/>
+                <a:ea typeface="Verdana"/>
+                <a:cs typeface="Verdana"/>
+                <a:sym typeface="Verdana"/>
+              </a:rPr>
+              <a:t>    "greatest common divisor"</a:t>
+            </a:r>
+            <a:endParaRPr dirty="0"/>
+          </a:p>
+          <a:p>
+            <a:pPr marL="342900">
+              <a:spcBef>
+                <a:spcPts val="800"/>
+              </a:spcBef>
+              <a:buSzPts val="2000"/>
+              <a:buNone/>
+            </a:pPr>
+            <a:r>
+              <a:rPr lang="en-US" dirty="0">
+                <a:latin typeface="Verdana"/>
+                <a:ea typeface="Verdana"/>
+                <a:cs typeface="Verdana"/>
+                <a:sym typeface="Verdana"/>
+              </a:rPr>
+              <a:t>    while a != 0:</a:t>
+            </a:r>
+            <a:endParaRPr dirty="0"/>
+          </a:p>
+          <a:p>
+            <a:pPr marL="342900">
+              <a:spcBef>
+                <a:spcPts val="800"/>
+              </a:spcBef>
+              <a:buSzPts val="2000"/>
+              <a:buNone/>
+            </a:pPr>
+            <a:r>
+              <a:rPr lang="en-US" dirty="0">
+                <a:latin typeface="Verdana"/>
+                <a:ea typeface="Verdana"/>
+                <a:cs typeface="Verdana"/>
+                <a:sym typeface="Verdana"/>
+              </a:rPr>
+              <a:t>        a, b = </a:t>
+            </a:r>
+            <a:r>
+              <a:rPr lang="en-US" dirty="0" err="1">
+                <a:latin typeface="Verdana"/>
+                <a:ea typeface="Verdana"/>
+                <a:cs typeface="Verdana"/>
+                <a:sym typeface="Verdana"/>
+              </a:rPr>
+              <a:t>b%a</a:t>
+            </a:r>
+            <a:r>
+              <a:rPr lang="en-US" dirty="0">
+                <a:latin typeface="Verdana"/>
+                <a:ea typeface="Verdana"/>
+                <a:cs typeface="Verdana"/>
+                <a:sym typeface="Verdana"/>
+              </a:rPr>
+              <a:t>, a    # parallel assignment</a:t>
+            </a:r>
+            <a:endParaRPr dirty="0"/>
+          </a:p>
+          <a:p>
+            <a:pPr marL="342900">
+              <a:spcBef>
+                <a:spcPts val="800"/>
+              </a:spcBef>
+              <a:buSzPts val="2000"/>
+              <a:buNone/>
+            </a:pPr>
+            <a:r>
+              <a:rPr lang="en-US" dirty="0">
+                <a:latin typeface="Verdana"/>
+                <a:ea typeface="Verdana"/>
+                <a:cs typeface="Verdana"/>
+                <a:sym typeface="Verdana"/>
+              </a:rPr>
+              <a:t>    return b</a:t>
+            </a:r>
+            <a:endParaRPr dirty="0"/>
+          </a:p>
+          <a:p>
+            <a:pPr marL="342900">
+              <a:spcBef>
+                <a:spcPts val="800"/>
+              </a:spcBef>
+              <a:buSzPts val="2000"/>
+              <a:buNone/>
+            </a:pPr>
+            <a:endParaRPr dirty="0">
+              <a:latin typeface="Verdana"/>
+              <a:ea typeface="Verdana"/>
+              <a:cs typeface="Verdana"/>
+              <a:sym typeface="Verdana"/>
+            </a:endParaRPr>
+          </a:p>
+          <a:p>
+            <a:pPr marL="342900">
+              <a:spcBef>
+                <a:spcPts val="800"/>
+              </a:spcBef>
+              <a:buSzPts val="2000"/>
+              <a:buNone/>
+            </a:pPr>
+            <a:r>
+              <a:rPr lang="en-US" dirty="0">
+                <a:latin typeface="Verdana"/>
+                <a:ea typeface="Verdana"/>
+                <a:cs typeface="Verdana"/>
+                <a:sym typeface="Verdana"/>
+              </a:rPr>
+              <a:t>&gt;&gt;&gt; </a:t>
+            </a:r>
+            <a:r>
+              <a:rPr lang="en-US" dirty="0" err="1">
+                <a:latin typeface="Verdana"/>
+                <a:ea typeface="Verdana"/>
+                <a:cs typeface="Verdana"/>
+                <a:sym typeface="Verdana"/>
+              </a:rPr>
+              <a:t>gcd</a:t>
+            </a:r>
+            <a:r>
+              <a:rPr lang="en-US" dirty="0">
+                <a:latin typeface="Verdana"/>
+                <a:ea typeface="Verdana"/>
+                <a:cs typeface="Verdana"/>
+                <a:sym typeface="Verdana"/>
+              </a:rPr>
+              <a:t>.__doc__</a:t>
+            </a:r>
+            <a:endParaRPr dirty="0"/>
+          </a:p>
+          <a:p>
+            <a:pPr marL="342900">
+              <a:spcBef>
+                <a:spcPts val="800"/>
+              </a:spcBef>
+              <a:buSzPts val="2000"/>
+              <a:buNone/>
+            </a:pPr>
+            <a:r>
+              <a:rPr lang="en-US" dirty="0">
+                <a:latin typeface="Verdana"/>
+                <a:ea typeface="Verdana"/>
+                <a:cs typeface="Verdana"/>
+                <a:sym typeface="Verdana"/>
+              </a:rPr>
+              <a:t>'greatest common divisor'</a:t>
+            </a:r>
+            <a:endParaRPr dirty="0"/>
+          </a:p>
+          <a:p>
+            <a:pPr marL="342900">
+              <a:spcBef>
+                <a:spcPts val="800"/>
+              </a:spcBef>
+              <a:buSzPts val="2000"/>
+              <a:buNone/>
+            </a:pPr>
+            <a:r>
+              <a:rPr lang="en-US" dirty="0">
+                <a:latin typeface="Verdana"/>
+                <a:ea typeface="Verdana"/>
+                <a:cs typeface="Verdana"/>
+                <a:sym typeface="Verdana"/>
+              </a:rPr>
+              <a:t>&gt;&gt;&gt; </a:t>
+            </a:r>
+            <a:r>
+              <a:rPr lang="en-US" dirty="0" err="1">
+                <a:latin typeface="Verdana"/>
+                <a:ea typeface="Verdana"/>
+                <a:cs typeface="Verdana"/>
+                <a:sym typeface="Verdana"/>
+              </a:rPr>
+              <a:t>gcd</a:t>
+            </a:r>
+            <a:r>
+              <a:rPr lang="en-US" dirty="0">
+                <a:latin typeface="Verdana"/>
+                <a:ea typeface="Verdana"/>
+                <a:cs typeface="Verdana"/>
+                <a:sym typeface="Verdana"/>
+              </a:rPr>
+              <a:t>(12, 20)</a:t>
+            </a:r>
+            <a:endParaRPr dirty="0"/>
+          </a:p>
+          <a:p>
+            <a:pPr marL="342900">
+              <a:spcBef>
+                <a:spcPts val="800"/>
+              </a:spcBef>
+              <a:buSzPts val="2000"/>
+              <a:buNone/>
+            </a:pPr>
+            <a:r>
+              <a:rPr lang="en-US" dirty="0">
+                <a:latin typeface="Verdana"/>
+                <a:ea typeface="Verdana"/>
+                <a:cs typeface="Verdana"/>
+                <a:sym typeface="Verdana"/>
+              </a:rPr>
+              <a:t>4</a:t>
+            </a:r>
+            <a:endParaRPr dirty="0"/>
+          </a:p>
+        </p:txBody>
+      </p:sp>
+    </p:spTree>
+  </p:cSld>
+  <p:clrMapOvr>
+    <a:masterClrMapping/>
+  </p:clrMapOvr>
+</p:sld>
+</file>
+
+<file path=ppt/slides/slide16.xml><?xml version="1.0" encoding="utf-8"?>
+<p:sld xmlns:a="http://schemas.openxmlformats.org/drawingml/2006/main" xmlns:r="http://schemas.openxmlformats.org/officeDocument/2006/relationships" xmlns:p="http://schemas.openxmlformats.org/presentationml/2006/main">
+  <p:cSld>
+    <p:spTree>
+      <p:nvGrpSpPr>
+        <p:cNvPr id="1" name="Shape 210"/>
+        <p:cNvGrpSpPr/>
+        <p:nvPr/>
+      </p:nvGrpSpPr>
+      <p:grpSpPr>
+        <a:xfrm>
+          <a:off x="0" y="0"/>
+          <a:ext cx="0" cy="0"/>
+          <a:chOff x="0" y="0"/>
+          <a:chExt cx="0" cy="0"/>
+        </a:xfrm>
+      </p:grpSpPr>
+      <p:sp>
+        <p:nvSpPr>
+          <p:cNvPr id="211" name="Google Shape;211;p22"/>
+          <p:cNvSpPr txBox="1">
+            <a:spLocks noGrp="1"/>
+          </p:cNvSpPr>
+          <p:nvPr>
+            <p:ph type="title"/>
+          </p:nvPr>
+        </p:nvSpPr>
+        <p:spPr>
+          <a:prstGeom prst="rect">
+            <a:avLst/>
+          </a:prstGeom>
+          <a:noFill/>
+          <a:ln>
+            <a:noFill/>
+          </a:ln>
+        </p:spPr>
+        <p:txBody>
+          <a:bodyPr spcFirstLastPara="1" vert="horz" wrap="square" lIns="91425" tIns="45700" rIns="91425" bIns="45700" rtlCol="0" anchor="ctr" anchorCtr="0">
+            <a:noAutofit/>
+          </a:bodyPr>
+          <a:lstStyle/>
+          <a:p>
+            <a:pPr>
+              <a:buClr>
+                <a:schemeClr val="dk1"/>
+              </a:buClr>
+              <a:buSzPts val="3200"/>
+            </a:pPr>
+            <a:r>
+              <a:rPr lang="en-US" sz="3200" b="1">
+                <a:solidFill>
+                  <a:schemeClr val="tx1"/>
+                </a:solidFill>
+                <a:latin typeface="Verdana"/>
+                <a:ea typeface="Verdana"/>
+                <a:cs typeface="Verdana"/>
+                <a:sym typeface="Verdana"/>
+              </a:rPr>
+              <a:t>Classes</a:t>
+            </a:r>
+            <a:endParaRPr>
+              <a:solidFill>
+                <a:schemeClr val="tx1"/>
+              </a:solidFill>
+            </a:endParaRPr>
+          </a:p>
+        </p:txBody>
+      </p:sp>
+      <p:sp>
+        <p:nvSpPr>
+          <p:cNvPr id="212" name="Google Shape;212;p22"/>
+          <p:cNvSpPr txBox="1">
+            <a:spLocks noGrp="1"/>
+          </p:cNvSpPr>
+          <p:nvPr>
+            <p:ph idx="1"/>
+          </p:nvPr>
+        </p:nvSpPr>
+        <p:spPr>
+          <a:prstGeom prst="rect">
+            <a:avLst/>
+          </a:prstGeom>
+          <a:noFill/>
+          <a:ln>
+            <a:noFill/>
+          </a:ln>
+        </p:spPr>
+        <p:txBody>
+          <a:bodyPr spcFirstLastPara="1" vert="horz" wrap="square" lIns="91425" tIns="45700" rIns="91425" bIns="45700" rtlCol="0" anchor="t" anchorCtr="0">
+            <a:noAutofit/>
+          </a:bodyPr>
+          <a:lstStyle/>
+          <a:p>
+            <a:pPr marL="342900">
+              <a:spcBef>
+                <a:spcPts val="0"/>
+              </a:spcBef>
+              <a:buSzPts val="2000"/>
+              <a:buNone/>
+            </a:pPr>
+            <a:r>
+              <a:rPr lang="en-US">
+                <a:latin typeface="Verdana"/>
+                <a:ea typeface="Verdana"/>
+                <a:cs typeface="Verdana"/>
+                <a:sym typeface="Verdana"/>
+              </a:rPr>
+              <a:t>class </a:t>
+            </a:r>
+            <a:r>
+              <a:rPr lang="en-US" i="1">
+                <a:latin typeface="Verdana"/>
+                <a:ea typeface="Verdana"/>
+                <a:cs typeface="Verdana"/>
+                <a:sym typeface="Verdana"/>
+              </a:rPr>
+              <a:t>name</a:t>
+            </a:r>
+            <a:r>
+              <a:rPr lang="en-US">
+                <a:latin typeface="Verdana"/>
+                <a:ea typeface="Verdana"/>
+                <a:cs typeface="Verdana"/>
+                <a:sym typeface="Verdana"/>
+              </a:rPr>
+              <a:t>:</a:t>
+            </a:r>
+            <a:endParaRPr/>
+          </a:p>
+          <a:p>
+            <a:pPr marL="342900">
+              <a:spcBef>
+                <a:spcPts val="800"/>
+              </a:spcBef>
+              <a:buSzPts val="2000"/>
+              <a:buNone/>
+            </a:pPr>
+            <a:r>
+              <a:rPr lang="en-US">
+                <a:latin typeface="Verdana"/>
+                <a:ea typeface="Verdana"/>
+                <a:cs typeface="Verdana"/>
+                <a:sym typeface="Verdana"/>
+              </a:rPr>
+              <a:t>    "</a:t>
+            </a:r>
+            <a:r>
+              <a:rPr lang="en-US" i="1">
+                <a:latin typeface="Verdana"/>
+                <a:ea typeface="Verdana"/>
+                <a:cs typeface="Verdana"/>
+                <a:sym typeface="Verdana"/>
+              </a:rPr>
+              <a:t>documentation</a:t>
+            </a:r>
+            <a:r>
+              <a:rPr lang="en-US">
+                <a:latin typeface="Verdana"/>
+                <a:ea typeface="Verdana"/>
+                <a:cs typeface="Verdana"/>
+                <a:sym typeface="Verdana"/>
+              </a:rPr>
+              <a:t>"</a:t>
+            </a:r>
+            <a:endParaRPr/>
+          </a:p>
+          <a:p>
+            <a:pPr marL="342900">
+              <a:spcBef>
+                <a:spcPts val="800"/>
+              </a:spcBef>
+              <a:buSzPts val="2000"/>
+              <a:buNone/>
+            </a:pPr>
+            <a:r>
+              <a:rPr lang="en-US">
+                <a:latin typeface="Verdana"/>
+                <a:ea typeface="Verdana"/>
+                <a:cs typeface="Verdana"/>
+                <a:sym typeface="Verdana"/>
+              </a:rPr>
+              <a:t>    </a:t>
+            </a:r>
+            <a:r>
+              <a:rPr lang="en-US" i="1">
+                <a:latin typeface="Verdana"/>
+                <a:ea typeface="Verdana"/>
+                <a:cs typeface="Verdana"/>
+                <a:sym typeface="Verdana"/>
+              </a:rPr>
+              <a:t>statements</a:t>
+            </a:r>
+            <a:endParaRPr/>
+          </a:p>
+          <a:p>
+            <a:pPr marL="342900">
+              <a:spcBef>
+                <a:spcPts val="800"/>
+              </a:spcBef>
+              <a:buSzPts val="2000"/>
+              <a:buNone/>
+            </a:pPr>
+            <a:r>
+              <a:rPr lang="en-US">
+                <a:latin typeface="Verdana"/>
+                <a:ea typeface="Verdana"/>
+                <a:cs typeface="Verdana"/>
+                <a:sym typeface="Verdana"/>
+              </a:rPr>
+              <a:t>-or-</a:t>
+            </a:r>
+            <a:endParaRPr/>
+          </a:p>
+          <a:p>
+            <a:pPr marL="342900">
+              <a:spcBef>
+                <a:spcPts val="800"/>
+              </a:spcBef>
+              <a:buSzPts val="2000"/>
+              <a:buNone/>
+            </a:pPr>
+            <a:r>
+              <a:rPr lang="en-US">
+                <a:latin typeface="Verdana"/>
+                <a:ea typeface="Verdana"/>
+                <a:cs typeface="Verdana"/>
+                <a:sym typeface="Verdana"/>
+              </a:rPr>
+              <a:t>class </a:t>
+            </a:r>
+            <a:r>
+              <a:rPr lang="en-US" i="1">
+                <a:latin typeface="Verdana"/>
+                <a:ea typeface="Verdana"/>
+                <a:cs typeface="Verdana"/>
+                <a:sym typeface="Verdana"/>
+              </a:rPr>
+              <a:t>name</a:t>
+            </a:r>
+            <a:r>
+              <a:rPr lang="en-US">
+                <a:latin typeface="Verdana"/>
+                <a:ea typeface="Verdana"/>
+                <a:cs typeface="Verdana"/>
+                <a:sym typeface="Verdana"/>
+              </a:rPr>
+              <a:t>(</a:t>
+            </a:r>
+            <a:r>
+              <a:rPr lang="en-US" i="1">
+                <a:latin typeface="Verdana"/>
+                <a:ea typeface="Verdana"/>
+                <a:cs typeface="Verdana"/>
+                <a:sym typeface="Verdana"/>
+              </a:rPr>
+              <a:t>base1</a:t>
+            </a:r>
+            <a:r>
+              <a:rPr lang="en-US">
+                <a:latin typeface="Verdana"/>
+                <a:ea typeface="Verdana"/>
+                <a:cs typeface="Verdana"/>
+                <a:sym typeface="Verdana"/>
+              </a:rPr>
+              <a:t>, </a:t>
+            </a:r>
+            <a:r>
+              <a:rPr lang="en-US" i="1">
+                <a:latin typeface="Verdana"/>
+                <a:ea typeface="Verdana"/>
+                <a:cs typeface="Verdana"/>
+                <a:sym typeface="Verdana"/>
+              </a:rPr>
+              <a:t>base2</a:t>
+            </a:r>
+            <a:r>
+              <a:rPr lang="en-US">
+                <a:latin typeface="Verdana"/>
+                <a:ea typeface="Verdana"/>
+                <a:cs typeface="Verdana"/>
+                <a:sym typeface="Verdana"/>
+              </a:rPr>
+              <a:t>, ...):</a:t>
+            </a:r>
+            <a:endParaRPr/>
+          </a:p>
+          <a:p>
+            <a:pPr marL="342900">
+              <a:spcBef>
+                <a:spcPts val="800"/>
+              </a:spcBef>
+              <a:buSzPts val="2000"/>
+              <a:buNone/>
+            </a:pPr>
+            <a:r>
+              <a:rPr lang="en-US">
+                <a:latin typeface="Verdana"/>
+                <a:ea typeface="Verdana"/>
+                <a:cs typeface="Verdana"/>
+                <a:sym typeface="Verdana"/>
+              </a:rPr>
+              <a:t>    </a:t>
+            </a:r>
+            <a:r>
+              <a:rPr lang="en-US" i="1">
+                <a:latin typeface="Verdana"/>
+                <a:ea typeface="Verdana"/>
+                <a:cs typeface="Verdana"/>
+                <a:sym typeface="Verdana"/>
+              </a:rPr>
+              <a:t>...</a:t>
+            </a:r>
+            <a:endParaRPr/>
+          </a:p>
+          <a:p>
+            <a:pPr marL="342900">
+              <a:spcBef>
+                <a:spcPts val="800"/>
+              </a:spcBef>
+              <a:buSzPts val="2000"/>
+              <a:buNone/>
+            </a:pPr>
+            <a:r>
+              <a:rPr lang="en-US">
+                <a:latin typeface="Verdana"/>
+                <a:ea typeface="Verdana"/>
+                <a:cs typeface="Verdana"/>
+                <a:sym typeface="Verdana"/>
+              </a:rPr>
+              <a:t>Most, </a:t>
+            </a:r>
+            <a:r>
+              <a:rPr lang="en-US" i="1">
+                <a:latin typeface="Verdana"/>
+                <a:ea typeface="Verdana"/>
+                <a:cs typeface="Verdana"/>
+                <a:sym typeface="Verdana"/>
+              </a:rPr>
+              <a:t>statements</a:t>
+            </a:r>
+            <a:r>
+              <a:rPr lang="en-US">
+                <a:latin typeface="Verdana"/>
+                <a:ea typeface="Verdana"/>
+                <a:cs typeface="Verdana"/>
+                <a:sym typeface="Verdana"/>
+              </a:rPr>
+              <a:t> are method definitions:</a:t>
+            </a:r>
+            <a:endParaRPr/>
+          </a:p>
+          <a:p>
+            <a:pPr marL="342900">
+              <a:spcBef>
+                <a:spcPts val="800"/>
+              </a:spcBef>
+              <a:buSzPts val="2000"/>
+              <a:buNone/>
+            </a:pPr>
+            <a:r>
+              <a:rPr lang="en-US">
+                <a:latin typeface="Verdana"/>
+                <a:ea typeface="Verdana"/>
+                <a:cs typeface="Verdana"/>
+                <a:sym typeface="Verdana"/>
+              </a:rPr>
+              <a:t>    def </a:t>
+            </a:r>
+            <a:r>
+              <a:rPr lang="en-US" i="1">
+                <a:latin typeface="Verdana"/>
+                <a:ea typeface="Verdana"/>
+                <a:cs typeface="Verdana"/>
+                <a:sym typeface="Verdana"/>
+              </a:rPr>
+              <a:t>name</a:t>
+            </a:r>
+            <a:r>
+              <a:rPr lang="en-US">
+                <a:latin typeface="Verdana"/>
+                <a:ea typeface="Verdana"/>
+                <a:cs typeface="Verdana"/>
+                <a:sym typeface="Verdana"/>
+              </a:rPr>
+              <a:t>(self, </a:t>
+            </a:r>
+            <a:r>
+              <a:rPr lang="en-US" i="1">
+                <a:latin typeface="Verdana"/>
+                <a:ea typeface="Verdana"/>
+                <a:cs typeface="Verdana"/>
+                <a:sym typeface="Verdana"/>
+              </a:rPr>
+              <a:t>arg1</a:t>
+            </a:r>
+            <a:r>
+              <a:rPr lang="en-US">
+                <a:latin typeface="Verdana"/>
+                <a:ea typeface="Verdana"/>
+                <a:cs typeface="Verdana"/>
+                <a:sym typeface="Verdana"/>
+              </a:rPr>
+              <a:t>, </a:t>
+            </a:r>
+            <a:r>
+              <a:rPr lang="en-US" i="1">
+                <a:latin typeface="Verdana"/>
+                <a:ea typeface="Verdana"/>
+                <a:cs typeface="Verdana"/>
+                <a:sym typeface="Verdana"/>
+              </a:rPr>
+              <a:t>arg2</a:t>
+            </a:r>
+            <a:r>
+              <a:rPr lang="en-US">
+                <a:latin typeface="Verdana"/>
+                <a:ea typeface="Verdana"/>
+                <a:cs typeface="Verdana"/>
+                <a:sym typeface="Verdana"/>
+              </a:rPr>
+              <a:t>, ...):</a:t>
+            </a:r>
+            <a:endParaRPr/>
+          </a:p>
+          <a:p>
+            <a:pPr marL="342900">
+              <a:spcBef>
+                <a:spcPts val="800"/>
+              </a:spcBef>
+              <a:buSzPts val="2000"/>
+              <a:buNone/>
+            </a:pPr>
+            <a:r>
+              <a:rPr lang="en-US">
+                <a:latin typeface="Verdana"/>
+                <a:ea typeface="Verdana"/>
+                <a:cs typeface="Verdana"/>
+                <a:sym typeface="Verdana"/>
+              </a:rPr>
+              <a:t>        </a:t>
+            </a:r>
+            <a:r>
+              <a:rPr lang="en-US" i="1">
+                <a:latin typeface="Verdana"/>
+                <a:ea typeface="Verdana"/>
+                <a:cs typeface="Verdana"/>
+                <a:sym typeface="Verdana"/>
+              </a:rPr>
+              <a:t>...</a:t>
+            </a:r>
+            <a:endParaRPr/>
+          </a:p>
+          <a:p>
+            <a:pPr marL="342900">
+              <a:spcBef>
+                <a:spcPts val="800"/>
+              </a:spcBef>
+              <a:buSzPts val="2000"/>
+              <a:buNone/>
+            </a:pPr>
+            <a:r>
+              <a:rPr lang="en-US">
+                <a:latin typeface="Verdana"/>
+                <a:ea typeface="Verdana"/>
+                <a:cs typeface="Verdana"/>
+                <a:sym typeface="Verdana"/>
+              </a:rPr>
+              <a:t>May also be </a:t>
+            </a:r>
+            <a:r>
+              <a:rPr lang="en-US" i="1">
+                <a:latin typeface="Verdana"/>
+                <a:ea typeface="Verdana"/>
+                <a:cs typeface="Verdana"/>
+                <a:sym typeface="Verdana"/>
+              </a:rPr>
+              <a:t>class variable</a:t>
+            </a:r>
+            <a:r>
+              <a:rPr lang="en-US">
+                <a:latin typeface="Verdana"/>
+                <a:ea typeface="Verdana"/>
+                <a:cs typeface="Verdana"/>
+                <a:sym typeface="Verdana"/>
+              </a:rPr>
+              <a:t> assignments</a:t>
+            </a:r>
+            <a:endParaRPr/>
+          </a:p>
+        </p:txBody>
+      </p:sp>
+    </p:spTree>
+  </p:cSld>
+  <p:clrMapOvr>
+    <a:masterClrMapping/>
+  </p:clrMapOvr>
+</p:sld>
+</file>
+
+<file path=ppt/slides/slide17.xml><?xml version="1.0" encoding="utf-8"?>
+<p:sld xmlns:a="http://schemas.openxmlformats.org/drawingml/2006/main" xmlns:r="http://schemas.openxmlformats.org/officeDocument/2006/relationships" xmlns:p="http://schemas.openxmlformats.org/presentationml/2006/main">
+  <p:cSld>
+    <p:spTree>
+      <p:nvGrpSpPr>
+        <p:cNvPr id="1" name="Shape 216"/>
+        <p:cNvGrpSpPr/>
+        <p:nvPr/>
+      </p:nvGrpSpPr>
+      <p:grpSpPr>
+        <a:xfrm>
+          <a:off x="0" y="0"/>
+          <a:ext cx="0" cy="0"/>
+          <a:chOff x="0" y="0"/>
+          <a:chExt cx="0" cy="0"/>
+        </a:xfrm>
+      </p:grpSpPr>
+      <p:sp>
+        <p:nvSpPr>
+          <p:cNvPr id="217" name="Google Shape;217;p23"/>
+          <p:cNvSpPr txBox="1">
+            <a:spLocks noGrp="1"/>
+          </p:cNvSpPr>
+          <p:nvPr>
+            <p:ph type="title"/>
+          </p:nvPr>
+        </p:nvSpPr>
+        <p:spPr>
+          <a:prstGeom prst="rect">
+            <a:avLst/>
+          </a:prstGeom>
+          <a:noFill/>
+          <a:ln>
+            <a:noFill/>
+          </a:ln>
+        </p:spPr>
+        <p:txBody>
+          <a:bodyPr spcFirstLastPara="1" vert="horz" wrap="square" lIns="91425" tIns="45700" rIns="91425" bIns="45700" rtlCol="0" anchor="ctr" anchorCtr="0">
+            <a:noAutofit/>
+          </a:bodyPr>
+          <a:lstStyle/>
+          <a:p>
+            <a:pPr>
+              <a:buClr>
+                <a:schemeClr val="dk1"/>
+              </a:buClr>
+              <a:buSzPts val="3200"/>
+            </a:pPr>
+            <a:r>
+              <a:rPr lang="en-US" sz="3200" b="1">
+                <a:solidFill>
+                  <a:schemeClr val="tx1"/>
+                </a:solidFill>
+                <a:latin typeface="Verdana"/>
+                <a:ea typeface="Verdana"/>
+                <a:cs typeface="Verdana"/>
+                <a:sym typeface="Verdana"/>
+              </a:rPr>
+              <a:t>Example Class</a:t>
+            </a:r>
+            <a:endParaRPr>
+              <a:solidFill>
+                <a:schemeClr val="tx1"/>
+              </a:solidFill>
+            </a:endParaRPr>
+          </a:p>
+        </p:txBody>
+      </p:sp>
+      <p:sp>
+        <p:nvSpPr>
+          <p:cNvPr id="218" name="Google Shape;218;p23"/>
+          <p:cNvSpPr txBox="1">
+            <a:spLocks noGrp="1"/>
+          </p:cNvSpPr>
+          <p:nvPr>
+            <p:ph idx="1"/>
+          </p:nvPr>
+        </p:nvSpPr>
+        <p:spPr>
+          <a:prstGeom prst="rect">
+            <a:avLst/>
+          </a:prstGeom>
+          <a:noFill/>
+          <a:ln>
+            <a:noFill/>
+          </a:ln>
+        </p:spPr>
+        <p:txBody>
+          <a:bodyPr spcFirstLastPara="1" vert="horz" wrap="square" lIns="91425" tIns="45700" rIns="91425" bIns="45700" rtlCol="0" anchor="t" anchorCtr="0">
+            <a:noAutofit/>
+          </a:bodyPr>
+          <a:lstStyle/>
+          <a:p>
+            <a:pPr marL="342900">
+              <a:lnSpc>
+                <a:spcPct val="90000"/>
+              </a:lnSpc>
+              <a:spcBef>
+                <a:spcPts val="0"/>
+              </a:spcBef>
+              <a:buNone/>
+            </a:pPr>
+            <a:r>
+              <a:rPr lang="en-US" sz="1800">
+                <a:latin typeface="Verdana"/>
+                <a:ea typeface="Verdana"/>
+                <a:cs typeface="Verdana"/>
+                <a:sym typeface="Verdana"/>
+              </a:rPr>
+              <a:t>class Stack:</a:t>
+            </a:r>
+            <a:endParaRPr/>
+          </a:p>
+          <a:p>
+            <a:pPr marL="342900">
+              <a:lnSpc>
+                <a:spcPct val="90000"/>
+              </a:lnSpc>
+              <a:buNone/>
+            </a:pPr>
+            <a:r>
+              <a:rPr lang="en-US" sz="1800">
+                <a:latin typeface="Verdana"/>
+                <a:ea typeface="Verdana"/>
+                <a:cs typeface="Verdana"/>
+                <a:sym typeface="Verdana"/>
+              </a:rPr>
+              <a:t>    "A well-known data structure…"</a:t>
+            </a:r>
+            <a:endParaRPr/>
+          </a:p>
+          <a:p>
+            <a:pPr marL="342900">
+              <a:lnSpc>
+                <a:spcPct val="130000"/>
+              </a:lnSpc>
+              <a:buNone/>
+            </a:pPr>
+            <a:r>
+              <a:rPr lang="en-US" sz="1800">
+                <a:latin typeface="Verdana"/>
+                <a:ea typeface="Verdana"/>
+                <a:cs typeface="Verdana"/>
+                <a:sym typeface="Verdana"/>
+              </a:rPr>
+              <a:t>    def __init__(self):		# constructor</a:t>
+            </a:r>
+            <a:endParaRPr/>
+          </a:p>
+          <a:p>
+            <a:pPr marL="342900">
+              <a:lnSpc>
+                <a:spcPct val="90000"/>
+              </a:lnSpc>
+              <a:buNone/>
+            </a:pPr>
+            <a:r>
+              <a:rPr lang="en-US" sz="1800">
+                <a:latin typeface="Verdana"/>
+                <a:ea typeface="Verdana"/>
+                <a:cs typeface="Verdana"/>
+                <a:sym typeface="Verdana"/>
+              </a:rPr>
+              <a:t>        self.items = []</a:t>
+            </a:r>
+            <a:endParaRPr/>
+          </a:p>
+          <a:p>
+            <a:pPr marL="342900">
+              <a:lnSpc>
+                <a:spcPct val="130000"/>
+              </a:lnSpc>
+              <a:buNone/>
+            </a:pPr>
+            <a:r>
+              <a:rPr lang="en-US" sz="1800">
+                <a:latin typeface="Verdana"/>
+                <a:ea typeface="Verdana"/>
+                <a:cs typeface="Verdana"/>
+                <a:sym typeface="Verdana"/>
+              </a:rPr>
+              <a:t>    def push(self, x):</a:t>
+            </a:r>
+            <a:endParaRPr/>
+          </a:p>
+          <a:p>
+            <a:pPr marL="342900">
+              <a:lnSpc>
+                <a:spcPct val="90000"/>
+              </a:lnSpc>
+              <a:buNone/>
+            </a:pPr>
+            <a:r>
+              <a:rPr lang="en-US" sz="1800">
+                <a:latin typeface="Verdana"/>
+                <a:ea typeface="Verdana"/>
+                <a:cs typeface="Verdana"/>
+                <a:sym typeface="Verdana"/>
+              </a:rPr>
+              <a:t>        self.items.append(x)	# the sky is the limit</a:t>
+            </a:r>
+            <a:endParaRPr/>
+          </a:p>
+          <a:p>
+            <a:pPr marL="342900">
+              <a:lnSpc>
+                <a:spcPct val="130000"/>
+              </a:lnSpc>
+              <a:buNone/>
+            </a:pPr>
+            <a:r>
+              <a:rPr lang="en-US" sz="1800">
+                <a:latin typeface="Verdana"/>
+                <a:ea typeface="Verdana"/>
+                <a:cs typeface="Verdana"/>
+                <a:sym typeface="Verdana"/>
+              </a:rPr>
+              <a:t>    def pop(self):</a:t>
+            </a:r>
+            <a:endParaRPr/>
+          </a:p>
+          <a:p>
+            <a:pPr marL="342900">
+              <a:lnSpc>
+                <a:spcPct val="90000"/>
+              </a:lnSpc>
+              <a:buNone/>
+            </a:pPr>
+            <a:r>
+              <a:rPr lang="en-US" sz="1800">
+                <a:latin typeface="Verdana"/>
+                <a:ea typeface="Verdana"/>
+                <a:cs typeface="Verdana"/>
+                <a:sym typeface="Verdana"/>
+              </a:rPr>
+              <a:t>        x = self.items[-1]		# what happens if it’s empty?</a:t>
+            </a:r>
+            <a:endParaRPr/>
+          </a:p>
+          <a:p>
+            <a:pPr marL="342900">
+              <a:lnSpc>
+                <a:spcPct val="90000"/>
+              </a:lnSpc>
+              <a:buNone/>
+            </a:pPr>
+            <a:r>
+              <a:rPr lang="en-US" sz="1800">
+                <a:latin typeface="Verdana"/>
+                <a:ea typeface="Verdana"/>
+                <a:cs typeface="Verdana"/>
+                <a:sym typeface="Verdana"/>
+              </a:rPr>
+              <a:t>        del self.items[-1]</a:t>
+            </a:r>
+            <a:endParaRPr/>
+          </a:p>
+          <a:p>
+            <a:pPr marL="342900">
+              <a:lnSpc>
+                <a:spcPct val="90000"/>
+              </a:lnSpc>
+              <a:buNone/>
+            </a:pPr>
+            <a:r>
+              <a:rPr lang="en-US" sz="1800">
+                <a:latin typeface="Verdana"/>
+                <a:ea typeface="Verdana"/>
+                <a:cs typeface="Verdana"/>
+                <a:sym typeface="Verdana"/>
+              </a:rPr>
+              <a:t>        return x</a:t>
+            </a:r>
+            <a:endParaRPr/>
+          </a:p>
+          <a:p>
+            <a:pPr marL="342900">
+              <a:lnSpc>
+                <a:spcPct val="130000"/>
+              </a:lnSpc>
+              <a:buNone/>
+            </a:pPr>
+            <a:r>
+              <a:rPr lang="en-US" sz="1800">
+                <a:latin typeface="Verdana"/>
+                <a:ea typeface="Verdana"/>
+                <a:cs typeface="Verdana"/>
+                <a:sym typeface="Verdana"/>
+              </a:rPr>
+              <a:t>    def empty(self):</a:t>
+            </a:r>
+            <a:endParaRPr/>
+          </a:p>
+          <a:p>
+            <a:pPr marL="342900">
+              <a:lnSpc>
+                <a:spcPct val="90000"/>
+              </a:lnSpc>
+              <a:buNone/>
+            </a:pPr>
+            <a:r>
+              <a:rPr lang="en-US" sz="1800">
+                <a:latin typeface="Verdana"/>
+                <a:ea typeface="Verdana"/>
+                <a:cs typeface="Verdana"/>
+                <a:sym typeface="Verdana"/>
+              </a:rPr>
+              <a:t>        return len(self.items) == 0	# Boolean result</a:t>
+            </a:r>
+            <a:endParaRPr/>
+          </a:p>
+        </p:txBody>
+      </p:sp>
+    </p:spTree>
+  </p:cSld>
+  <p:clrMapOvr>
+    <a:masterClrMapping/>
+  </p:clrMapOvr>
+</p:sld>
+</file>
+
+<file path=ppt/slides/slide18.xml><?xml version="1.0" encoding="utf-8"?>
+<p:sld xmlns:a="http://schemas.openxmlformats.org/drawingml/2006/main" xmlns:r="http://schemas.openxmlformats.org/officeDocument/2006/relationships" xmlns:p="http://schemas.openxmlformats.org/presentationml/2006/main">
+  <p:cSld>
+    <p:spTree>
+      <p:nvGrpSpPr>
+        <p:cNvPr id="1" name="Shape 222"/>
+        <p:cNvGrpSpPr/>
+        <p:nvPr/>
+      </p:nvGrpSpPr>
+      <p:grpSpPr>
+        <a:xfrm>
+          <a:off x="0" y="0"/>
+          <a:ext cx="0" cy="0"/>
+          <a:chOff x="0" y="0"/>
+          <a:chExt cx="0" cy="0"/>
+        </a:xfrm>
+      </p:grpSpPr>
+      <p:sp>
+        <p:nvSpPr>
+          <p:cNvPr id="223" name="Google Shape;223;p24"/>
+          <p:cNvSpPr txBox="1">
+            <a:spLocks noGrp="1"/>
+          </p:cNvSpPr>
+          <p:nvPr>
+            <p:ph type="title"/>
+          </p:nvPr>
+        </p:nvSpPr>
+        <p:spPr>
+          <a:prstGeom prst="rect">
+            <a:avLst/>
+          </a:prstGeom>
+          <a:noFill/>
+          <a:ln>
+            <a:noFill/>
+          </a:ln>
+        </p:spPr>
+        <p:txBody>
+          <a:bodyPr spcFirstLastPara="1" vert="horz" wrap="square" lIns="91425" tIns="45700" rIns="91425" bIns="45700" rtlCol="0" anchor="ctr" anchorCtr="0">
+            <a:noAutofit/>
+          </a:bodyPr>
+          <a:lstStyle/>
+          <a:p>
+            <a:pPr>
+              <a:buClr>
+                <a:schemeClr val="dk1"/>
+              </a:buClr>
+              <a:buSzPts val="3200"/>
+            </a:pPr>
+            <a:r>
+              <a:rPr lang="en-US" sz="3200" b="1" dirty="0">
+                <a:solidFill>
+                  <a:schemeClr val="tx1"/>
+                </a:solidFill>
+                <a:latin typeface="Verdana"/>
+                <a:ea typeface="Verdana"/>
+                <a:cs typeface="Verdana"/>
+                <a:sym typeface="Verdana"/>
+              </a:rPr>
+              <a:t>Using Classes</a:t>
+            </a:r>
+            <a:endParaRPr dirty="0">
+              <a:solidFill>
+                <a:schemeClr val="tx1"/>
+              </a:solidFill>
+            </a:endParaRPr>
+          </a:p>
+        </p:txBody>
+      </p:sp>
+      <p:sp>
+        <p:nvSpPr>
+          <p:cNvPr id="224" name="Google Shape;224;p24"/>
+          <p:cNvSpPr txBox="1">
+            <a:spLocks noGrp="1"/>
+          </p:cNvSpPr>
+          <p:nvPr>
+            <p:ph idx="1"/>
+          </p:nvPr>
+        </p:nvSpPr>
+        <p:spPr>
+          <a:prstGeom prst="rect">
+            <a:avLst/>
+          </a:prstGeom>
+          <a:noFill/>
+          <a:ln>
+            <a:noFill/>
+          </a:ln>
+        </p:spPr>
+        <p:txBody>
+          <a:bodyPr spcFirstLastPara="1" vert="horz" wrap="square" lIns="91425" tIns="45700" rIns="91425" bIns="45700" rtlCol="0" anchor="t" anchorCtr="0">
+            <a:noAutofit/>
+          </a:bodyPr>
+          <a:lstStyle/>
+          <a:p>
+            <a:pPr marL="342900">
+              <a:spcBef>
+                <a:spcPts val="0"/>
+              </a:spcBef>
+              <a:buSzPts val="2000"/>
+              <a:buFont typeface="Verdana"/>
+              <a:buChar char="•"/>
+            </a:pPr>
+            <a:r>
+              <a:rPr lang="en-US" dirty="0">
+                <a:latin typeface="Verdana"/>
+                <a:ea typeface="Verdana"/>
+                <a:cs typeface="Verdana"/>
+                <a:sym typeface="Verdana"/>
+              </a:rPr>
+              <a:t>To create an instance, simply call the class object:</a:t>
+            </a:r>
+            <a:endParaRPr sz="1600" dirty="0">
+              <a:latin typeface="Verdana"/>
+              <a:ea typeface="Verdana"/>
+              <a:cs typeface="Verdana"/>
+              <a:sym typeface="Verdana"/>
+            </a:endParaRPr>
+          </a:p>
+          <a:p>
+            <a:pPr marL="1143000" lvl="2" indent="-228600">
+              <a:spcBef>
+                <a:spcPts val="640"/>
+              </a:spcBef>
+              <a:buSzPts val="1600"/>
+              <a:buNone/>
+            </a:pPr>
+            <a:r>
+              <a:rPr lang="en-US" dirty="0">
+                <a:latin typeface="Verdana"/>
+                <a:ea typeface="Verdana"/>
+                <a:cs typeface="Verdana"/>
+                <a:sym typeface="Verdana"/>
+              </a:rPr>
+              <a:t>x = Stack()	# no 'new' operator!</a:t>
+            </a:r>
+            <a:endParaRPr dirty="0"/>
+          </a:p>
+          <a:p>
+            <a:pPr marL="342900">
+              <a:spcBef>
+                <a:spcPts val="640"/>
+              </a:spcBef>
+              <a:buSzPts val="1600"/>
+              <a:buNone/>
+            </a:pPr>
+            <a:endParaRPr sz="1600" dirty="0">
+              <a:latin typeface="Verdana"/>
+              <a:ea typeface="Verdana"/>
+              <a:cs typeface="Verdana"/>
+              <a:sym typeface="Verdana"/>
+            </a:endParaRPr>
+          </a:p>
+          <a:p>
+            <a:pPr marL="342900">
+              <a:spcBef>
+                <a:spcPts val="800"/>
+              </a:spcBef>
+              <a:buSzPts val="2000"/>
+              <a:buFont typeface="Verdana"/>
+              <a:buChar char="•"/>
+            </a:pPr>
+            <a:r>
+              <a:rPr lang="en-US" dirty="0">
+                <a:latin typeface="Verdana"/>
+                <a:ea typeface="Verdana"/>
+                <a:cs typeface="Verdana"/>
+                <a:sym typeface="Verdana"/>
+              </a:rPr>
+              <a:t>To use methods of the instance, call using dot notation:</a:t>
+            </a:r>
+            <a:endParaRPr sz="1600" dirty="0">
+              <a:latin typeface="Verdana"/>
+              <a:ea typeface="Verdana"/>
+              <a:cs typeface="Verdana"/>
+              <a:sym typeface="Verdana"/>
+            </a:endParaRPr>
+          </a:p>
+          <a:p>
+            <a:pPr marL="1143000" lvl="2" indent="-228600">
+              <a:spcBef>
+                <a:spcPts val="640"/>
+              </a:spcBef>
+              <a:buSzPts val="1600"/>
+              <a:buNone/>
+            </a:pPr>
+            <a:r>
+              <a:rPr lang="en-US" dirty="0" err="1">
+                <a:latin typeface="Verdana"/>
+                <a:ea typeface="Verdana"/>
+                <a:cs typeface="Verdana"/>
+                <a:sym typeface="Verdana"/>
+              </a:rPr>
+              <a:t>x.empty</a:t>
+            </a:r>
+            <a:r>
+              <a:rPr lang="en-US" dirty="0">
+                <a:latin typeface="Verdana"/>
+                <a:ea typeface="Verdana"/>
+                <a:cs typeface="Verdana"/>
+                <a:sym typeface="Verdana"/>
+              </a:rPr>
+              <a:t>()	# -&gt; 1</a:t>
+            </a:r>
+            <a:endParaRPr dirty="0"/>
+          </a:p>
+          <a:p>
+            <a:pPr marL="1143000" lvl="2" indent="-228600">
+              <a:spcBef>
+                <a:spcPts val="640"/>
+              </a:spcBef>
+              <a:buSzPts val="1600"/>
+              <a:buNone/>
+            </a:pPr>
+            <a:r>
+              <a:rPr lang="en-US" dirty="0" err="1">
+                <a:latin typeface="Verdana"/>
+                <a:ea typeface="Verdana"/>
+                <a:cs typeface="Verdana"/>
+                <a:sym typeface="Verdana"/>
+              </a:rPr>
+              <a:t>x.push</a:t>
+            </a:r>
+            <a:r>
+              <a:rPr lang="en-US" dirty="0">
+                <a:latin typeface="Verdana"/>
+                <a:ea typeface="Verdana"/>
+                <a:cs typeface="Verdana"/>
+                <a:sym typeface="Verdana"/>
+              </a:rPr>
+              <a:t>(1)			# [1]</a:t>
+            </a:r>
+            <a:endParaRPr dirty="0"/>
+          </a:p>
+          <a:p>
+            <a:pPr marL="1143000" lvl="2" indent="-228600">
+              <a:spcBef>
+                <a:spcPts val="640"/>
+              </a:spcBef>
+              <a:buSzPts val="1600"/>
+              <a:buNone/>
+            </a:pPr>
+            <a:r>
+              <a:rPr lang="en-US" dirty="0" err="1">
+                <a:latin typeface="Verdana"/>
+                <a:ea typeface="Verdana"/>
+                <a:cs typeface="Verdana"/>
+                <a:sym typeface="Verdana"/>
+              </a:rPr>
+              <a:t>x.empty</a:t>
+            </a:r>
+            <a:r>
+              <a:rPr lang="en-US" dirty="0">
+                <a:latin typeface="Verdana"/>
+                <a:ea typeface="Verdana"/>
+                <a:cs typeface="Verdana"/>
+                <a:sym typeface="Verdana"/>
+              </a:rPr>
+              <a:t>()	# -&gt; 0</a:t>
+            </a:r>
+            <a:endParaRPr dirty="0"/>
+          </a:p>
+          <a:p>
+            <a:pPr marL="1143000" lvl="2" indent="-228600">
+              <a:spcBef>
+                <a:spcPts val="640"/>
+              </a:spcBef>
+              <a:buSzPts val="1600"/>
+              <a:buNone/>
+            </a:pPr>
+            <a:r>
+              <a:rPr lang="en-US" dirty="0" err="1">
+                <a:latin typeface="Verdana"/>
+                <a:ea typeface="Verdana"/>
+                <a:cs typeface="Verdana"/>
+                <a:sym typeface="Verdana"/>
+              </a:rPr>
+              <a:t>x.push</a:t>
+            </a:r>
+            <a:r>
+              <a:rPr lang="en-US" dirty="0">
+                <a:latin typeface="Verdana"/>
+                <a:ea typeface="Verdana"/>
+                <a:cs typeface="Verdana"/>
+                <a:sym typeface="Verdana"/>
+              </a:rPr>
+              <a:t>("hello")			# [1, "hello"]</a:t>
+            </a:r>
+            <a:endParaRPr dirty="0"/>
+          </a:p>
+          <a:p>
+            <a:pPr marL="1143000" lvl="2" indent="-228600">
+              <a:spcBef>
+                <a:spcPts val="640"/>
+              </a:spcBef>
+              <a:buSzPts val="1600"/>
+              <a:buNone/>
+            </a:pPr>
+            <a:r>
+              <a:rPr lang="en-US" dirty="0" err="1">
+                <a:latin typeface="Verdana"/>
+                <a:ea typeface="Verdana"/>
+                <a:cs typeface="Verdana"/>
+                <a:sym typeface="Verdana"/>
+              </a:rPr>
+              <a:t>x.pop</a:t>
+            </a:r>
+            <a:r>
+              <a:rPr lang="en-US" dirty="0">
+                <a:latin typeface="Verdana"/>
+                <a:ea typeface="Verdana"/>
+                <a:cs typeface="Verdana"/>
+                <a:sym typeface="Verdana"/>
+              </a:rPr>
+              <a:t>()		# -&gt; "hello"	# [1]</a:t>
+            </a:r>
+            <a:endParaRPr dirty="0"/>
+          </a:p>
+          <a:p>
+            <a:pPr marL="342900">
+              <a:spcBef>
+                <a:spcPts val="640"/>
+              </a:spcBef>
+              <a:buSzPts val="1600"/>
+              <a:buNone/>
+            </a:pPr>
+            <a:endParaRPr sz="1600" dirty="0">
+              <a:latin typeface="Verdana"/>
+              <a:ea typeface="Verdana"/>
+              <a:cs typeface="Verdana"/>
+              <a:sym typeface="Verdana"/>
+            </a:endParaRPr>
+          </a:p>
+          <a:p>
+            <a:pPr marL="342900">
+              <a:spcBef>
+                <a:spcPts val="800"/>
+              </a:spcBef>
+              <a:buSzPts val="2000"/>
+              <a:buFont typeface="Verdana"/>
+              <a:buChar char="•"/>
+            </a:pPr>
+            <a:r>
+              <a:rPr lang="en-US" dirty="0">
+                <a:latin typeface="Verdana"/>
+                <a:ea typeface="Verdana"/>
+                <a:cs typeface="Verdana"/>
+                <a:sym typeface="Verdana"/>
+              </a:rPr>
+              <a:t>To inspect instance variables, use dot notation:</a:t>
+            </a:r>
+            <a:endParaRPr sz="1600" dirty="0">
+              <a:latin typeface="Verdana"/>
+              <a:ea typeface="Verdana"/>
+              <a:cs typeface="Verdana"/>
+              <a:sym typeface="Verdana"/>
+            </a:endParaRPr>
+          </a:p>
+          <a:p>
+            <a:pPr marL="1143000" lvl="2" indent="-228600">
+              <a:spcBef>
+                <a:spcPts val="640"/>
+              </a:spcBef>
+              <a:buSzPts val="1600"/>
+              <a:buNone/>
+            </a:pPr>
+            <a:r>
+              <a:rPr lang="en-US" dirty="0" err="1">
+                <a:latin typeface="Verdana"/>
+                <a:ea typeface="Verdana"/>
+                <a:cs typeface="Verdana"/>
+                <a:sym typeface="Verdana"/>
+              </a:rPr>
+              <a:t>x.items</a:t>
+            </a:r>
+            <a:r>
+              <a:rPr lang="en-US" dirty="0">
+                <a:latin typeface="Verdana"/>
+                <a:ea typeface="Verdana"/>
+                <a:cs typeface="Verdana"/>
+                <a:sym typeface="Verdana"/>
+              </a:rPr>
+              <a:t>		# -&gt; [1]</a:t>
+            </a:r>
+            <a:endParaRPr dirty="0"/>
+          </a:p>
+        </p:txBody>
+      </p:sp>
+    </p:spTree>
+  </p:cSld>
+  <p:clrMapOvr>
+    <a:masterClrMapping/>
+  </p:clrMapOvr>
+</p:sld>
+</file>
+
+<file path=ppt/slides/slide19.xml><?xml version="1.0" encoding="utf-8"?>
+<p:sld xmlns:a="http://schemas.openxmlformats.org/drawingml/2006/main" xmlns:r="http://schemas.openxmlformats.org/officeDocument/2006/relationships" xmlns:p="http://schemas.openxmlformats.org/presentationml/2006/main">
+  <p:cSld>
+    <p:spTree>
+      <p:nvGrpSpPr>
+        <p:cNvPr id="1" name="Shape 228"/>
+        <p:cNvGrpSpPr/>
+        <p:nvPr/>
+      </p:nvGrpSpPr>
+      <p:grpSpPr>
+        <a:xfrm>
+          <a:off x="0" y="0"/>
+          <a:ext cx="0" cy="0"/>
+          <a:chOff x="0" y="0"/>
+          <a:chExt cx="0" cy="0"/>
+        </a:xfrm>
+      </p:grpSpPr>
+      <p:sp>
+        <p:nvSpPr>
+          <p:cNvPr id="229" name="Google Shape;229;p25"/>
+          <p:cNvSpPr txBox="1">
+            <a:spLocks noGrp="1"/>
+          </p:cNvSpPr>
+          <p:nvPr>
+            <p:ph type="title"/>
+          </p:nvPr>
+        </p:nvSpPr>
+        <p:spPr>
+          <a:prstGeom prst="rect">
+            <a:avLst/>
+          </a:prstGeom>
+          <a:noFill/>
+          <a:ln>
+            <a:noFill/>
+          </a:ln>
+        </p:spPr>
+        <p:txBody>
+          <a:bodyPr spcFirstLastPara="1" vert="horz" wrap="square" lIns="91425" tIns="45700" rIns="91425" bIns="45700" rtlCol="0" anchor="ctr" anchorCtr="0">
+            <a:noAutofit/>
+          </a:bodyPr>
+          <a:lstStyle/>
+          <a:p>
+            <a:pPr>
+              <a:buClr>
+                <a:schemeClr val="dk1"/>
+              </a:buClr>
+              <a:buSzPts val="3200"/>
+            </a:pPr>
+            <a:r>
+              <a:rPr lang="en-US" sz="3200" b="1" dirty="0">
+                <a:solidFill>
+                  <a:schemeClr val="tx1"/>
+                </a:solidFill>
+                <a:latin typeface="Verdana"/>
+                <a:ea typeface="Verdana"/>
+                <a:cs typeface="Verdana"/>
+                <a:sym typeface="Verdana"/>
+              </a:rPr>
+              <a:t>Subclassing</a:t>
+            </a:r>
+            <a:endParaRPr dirty="0">
+              <a:solidFill>
+                <a:schemeClr val="tx1"/>
+              </a:solidFill>
+            </a:endParaRPr>
+          </a:p>
+        </p:txBody>
+      </p:sp>
+      <p:sp>
+        <p:nvSpPr>
+          <p:cNvPr id="230" name="Google Shape;230;p25"/>
+          <p:cNvSpPr txBox="1">
+            <a:spLocks noGrp="1"/>
+          </p:cNvSpPr>
+          <p:nvPr>
+            <p:ph idx="1"/>
+          </p:nvPr>
+        </p:nvSpPr>
+        <p:spPr>
+          <a:prstGeom prst="rect">
+            <a:avLst/>
+          </a:prstGeom>
+          <a:noFill/>
+          <a:ln>
+            <a:noFill/>
+          </a:ln>
+        </p:spPr>
+        <p:txBody>
+          <a:bodyPr spcFirstLastPara="1" vert="horz" wrap="square" lIns="91425" tIns="45700" rIns="91425" bIns="45700" rtlCol="0" anchor="t" anchorCtr="0">
+            <a:noAutofit/>
+          </a:bodyPr>
+          <a:lstStyle/>
+          <a:p>
+            <a:pPr marL="342900">
+              <a:spcBef>
+                <a:spcPts val="0"/>
+              </a:spcBef>
+              <a:buSzPts val="1600"/>
+              <a:buNone/>
+            </a:pPr>
+            <a:r>
+              <a:rPr lang="en-US" sz="1600" dirty="0">
+                <a:latin typeface="Verdana"/>
+                <a:ea typeface="Verdana"/>
+                <a:cs typeface="Verdana"/>
+                <a:sym typeface="Verdana"/>
+              </a:rPr>
+              <a:t>class </a:t>
+            </a:r>
+            <a:r>
+              <a:rPr lang="en-US" sz="1600" dirty="0" err="1">
+                <a:latin typeface="Verdana"/>
+                <a:ea typeface="Verdana"/>
+                <a:cs typeface="Verdana"/>
+                <a:sym typeface="Verdana"/>
+              </a:rPr>
+              <a:t>FancyStack</a:t>
+            </a:r>
+            <a:r>
+              <a:rPr lang="en-US" sz="1600" dirty="0">
+                <a:latin typeface="Verdana"/>
+                <a:ea typeface="Verdana"/>
+                <a:cs typeface="Verdana"/>
+                <a:sym typeface="Verdana"/>
+              </a:rPr>
+              <a:t>(Stack):</a:t>
+            </a:r>
+            <a:endParaRPr dirty="0"/>
+          </a:p>
+          <a:p>
+            <a:pPr marL="342900">
+              <a:spcBef>
+                <a:spcPts val="640"/>
+              </a:spcBef>
+              <a:buSzPts val="1600"/>
+              <a:buNone/>
+            </a:pPr>
+            <a:r>
+              <a:rPr lang="en-US" sz="1600" dirty="0">
+                <a:latin typeface="Verdana"/>
+                <a:ea typeface="Verdana"/>
+                <a:cs typeface="Verdana"/>
+                <a:sym typeface="Verdana"/>
+              </a:rPr>
+              <a:t>    "stack with added ability to inspect inferior stack items"</a:t>
+            </a:r>
+            <a:endParaRPr dirty="0"/>
+          </a:p>
+          <a:p>
+            <a:pPr marL="342900">
+              <a:spcBef>
+                <a:spcPts val="640"/>
+              </a:spcBef>
+              <a:buSzPts val="1600"/>
+              <a:buNone/>
+            </a:pPr>
+            <a:endParaRPr sz="1600" dirty="0">
+              <a:latin typeface="Verdana"/>
+              <a:ea typeface="Verdana"/>
+              <a:cs typeface="Verdana"/>
+              <a:sym typeface="Verdana"/>
+            </a:endParaRPr>
+          </a:p>
+          <a:p>
+            <a:pPr marL="342900">
+              <a:spcBef>
+                <a:spcPts val="640"/>
+              </a:spcBef>
+              <a:buSzPts val="1600"/>
+              <a:buNone/>
+            </a:pPr>
+            <a:r>
+              <a:rPr lang="en-US" sz="1600" dirty="0">
+                <a:latin typeface="Verdana"/>
+                <a:ea typeface="Verdana"/>
+                <a:cs typeface="Verdana"/>
+                <a:sym typeface="Verdana"/>
+              </a:rPr>
+              <a:t>    def peek(self, n):</a:t>
+            </a:r>
+            <a:endParaRPr dirty="0"/>
+          </a:p>
+          <a:p>
+            <a:pPr marL="342900">
+              <a:spcBef>
+                <a:spcPts val="640"/>
+              </a:spcBef>
+              <a:buSzPts val="1600"/>
+              <a:buNone/>
+            </a:pPr>
+            <a:r>
+              <a:rPr lang="en-US" sz="1600" dirty="0">
+                <a:latin typeface="Verdana"/>
+                <a:ea typeface="Verdana"/>
+                <a:cs typeface="Verdana"/>
+                <a:sym typeface="Verdana"/>
+              </a:rPr>
+              <a:t>        "peek(0) returns top; peek(-1) returns item below that; etc."</a:t>
+            </a:r>
+            <a:endParaRPr dirty="0"/>
+          </a:p>
+          <a:p>
+            <a:pPr marL="342900">
+              <a:spcBef>
+                <a:spcPts val="640"/>
+              </a:spcBef>
+              <a:buSzPts val="1600"/>
+              <a:buNone/>
+            </a:pPr>
+            <a:r>
+              <a:rPr lang="en-US" sz="1600" dirty="0">
+                <a:latin typeface="Verdana"/>
+                <a:ea typeface="Verdana"/>
+                <a:cs typeface="Verdana"/>
+                <a:sym typeface="Verdana"/>
+              </a:rPr>
+              <a:t>        size = </a:t>
+            </a:r>
+            <a:r>
+              <a:rPr lang="en-US" sz="1600" dirty="0" err="1">
+                <a:latin typeface="Verdana"/>
+                <a:ea typeface="Verdana"/>
+                <a:cs typeface="Verdana"/>
+                <a:sym typeface="Verdana"/>
+              </a:rPr>
+              <a:t>len</a:t>
+            </a:r>
+            <a:r>
+              <a:rPr lang="en-US" sz="1600" dirty="0">
+                <a:latin typeface="Verdana"/>
+                <a:ea typeface="Verdana"/>
+                <a:cs typeface="Verdana"/>
+                <a:sym typeface="Verdana"/>
+              </a:rPr>
+              <a:t>(</a:t>
+            </a:r>
+            <a:r>
+              <a:rPr lang="en-US" sz="1600" dirty="0" err="1">
+                <a:latin typeface="Verdana"/>
+                <a:ea typeface="Verdana"/>
+                <a:cs typeface="Verdana"/>
+                <a:sym typeface="Verdana"/>
+              </a:rPr>
+              <a:t>self.items</a:t>
+            </a:r>
+            <a:r>
+              <a:rPr lang="en-US" sz="1600" dirty="0">
+                <a:latin typeface="Verdana"/>
+                <a:ea typeface="Verdana"/>
+                <a:cs typeface="Verdana"/>
+                <a:sym typeface="Verdana"/>
+              </a:rPr>
+              <a:t>)</a:t>
+            </a:r>
+            <a:endParaRPr dirty="0"/>
+          </a:p>
+          <a:p>
+            <a:pPr marL="342900">
+              <a:spcBef>
+                <a:spcPts val="640"/>
+              </a:spcBef>
+              <a:buSzPts val="1600"/>
+              <a:buNone/>
+            </a:pPr>
+            <a:r>
+              <a:rPr lang="en-US" sz="1600" dirty="0">
+                <a:latin typeface="Verdana"/>
+                <a:ea typeface="Verdana"/>
+                <a:cs typeface="Verdana"/>
+                <a:sym typeface="Verdana"/>
+              </a:rPr>
+              <a:t>        assert 0 &lt;= n &lt; size			# test precondition</a:t>
+            </a:r>
+            <a:endParaRPr dirty="0"/>
+          </a:p>
+          <a:p>
+            <a:pPr marL="342900">
+              <a:spcBef>
+                <a:spcPts val="640"/>
+              </a:spcBef>
+              <a:buSzPts val="1600"/>
+              <a:buNone/>
+            </a:pPr>
+            <a:r>
+              <a:rPr lang="en-US" sz="1600" dirty="0">
+                <a:latin typeface="Verdana"/>
+                <a:ea typeface="Verdana"/>
+                <a:cs typeface="Verdana"/>
+                <a:sym typeface="Verdana"/>
+              </a:rPr>
+              <a:t>        return </a:t>
+            </a:r>
+            <a:r>
+              <a:rPr lang="en-US" sz="1600" dirty="0" err="1">
+                <a:latin typeface="Verdana"/>
+                <a:ea typeface="Verdana"/>
+                <a:cs typeface="Verdana"/>
+                <a:sym typeface="Verdana"/>
+              </a:rPr>
+              <a:t>self.items</a:t>
+            </a:r>
+            <a:r>
+              <a:rPr lang="en-US" sz="1600" dirty="0">
+                <a:latin typeface="Verdana"/>
+                <a:ea typeface="Verdana"/>
+                <a:cs typeface="Verdana"/>
+                <a:sym typeface="Verdana"/>
+              </a:rPr>
+              <a:t>[size-1-n]</a:t>
+            </a:r>
+            <a:endParaRPr dirty="0"/>
+          </a:p>
+        </p:txBody>
+      </p:sp>
+    </p:spTree>
+  </p:cSld>
+  <p:clrMapOvr>
+    <a:masterClrMapping/>
+  </p:clrMapOvr>
+</p:sld>
+</file>
+
 <file path=ppt/slides/slide2.xml><?xml version="1.0" encoding="utf-8"?>
 <p:sld xmlns:a="http://schemas.openxmlformats.org/drawingml/2006/main" xmlns:r="http://schemas.openxmlformats.org/officeDocument/2006/relationships" xmlns:p="http://schemas.openxmlformats.org/presentationml/2006/main">
   <p:cSld>
@@ -6134,10 +12121,15 @@
             <p:ph sz="half" idx="1"/>
           </p:nvPr>
         </p:nvSpPr>
-        <p:spPr/>
+        <p:spPr>
+          <a:xfrm>
+            <a:off x="526774" y="1530625"/>
+            <a:ext cx="4972878" cy="4874657"/>
+          </a:xfrm>
+        </p:spPr>
         <p:txBody>
           <a:bodyPr>
-            <a:normAutofit fontScale="77500" lnSpcReduction="20000"/>
+            <a:normAutofit fontScale="92500" lnSpcReduction="20000"/>
           </a:bodyPr>
           <a:lstStyle/>
           <a:p>
@@ -6200,20 +12192,23 @@
             <a:pPr lvl="1"/>
             <a:r>
               <a:rPr lang="en-US" dirty="0"/>
-              <a:t>Anaconda/python </a:t>
+              <a:t>anaconda/</a:t>
+            </a:r>
+            <a:r>
+              <a:rPr lang="en-US" dirty="0" err="1"/>
+              <a:t>miniconda</a:t>
+            </a:r>
+            <a:r>
+              <a:rPr lang="en-US" dirty="0"/>
+              <a:t> </a:t>
             </a:r>
           </a:p>
           <a:p>
             <a:pPr lvl="1"/>
             <a:r>
               <a:rPr lang="en-US" dirty="0"/>
-              <a:t>Build-essential for </a:t>
-            </a:r>
-            <a:r>
-              <a:rPr lang="en-US" dirty="0" err="1"/>
-              <a:t>linux</a:t>
-            </a:r>
-            <a:endParaRPr lang="en-US" dirty="0"/>
+              <a:t>Google Remote Desk</a:t>
+            </a:r>
           </a:p>
           <a:p>
             <a:r>
@@ -6291,7 +12286,7 @@
         </p:spPr>
         <p:txBody>
           <a:bodyPr>
-            <a:normAutofit fontScale="77500" lnSpcReduction="20000"/>
+            <a:normAutofit fontScale="92500" lnSpcReduction="20000"/>
           </a:bodyPr>
           <a:lstStyle/>
           <a:p>
@@ -6333,7 +12328,7 @@
             <a:pPr lvl="1"/>
             <a:r>
               <a:rPr lang="en-US" sz="1800" dirty="0"/>
-              <a:t>Python basics: function, object/structure</a:t>
+              <a:t>Python basics: Function, Class, Module and Package</a:t>
             </a:r>
           </a:p>
           <a:p>
@@ -6375,6 +12370,1867 @@
         <p14:creationId xmlns:p14="http://schemas.microsoft.com/office/powerpoint/2010/main" val="1877103618"/>
       </p:ext>
     </p:extLst>
+  </p:cSld>
+  <p:clrMapOvr>
+    <a:masterClrMapping/>
+  </p:clrMapOvr>
+</p:sld>
+</file>
+
+<file path=ppt/slides/slide20.xml><?xml version="1.0" encoding="utf-8"?>
+<p:sld xmlns:a="http://schemas.openxmlformats.org/drawingml/2006/main" xmlns:r="http://schemas.openxmlformats.org/officeDocument/2006/relationships" xmlns:p="http://schemas.openxmlformats.org/presentationml/2006/main">
+  <p:cSld>
+    <p:spTree>
+      <p:nvGrpSpPr>
+        <p:cNvPr id="1" name="Shape 234"/>
+        <p:cNvGrpSpPr/>
+        <p:nvPr/>
+      </p:nvGrpSpPr>
+      <p:grpSpPr>
+        <a:xfrm>
+          <a:off x="0" y="0"/>
+          <a:ext cx="0" cy="0"/>
+          <a:chOff x="0" y="0"/>
+          <a:chExt cx="0" cy="0"/>
+        </a:xfrm>
+      </p:grpSpPr>
+      <p:sp>
+        <p:nvSpPr>
+          <p:cNvPr id="235" name="Google Shape;235;p26"/>
+          <p:cNvSpPr txBox="1">
+            <a:spLocks noGrp="1"/>
+          </p:cNvSpPr>
+          <p:nvPr>
+            <p:ph type="title"/>
+          </p:nvPr>
+        </p:nvSpPr>
+        <p:spPr>
+          <a:prstGeom prst="rect">
+            <a:avLst/>
+          </a:prstGeom>
+          <a:noFill/>
+          <a:ln>
+            <a:noFill/>
+          </a:ln>
+        </p:spPr>
+        <p:txBody>
+          <a:bodyPr spcFirstLastPara="1" vert="horz" wrap="square" lIns="91425" tIns="45700" rIns="91425" bIns="45700" rtlCol="0" anchor="ctr" anchorCtr="0">
+            <a:noAutofit/>
+          </a:bodyPr>
+          <a:lstStyle/>
+          <a:p>
+            <a:pPr>
+              <a:buClr>
+                <a:schemeClr val="dk1"/>
+              </a:buClr>
+              <a:buSzPts val="3200"/>
+            </a:pPr>
+            <a:r>
+              <a:rPr lang="en-US" sz="3200" b="1">
+                <a:solidFill>
+                  <a:schemeClr val="tx1"/>
+                </a:solidFill>
+                <a:latin typeface="Verdana"/>
+                <a:ea typeface="Verdana"/>
+                <a:cs typeface="Verdana"/>
+                <a:sym typeface="Verdana"/>
+              </a:rPr>
+              <a:t>Subclassing (2)</a:t>
+            </a:r>
+            <a:endParaRPr>
+              <a:solidFill>
+                <a:schemeClr val="tx1"/>
+              </a:solidFill>
+            </a:endParaRPr>
+          </a:p>
+        </p:txBody>
+      </p:sp>
+      <p:sp>
+        <p:nvSpPr>
+          <p:cNvPr id="236" name="Google Shape;236;p26"/>
+          <p:cNvSpPr txBox="1">
+            <a:spLocks noGrp="1"/>
+          </p:cNvSpPr>
+          <p:nvPr>
+            <p:ph idx="1"/>
+          </p:nvPr>
+        </p:nvSpPr>
+        <p:spPr>
+          <a:prstGeom prst="rect">
+            <a:avLst/>
+          </a:prstGeom>
+          <a:noFill/>
+          <a:ln>
+            <a:noFill/>
+          </a:ln>
+        </p:spPr>
+        <p:txBody>
+          <a:bodyPr spcFirstLastPara="1" vert="horz" wrap="square" lIns="91425" tIns="45700" rIns="91425" bIns="45700" rtlCol="0" anchor="t" anchorCtr="0">
+            <a:noAutofit/>
+          </a:bodyPr>
+          <a:lstStyle/>
+          <a:p>
+            <a:pPr marL="342900">
+              <a:spcBef>
+                <a:spcPts val="0"/>
+              </a:spcBef>
+              <a:buSzPts val="1600"/>
+              <a:buNone/>
+            </a:pPr>
+            <a:r>
+              <a:rPr lang="en-US" sz="1600" dirty="0">
+                <a:latin typeface="Verdana"/>
+                <a:ea typeface="Verdana"/>
+                <a:cs typeface="Verdana"/>
+                <a:sym typeface="Verdana"/>
+              </a:rPr>
+              <a:t>class </a:t>
+            </a:r>
+            <a:r>
+              <a:rPr lang="en-US" sz="1600" dirty="0" err="1">
+                <a:latin typeface="Verdana"/>
+                <a:ea typeface="Verdana"/>
+                <a:cs typeface="Verdana"/>
+                <a:sym typeface="Verdana"/>
+              </a:rPr>
+              <a:t>LimitedStack</a:t>
+            </a:r>
+            <a:r>
+              <a:rPr lang="en-US" sz="1600" dirty="0">
+                <a:latin typeface="Verdana"/>
+                <a:ea typeface="Verdana"/>
+                <a:cs typeface="Verdana"/>
+                <a:sym typeface="Verdana"/>
+              </a:rPr>
+              <a:t>(</a:t>
+            </a:r>
+            <a:r>
+              <a:rPr lang="en-US" sz="1600" dirty="0" err="1">
+                <a:latin typeface="Verdana"/>
+                <a:ea typeface="Verdana"/>
+                <a:cs typeface="Verdana"/>
+                <a:sym typeface="Verdana"/>
+              </a:rPr>
+              <a:t>FancyStack</a:t>
+            </a:r>
+            <a:r>
+              <a:rPr lang="en-US" sz="1600" dirty="0">
+                <a:latin typeface="Verdana"/>
+                <a:ea typeface="Verdana"/>
+                <a:cs typeface="Verdana"/>
+                <a:sym typeface="Verdana"/>
+              </a:rPr>
+              <a:t>):</a:t>
+            </a:r>
+            <a:endParaRPr dirty="0"/>
+          </a:p>
+          <a:p>
+            <a:pPr marL="342900">
+              <a:spcBef>
+                <a:spcPts val="640"/>
+              </a:spcBef>
+              <a:buSzPts val="1600"/>
+              <a:buNone/>
+            </a:pPr>
+            <a:r>
+              <a:rPr lang="en-US" sz="1600" dirty="0">
+                <a:latin typeface="Verdana"/>
+                <a:ea typeface="Verdana"/>
+                <a:cs typeface="Verdana"/>
+                <a:sym typeface="Verdana"/>
+              </a:rPr>
+              <a:t>    "fancy stack with limit on stack size"</a:t>
+            </a:r>
+            <a:endParaRPr dirty="0"/>
+          </a:p>
+          <a:p>
+            <a:pPr marL="342900">
+              <a:spcBef>
+                <a:spcPts val="640"/>
+              </a:spcBef>
+              <a:buSzPts val="1600"/>
+              <a:buNone/>
+            </a:pPr>
+            <a:endParaRPr sz="1600" dirty="0">
+              <a:latin typeface="Verdana"/>
+              <a:ea typeface="Verdana"/>
+              <a:cs typeface="Verdana"/>
+              <a:sym typeface="Verdana"/>
+            </a:endParaRPr>
+          </a:p>
+          <a:p>
+            <a:pPr marL="342900">
+              <a:spcBef>
+                <a:spcPts val="640"/>
+              </a:spcBef>
+              <a:buSzPts val="1600"/>
+              <a:buNone/>
+            </a:pPr>
+            <a:r>
+              <a:rPr lang="en-US" sz="1600" dirty="0">
+                <a:latin typeface="Verdana"/>
+                <a:ea typeface="Verdana"/>
+                <a:cs typeface="Verdana"/>
+                <a:sym typeface="Verdana"/>
+              </a:rPr>
+              <a:t>    def __</a:t>
+            </a:r>
+            <a:r>
+              <a:rPr lang="en-US" sz="1600" dirty="0" err="1">
+                <a:latin typeface="Verdana"/>
+                <a:ea typeface="Verdana"/>
+                <a:cs typeface="Verdana"/>
+                <a:sym typeface="Verdana"/>
+              </a:rPr>
+              <a:t>init</a:t>
+            </a:r>
+            <a:r>
+              <a:rPr lang="en-US" sz="1600" dirty="0">
+                <a:latin typeface="Verdana"/>
+                <a:ea typeface="Verdana"/>
+                <a:cs typeface="Verdana"/>
+                <a:sym typeface="Verdana"/>
+              </a:rPr>
+              <a:t>__(self, limit):</a:t>
+            </a:r>
+            <a:endParaRPr dirty="0"/>
+          </a:p>
+          <a:p>
+            <a:pPr marL="342900">
+              <a:spcBef>
+                <a:spcPts val="640"/>
+              </a:spcBef>
+              <a:buSzPts val="1600"/>
+              <a:buNone/>
+            </a:pPr>
+            <a:r>
+              <a:rPr lang="en-US" sz="1600" dirty="0">
+                <a:latin typeface="Verdana"/>
+                <a:ea typeface="Verdana"/>
+                <a:cs typeface="Verdana"/>
+                <a:sym typeface="Verdana"/>
+              </a:rPr>
+              <a:t>        </a:t>
+            </a:r>
+            <a:r>
+              <a:rPr lang="en-US" sz="1600" dirty="0" err="1">
+                <a:latin typeface="Verdana"/>
+                <a:ea typeface="Verdana"/>
+                <a:cs typeface="Verdana"/>
+                <a:sym typeface="Verdana"/>
+              </a:rPr>
+              <a:t>self.limit</a:t>
+            </a:r>
+            <a:r>
+              <a:rPr lang="en-US" sz="1600" dirty="0">
+                <a:latin typeface="Verdana"/>
+                <a:ea typeface="Verdana"/>
+                <a:cs typeface="Verdana"/>
+                <a:sym typeface="Verdana"/>
+              </a:rPr>
+              <a:t> = limit</a:t>
+            </a:r>
+            <a:endParaRPr dirty="0"/>
+          </a:p>
+          <a:p>
+            <a:pPr marL="342900">
+              <a:spcBef>
+                <a:spcPts val="640"/>
+              </a:spcBef>
+              <a:buSzPts val="1600"/>
+              <a:buNone/>
+            </a:pPr>
+            <a:r>
+              <a:rPr lang="en-US" sz="1600" dirty="0">
+                <a:latin typeface="Verdana"/>
+                <a:ea typeface="Verdana"/>
+                <a:cs typeface="Verdana"/>
+                <a:sym typeface="Verdana"/>
+              </a:rPr>
+              <a:t>        </a:t>
+            </a:r>
+            <a:r>
+              <a:rPr lang="en-US" sz="1600" dirty="0" err="1">
+                <a:latin typeface="Verdana"/>
+                <a:ea typeface="Verdana"/>
+                <a:cs typeface="Verdana"/>
+                <a:sym typeface="Verdana"/>
+              </a:rPr>
+              <a:t>FancyStack</a:t>
+            </a:r>
+            <a:r>
+              <a:rPr lang="en-US" sz="1600" dirty="0">
+                <a:latin typeface="Verdana"/>
+                <a:ea typeface="Verdana"/>
+                <a:cs typeface="Verdana"/>
+                <a:sym typeface="Verdana"/>
+              </a:rPr>
+              <a:t>.__</a:t>
+            </a:r>
+            <a:r>
+              <a:rPr lang="en-US" sz="1600" dirty="0" err="1">
+                <a:latin typeface="Verdana"/>
+                <a:ea typeface="Verdana"/>
+                <a:cs typeface="Verdana"/>
+                <a:sym typeface="Verdana"/>
+              </a:rPr>
+              <a:t>init</a:t>
+            </a:r>
+            <a:r>
+              <a:rPr lang="en-US" sz="1600" dirty="0">
+                <a:latin typeface="Verdana"/>
+                <a:ea typeface="Verdana"/>
+                <a:cs typeface="Verdana"/>
+                <a:sym typeface="Verdana"/>
+              </a:rPr>
+              <a:t>__(self)		# base class constructor</a:t>
+            </a:r>
+            <a:endParaRPr dirty="0"/>
+          </a:p>
+          <a:p>
+            <a:pPr marL="342900">
+              <a:spcBef>
+                <a:spcPts val="640"/>
+              </a:spcBef>
+              <a:buSzPts val="1600"/>
+              <a:buNone/>
+            </a:pPr>
+            <a:endParaRPr sz="1600" dirty="0">
+              <a:latin typeface="Verdana"/>
+              <a:ea typeface="Verdana"/>
+              <a:cs typeface="Verdana"/>
+              <a:sym typeface="Verdana"/>
+            </a:endParaRPr>
+          </a:p>
+          <a:p>
+            <a:pPr marL="342900">
+              <a:spcBef>
+                <a:spcPts val="640"/>
+              </a:spcBef>
+              <a:buSzPts val="1600"/>
+              <a:buNone/>
+            </a:pPr>
+            <a:r>
+              <a:rPr lang="en-US" sz="1600" dirty="0">
+                <a:latin typeface="Verdana"/>
+                <a:ea typeface="Verdana"/>
+                <a:cs typeface="Verdana"/>
+                <a:sym typeface="Verdana"/>
+              </a:rPr>
+              <a:t>    def push(self, x):</a:t>
+            </a:r>
+            <a:endParaRPr dirty="0"/>
+          </a:p>
+          <a:p>
+            <a:pPr marL="342900">
+              <a:spcBef>
+                <a:spcPts val="640"/>
+              </a:spcBef>
+              <a:buSzPts val="1600"/>
+              <a:buNone/>
+            </a:pPr>
+            <a:r>
+              <a:rPr lang="en-US" sz="1600" dirty="0">
+                <a:latin typeface="Verdana"/>
+                <a:ea typeface="Verdana"/>
+                <a:cs typeface="Verdana"/>
+                <a:sym typeface="Verdana"/>
+              </a:rPr>
+              <a:t>        assert </a:t>
+            </a:r>
+            <a:r>
+              <a:rPr lang="en-US" sz="1600" dirty="0" err="1">
+                <a:latin typeface="Verdana"/>
+                <a:ea typeface="Verdana"/>
+                <a:cs typeface="Verdana"/>
+                <a:sym typeface="Verdana"/>
+              </a:rPr>
+              <a:t>len</a:t>
+            </a:r>
+            <a:r>
+              <a:rPr lang="en-US" sz="1600" dirty="0">
+                <a:latin typeface="Verdana"/>
+                <a:ea typeface="Verdana"/>
+                <a:cs typeface="Verdana"/>
+                <a:sym typeface="Verdana"/>
+              </a:rPr>
+              <a:t>(</a:t>
+            </a:r>
+            <a:r>
+              <a:rPr lang="en-US" sz="1600" dirty="0" err="1">
+                <a:latin typeface="Verdana"/>
+                <a:ea typeface="Verdana"/>
+                <a:cs typeface="Verdana"/>
+                <a:sym typeface="Verdana"/>
+              </a:rPr>
+              <a:t>self.items</a:t>
+            </a:r>
+            <a:r>
+              <a:rPr lang="en-US" sz="1600" dirty="0">
+                <a:latin typeface="Verdana"/>
+                <a:ea typeface="Verdana"/>
+                <a:cs typeface="Verdana"/>
+                <a:sym typeface="Verdana"/>
+              </a:rPr>
+              <a:t>) &lt; </a:t>
+            </a:r>
+            <a:r>
+              <a:rPr lang="en-US" sz="1600" dirty="0" err="1">
+                <a:latin typeface="Verdana"/>
+                <a:ea typeface="Verdana"/>
+                <a:cs typeface="Verdana"/>
+                <a:sym typeface="Verdana"/>
+              </a:rPr>
+              <a:t>self.limit</a:t>
+            </a:r>
+            <a:endParaRPr dirty="0"/>
+          </a:p>
+          <a:p>
+            <a:pPr marL="342900">
+              <a:spcBef>
+                <a:spcPts val="640"/>
+              </a:spcBef>
+              <a:buSzPts val="1600"/>
+              <a:buNone/>
+            </a:pPr>
+            <a:r>
+              <a:rPr lang="en-US" sz="1600" dirty="0">
+                <a:latin typeface="Verdana"/>
+                <a:ea typeface="Verdana"/>
+                <a:cs typeface="Verdana"/>
+                <a:sym typeface="Verdana"/>
+              </a:rPr>
+              <a:t>        </a:t>
+            </a:r>
+            <a:r>
+              <a:rPr lang="en-US" sz="1600" dirty="0" err="1">
+                <a:latin typeface="Verdana"/>
+                <a:ea typeface="Verdana"/>
+                <a:cs typeface="Verdana"/>
+                <a:sym typeface="Verdana"/>
+              </a:rPr>
+              <a:t>FancyStack.push</a:t>
+            </a:r>
+            <a:r>
+              <a:rPr lang="en-US" sz="1600" dirty="0">
+                <a:latin typeface="Verdana"/>
+                <a:ea typeface="Verdana"/>
+                <a:cs typeface="Verdana"/>
+                <a:sym typeface="Verdana"/>
+              </a:rPr>
+              <a:t>(self, x)		# "super" method call</a:t>
+            </a:r>
+            <a:endParaRPr dirty="0"/>
+          </a:p>
+        </p:txBody>
+      </p:sp>
+    </p:spTree>
+  </p:cSld>
+  <p:clrMapOvr>
+    <a:masterClrMapping/>
+  </p:clrMapOvr>
+</p:sld>
+</file>
+
+<file path=ppt/slides/slide21.xml><?xml version="1.0" encoding="utf-8"?>
+<p:sld xmlns:a="http://schemas.openxmlformats.org/drawingml/2006/main" xmlns:r="http://schemas.openxmlformats.org/officeDocument/2006/relationships" xmlns:p="http://schemas.openxmlformats.org/presentationml/2006/main">
+  <p:cSld>
+    <p:spTree>
+      <p:nvGrpSpPr>
+        <p:cNvPr id="1" name="Shape 240"/>
+        <p:cNvGrpSpPr/>
+        <p:nvPr/>
+      </p:nvGrpSpPr>
+      <p:grpSpPr>
+        <a:xfrm>
+          <a:off x="0" y="0"/>
+          <a:ext cx="0" cy="0"/>
+          <a:chOff x="0" y="0"/>
+          <a:chExt cx="0" cy="0"/>
+        </a:xfrm>
+      </p:grpSpPr>
+      <p:sp>
+        <p:nvSpPr>
+          <p:cNvPr id="241" name="Google Shape;241;p27"/>
+          <p:cNvSpPr txBox="1">
+            <a:spLocks noGrp="1"/>
+          </p:cNvSpPr>
+          <p:nvPr>
+            <p:ph type="title"/>
+          </p:nvPr>
+        </p:nvSpPr>
+        <p:spPr>
+          <a:prstGeom prst="rect">
+            <a:avLst/>
+          </a:prstGeom>
+          <a:noFill/>
+          <a:ln>
+            <a:noFill/>
+          </a:ln>
+        </p:spPr>
+        <p:txBody>
+          <a:bodyPr spcFirstLastPara="1" vert="horz" wrap="square" lIns="91425" tIns="45700" rIns="91425" bIns="45700" rtlCol="0" anchor="ctr" anchorCtr="0">
+            <a:noAutofit/>
+          </a:bodyPr>
+          <a:lstStyle/>
+          <a:p>
+            <a:pPr>
+              <a:buClr>
+                <a:schemeClr val="dk1"/>
+              </a:buClr>
+              <a:buSzPts val="2800"/>
+            </a:pPr>
+            <a:r>
+              <a:rPr lang="en-US" sz="2800" b="1" dirty="0">
+                <a:solidFill>
+                  <a:schemeClr val="tx1"/>
+                </a:solidFill>
+                <a:latin typeface="Verdana"/>
+                <a:ea typeface="Verdana"/>
+                <a:cs typeface="Verdana"/>
+                <a:sym typeface="Verdana"/>
+              </a:rPr>
+              <a:t>Class / Instance Variables</a:t>
+            </a:r>
+            <a:endParaRPr dirty="0">
+              <a:solidFill>
+                <a:schemeClr val="tx1"/>
+              </a:solidFill>
+            </a:endParaRPr>
+          </a:p>
+        </p:txBody>
+      </p:sp>
+      <p:sp>
+        <p:nvSpPr>
+          <p:cNvPr id="242" name="Google Shape;242;p27"/>
+          <p:cNvSpPr txBox="1">
+            <a:spLocks noGrp="1"/>
+          </p:cNvSpPr>
+          <p:nvPr>
+            <p:ph idx="1"/>
+          </p:nvPr>
+        </p:nvSpPr>
+        <p:spPr>
+          <a:prstGeom prst="rect">
+            <a:avLst/>
+          </a:prstGeom>
+          <a:noFill/>
+          <a:ln>
+            <a:noFill/>
+          </a:ln>
+        </p:spPr>
+        <p:txBody>
+          <a:bodyPr spcFirstLastPara="1" vert="horz" wrap="square" lIns="91425" tIns="45700" rIns="91425" bIns="45700" rtlCol="0" anchor="t" anchorCtr="0">
+            <a:noAutofit/>
+          </a:bodyPr>
+          <a:lstStyle/>
+          <a:p>
+            <a:pPr marL="342900">
+              <a:spcBef>
+                <a:spcPts val="0"/>
+              </a:spcBef>
+              <a:buNone/>
+            </a:pPr>
+            <a:r>
+              <a:rPr lang="en-US" sz="1800" dirty="0">
+                <a:latin typeface="Verdana"/>
+                <a:ea typeface="Verdana"/>
+                <a:cs typeface="Verdana"/>
+                <a:sym typeface="Verdana"/>
+              </a:rPr>
+              <a:t>class Connection:</a:t>
+            </a:r>
+            <a:endParaRPr dirty="0"/>
+          </a:p>
+          <a:p>
+            <a:pPr marL="342900">
+              <a:buNone/>
+            </a:pPr>
+            <a:r>
+              <a:rPr lang="en-US" sz="1800" i="1" dirty="0">
+                <a:latin typeface="Verdana"/>
+                <a:ea typeface="Verdana"/>
+                <a:cs typeface="Verdana"/>
+                <a:sym typeface="Verdana"/>
+              </a:rPr>
+              <a:t>    verbose = 0				# class variable</a:t>
+            </a:r>
+            <a:endParaRPr dirty="0"/>
+          </a:p>
+          <a:p>
+            <a:pPr marL="342900">
+              <a:buNone/>
+            </a:pPr>
+            <a:r>
+              <a:rPr lang="en-US" sz="1800" dirty="0">
+                <a:latin typeface="Verdana"/>
+                <a:ea typeface="Verdana"/>
+                <a:cs typeface="Verdana"/>
+                <a:sym typeface="Verdana"/>
+              </a:rPr>
+              <a:t>    def __</a:t>
+            </a:r>
+            <a:r>
+              <a:rPr lang="en-US" sz="1800" dirty="0" err="1">
+                <a:latin typeface="Verdana"/>
+                <a:ea typeface="Verdana"/>
+                <a:cs typeface="Verdana"/>
+                <a:sym typeface="Verdana"/>
+              </a:rPr>
+              <a:t>init</a:t>
+            </a:r>
+            <a:r>
+              <a:rPr lang="en-US" sz="1800" dirty="0">
+                <a:latin typeface="Verdana"/>
+                <a:ea typeface="Verdana"/>
+                <a:cs typeface="Verdana"/>
+                <a:sym typeface="Verdana"/>
+              </a:rPr>
+              <a:t>__(self, host):</a:t>
+            </a:r>
+            <a:endParaRPr dirty="0"/>
+          </a:p>
+          <a:p>
+            <a:pPr marL="342900">
+              <a:buNone/>
+            </a:pPr>
+            <a:r>
+              <a:rPr lang="en-US" sz="1800" dirty="0">
+                <a:latin typeface="Verdana"/>
+                <a:ea typeface="Verdana"/>
+                <a:cs typeface="Verdana"/>
+                <a:sym typeface="Verdana"/>
+              </a:rPr>
+              <a:t>        </a:t>
+            </a:r>
+            <a:r>
+              <a:rPr lang="en-US" sz="1800" dirty="0" err="1">
+                <a:latin typeface="Verdana"/>
+                <a:ea typeface="Verdana"/>
+                <a:cs typeface="Verdana"/>
+                <a:sym typeface="Verdana"/>
+              </a:rPr>
+              <a:t>self.host</a:t>
+            </a:r>
+            <a:r>
+              <a:rPr lang="en-US" sz="1800" dirty="0">
+                <a:latin typeface="Verdana"/>
+                <a:ea typeface="Verdana"/>
+                <a:cs typeface="Verdana"/>
+                <a:sym typeface="Verdana"/>
+              </a:rPr>
+              <a:t> = host			# instance variable</a:t>
+            </a:r>
+            <a:endParaRPr dirty="0"/>
+          </a:p>
+          <a:p>
+            <a:pPr marL="342900">
+              <a:buNone/>
+            </a:pPr>
+            <a:r>
+              <a:rPr lang="en-US" sz="1800" dirty="0">
+                <a:latin typeface="Verdana"/>
+                <a:ea typeface="Verdana"/>
+                <a:cs typeface="Verdana"/>
+                <a:sym typeface="Verdana"/>
+              </a:rPr>
+              <a:t>    def debug(self, v):</a:t>
+            </a:r>
+            <a:endParaRPr dirty="0"/>
+          </a:p>
+          <a:p>
+            <a:pPr marL="342900">
+              <a:buNone/>
+            </a:pPr>
+            <a:r>
+              <a:rPr lang="en-US" sz="1800" i="1" dirty="0">
+                <a:latin typeface="Verdana"/>
+                <a:ea typeface="Verdana"/>
+                <a:cs typeface="Verdana"/>
+                <a:sym typeface="Verdana"/>
+              </a:rPr>
+              <a:t>        </a:t>
+            </a:r>
+            <a:r>
+              <a:rPr lang="en-US" sz="1800" i="1" dirty="0" err="1">
+                <a:latin typeface="Verdana"/>
+                <a:ea typeface="Verdana"/>
+                <a:cs typeface="Verdana"/>
+                <a:sym typeface="Verdana"/>
+              </a:rPr>
+              <a:t>self.verbose</a:t>
+            </a:r>
+            <a:r>
+              <a:rPr lang="en-US" sz="1800" i="1" dirty="0">
+                <a:latin typeface="Verdana"/>
+                <a:ea typeface="Verdana"/>
+                <a:cs typeface="Verdana"/>
+                <a:sym typeface="Verdana"/>
+              </a:rPr>
+              <a:t> = v			# make instance variable!</a:t>
+            </a:r>
+            <a:endParaRPr dirty="0"/>
+          </a:p>
+          <a:p>
+            <a:pPr marL="342900">
+              <a:buNone/>
+            </a:pPr>
+            <a:r>
+              <a:rPr lang="en-US" sz="1800" dirty="0">
+                <a:latin typeface="Verdana"/>
+                <a:ea typeface="Verdana"/>
+                <a:cs typeface="Verdana"/>
+                <a:sym typeface="Verdana"/>
+              </a:rPr>
+              <a:t>    def connect(self):</a:t>
+            </a:r>
+            <a:endParaRPr dirty="0"/>
+          </a:p>
+          <a:p>
+            <a:pPr marL="342900">
+              <a:buNone/>
+            </a:pPr>
+            <a:r>
+              <a:rPr lang="en-US" sz="1800" dirty="0">
+                <a:latin typeface="Verdana"/>
+                <a:ea typeface="Verdana"/>
+                <a:cs typeface="Verdana"/>
+                <a:sym typeface="Verdana"/>
+              </a:rPr>
+              <a:t>        if </a:t>
+            </a:r>
+            <a:r>
+              <a:rPr lang="en-US" sz="1800" i="1" dirty="0" err="1">
+                <a:latin typeface="Verdana"/>
+                <a:ea typeface="Verdana"/>
+                <a:cs typeface="Verdana"/>
+                <a:sym typeface="Verdana"/>
+              </a:rPr>
+              <a:t>self.verbose</a:t>
+            </a:r>
+            <a:r>
+              <a:rPr lang="en-US" sz="1800" dirty="0">
+                <a:latin typeface="Verdana"/>
+                <a:ea typeface="Verdana"/>
+                <a:cs typeface="Verdana"/>
+                <a:sym typeface="Verdana"/>
+              </a:rPr>
+              <a:t>:			</a:t>
+            </a:r>
+            <a:r>
+              <a:rPr lang="en-US" sz="1800" i="1" dirty="0">
+                <a:latin typeface="Verdana"/>
+                <a:ea typeface="Verdana"/>
+                <a:cs typeface="Verdana"/>
+                <a:sym typeface="Verdana"/>
+              </a:rPr>
+              <a:t># class or instance variable?</a:t>
+            </a:r>
+            <a:endParaRPr dirty="0"/>
+          </a:p>
+          <a:p>
+            <a:pPr marL="342900">
+              <a:buNone/>
+            </a:pPr>
+            <a:r>
+              <a:rPr lang="en-US" sz="1800" dirty="0">
+                <a:latin typeface="Verdana"/>
+                <a:ea typeface="Verdana"/>
+                <a:cs typeface="Verdana"/>
+                <a:sym typeface="Verdana"/>
+              </a:rPr>
+              <a:t>            print "connecting to", </a:t>
+            </a:r>
+            <a:r>
+              <a:rPr lang="en-US" sz="1800" dirty="0" err="1">
+                <a:latin typeface="Verdana"/>
+                <a:ea typeface="Verdana"/>
+                <a:cs typeface="Verdana"/>
+                <a:sym typeface="Verdana"/>
+              </a:rPr>
+              <a:t>self.host</a:t>
+            </a:r>
+            <a:endParaRPr dirty="0"/>
+          </a:p>
+        </p:txBody>
+      </p:sp>
+    </p:spTree>
+  </p:cSld>
+  <p:clrMapOvr>
+    <a:masterClrMapping/>
+  </p:clrMapOvr>
+</p:sld>
+</file>
+
+<file path=ppt/slides/slide22.xml><?xml version="1.0" encoding="utf-8"?>
+<p:sld xmlns:a="http://schemas.openxmlformats.org/drawingml/2006/main" xmlns:r="http://schemas.openxmlformats.org/officeDocument/2006/relationships" xmlns:p="http://schemas.openxmlformats.org/presentationml/2006/main">
+  <p:cSld>
+    <p:spTree>
+      <p:nvGrpSpPr>
+        <p:cNvPr id="1" name="Shape 246"/>
+        <p:cNvGrpSpPr/>
+        <p:nvPr/>
+      </p:nvGrpSpPr>
+      <p:grpSpPr>
+        <a:xfrm>
+          <a:off x="0" y="0"/>
+          <a:ext cx="0" cy="0"/>
+          <a:chOff x="0" y="0"/>
+          <a:chExt cx="0" cy="0"/>
+        </a:xfrm>
+      </p:grpSpPr>
+      <p:sp>
+        <p:nvSpPr>
+          <p:cNvPr id="247" name="Google Shape;247;p28"/>
+          <p:cNvSpPr txBox="1">
+            <a:spLocks noGrp="1"/>
+          </p:cNvSpPr>
+          <p:nvPr>
+            <p:ph type="title"/>
+          </p:nvPr>
+        </p:nvSpPr>
+        <p:spPr>
+          <a:prstGeom prst="rect">
+            <a:avLst/>
+          </a:prstGeom>
+          <a:noFill/>
+          <a:ln>
+            <a:noFill/>
+          </a:ln>
+        </p:spPr>
+        <p:txBody>
+          <a:bodyPr spcFirstLastPara="1" vert="horz" wrap="square" lIns="91425" tIns="45700" rIns="91425" bIns="45700" rtlCol="0" anchor="ctr" anchorCtr="0">
+            <a:noAutofit/>
+          </a:bodyPr>
+          <a:lstStyle/>
+          <a:p>
+            <a:pPr>
+              <a:buClr>
+                <a:schemeClr val="dk1"/>
+              </a:buClr>
+              <a:buSzPts val="2800"/>
+            </a:pPr>
+            <a:r>
+              <a:rPr lang="en-US" sz="2800" b="1" dirty="0">
+                <a:solidFill>
+                  <a:schemeClr val="tx1"/>
+                </a:solidFill>
+                <a:latin typeface="Verdana"/>
+                <a:ea typeface="Verdana"/>
+                <a:cs typeface="Verdana"/>
+                <a:sym typeface="Verdana"/>
+              </a:rPr>
+              <a:t>Instance Variable Rules</a:t>
+            </a:r>
+            <a:endParaRPr dirty="0">
+              <a:solidFill>
+                <a:schemeClr val="tx1"/>
+              </a:solidFill>
+            </a:endParaRPr>
+          </a:p>
+        </p:txBody>
+      </p:sp>
+      <p:sp>
+        <p:nvSpPr>
+          <p:cNvPr id="248" name="Google Shape;248;p28"/>
+          <p:cNvSpPr txBox="1">
+            <a:spLocks noGrp="1"/>
+          </p:cNvSpPr>
+          <p:nvPr>
+            <p:ph idx="1"/>
+          </p:nvPr>
+        </p:nvSpPr>
+        <p:spPr>
+          <a:prstGeom prst="rect">
+            <a:avLst/>
+          </a:prstGeom>
+          <a:noFill/>
+          <a:ln>
+            <a:noFill/>
+          </a:ln>
+        </p:spPr>
+        <p:txBody>
+          <a:bodyPr spcFirstLastPara="1" vert="horz" wrap="square" lIns="91425" tIns="45700" rIns="91425" bIns="45700" rtlCol="0" anchor="t" anchorCtr="0">
+            <a:noAutofit/>
+          </a:bodyPr>
+          <a:lstStyle/>
+          <a:p>
+            <a:pPr marL="342900">
+              <a:spcBef>
+                <a:spcPts val="0"/>
+              </a:spcBef>
+              <a:buSzPts val="2400"/>
+              <a:buFont typeface="Verdana"/>
+              <a:buChar char="•"/>
+            </a:pPr>
+            <a:r>
+              <a:rPr lang="en-US" sz="2400" dirty="0">
+                <a:latin typeface="Verdana"/>
+                <a:ea typeface="Verdana"/>
+                <a:cs typeface="Verdana"/>
+                <a:sym typeface="Verdana"/>
+              </a:rPr>
+              <a:t>On use via instance (</a:t>
+            </a:r>
+            <a:r>
+              <a:rPr lang="en-US" sz="2400" dirty="0" err="1">
+                <a:latin typeface="Verdana"/>
+                <a:ea typeface="Verdana"/>
+                <a:cs typeface="Verdana"/>
+                <a:sym typeface="Verdana"/>
+              </a:rPr>
+              <a:t>self.x</a:t>
+            </a:r>
+            <a:r>
+              <a:rPr lang="en-US" sz="2400" dirty="0">
+                <a:latin typeface="Verdana"/>
+                <a:ea typeface="Verdana"/>
+                <a:cs typeface="Verdana"/>
+                <a:sym typeface="Verdana"/>
+              </a:rPr>
+              <a:t>), search order:</a:t>
+            </a:r>
+            <a:endParaRPr dirty="0"/>
+          </a:p>
+          <a:p>
+            <a:pPr marL="742950" lvl="1" indent="-285750">
+              <a:spcBef>
+                <a:spcPts val="800"/>
+              </a:spcBef>
+              <a:buSzPts val="2000"/>
+              <a:buFont typeface="Verdana"/>
+              <a:buChar char="–"/>
+            </a:pPr>
+            <a:r>
+              <a:rPr lang="en-US" sz="2000" dirty="0">
+                <a:latin typeface="Verdana"/>
+                <a:ea typeface="Verdana"/>
+                <a:cs typeface="Verdana"/>
+                <a:sym typeface="Verdana"/>
+              </a:rPr>
+              <a:t>(1) instance, (2) class, (3) base classes</a:t>
+            </a:r>
+            <a:endParaRPr dirty="0"/>
+          </a:p>
+          <a:p>
+            <a:pPr marL="742950" lvl="1" indent="-285750">
+              <a:spcBef>
+                <a:spcPts val="800"/>
+              </a:spcBef>
+              <a:buSzPts val="2000"/>
+              <a:buFont typeface="Verdana"/>
+              <a:buChar char="–"/>
+            </a:pPr>
+            <a:r>
+              <a:rPr lang="en-US" sz="2000" dirty="0">
+                <a:latin typeface="Verdana"/>
+                <a:ea typeface="Verdana"/>
+                <a:cs typeface="Verdana"/>
+                <a:sym typeface="Verdana"/>
+              </a:rPr>
+              <a:t>this also works for method lookup</a:t>
+            </a:r>
+            <a:endParaRPr dirty="0"/>
+          </a:p>
+          <a:p>
+            <a:pPr marL="342900">
+              <a:spcBef>
+                <a:spcPts val="960"/>
+              </a:spcBef>
+              <a:buSzPts val="2400"/>
+              <a:buFont typeface="Verdana"/>
+              <a:buChar char="•"/>
+            </a:pPr>
+            <a:r>
+              <a:rPr lang="en-US" sz="2400" dirty="0">
+                <a:latin typeface="Verdana"/>
+                <a:ea typeface="Verdana"/>
+                <a:cs typeface="Verdana"/>
+                <a:sym typeface="Verdana"/>
+              </a:rPr>
+              <a:t>On assignment via instance (</a:t>
+            </a:r>
+            <a:r>
+              <a:rPr lang="en-US" sz="2400" dirty="0" err="1">
+                <a:latin typeface="Verdana"/>
+                <a:ea typeface="Verdana"/>
+                <a:cs typeface="Verdana"/>
+                <a:sym typeface="Verdana"/>
+              </a:rPr>
+              <a:t>self.x</a:t>
+            </a:r>
+            <a:r>
+              <a:rPr lang="en-US" sz="2400" dirty="0">
+                <a:latin typeface="Verdana"/>
+                <a:ea typeface="Verdana"/>
+                <a:cs typeface="Verdana"/>
+                <a:sym typeface="Verdana"/>
+              </a:rPr>
+              <a:t> = ...):</a:t>
+            </a:r>
+            <a:endParaRPr dirty="0"/>
+          </a:p>
+          <a:p>
+            <a:pPr marL="742950" lvl="1" indent="-285750">
+              <a:spcBef>
+                <a:spcPts val="800"/>
+              </a:spcBef>
+              <a:buSzPts val="2000"/>
+              <a:buFont typeface="Verdana"/>
+              <a:buChar char="–"/>
+            </a:pPr>
+            <a:r>
+              <a:rPr lang="en-US" sz="2000" dirty="0">
+                <a:latin typeface="Verdana"/>
+                <a:ea typeface="Verdana"/>
+                <a:cs typeface="Verdana"/>
+                <a:sym typeface="Verdana"/>
+              </a:rPr>
+              <a:t>always makes an instance variable</a:t>
+            </a:r>
+            <a:endParaRPr dirty="0"/>
+          </a:p>
+          <a:p>
+            <a:pPr marL="342900">
+              <a:spcBef>
+                <a:spcPts val="960"/>
+              </a:spcBef>
+              <a:buSzPts val="2400"/>
+              <a:buFont typeface="Verdana"/>
+              <a:buChar char="•"/>
+            </a:pPr>
+            <a:r>
+              <a:rPr lang="en-US" sz="2400" dirty="0">
+                <a:latin typeface="Verdana"/>
+                <a:ea typeface="Verdana"/>
+                <a:cs typeface="Verdana"/>
+                <a:sym typeface="Verdana"/>
+              </a:rPr>
+              <a:t>Class variables "default" for instance variables</a:t>
+            </a:r>
+            <a:endParaRPr dirty="0"/>
+          </a:p>
+          <a:p>
+            <a:pPr marL="342900">
+              <a:spcBef>
+                <a:spcPts val="960"/>
+              </a:spcBef>
+              <a:buSzPts val="2400"/>
+              <a:buFont typeface="Verdana"/>
+              <a:buChar char="•"/>
+            </a:pPr>
+            <a:r>
+              <a:rPr lang="en-US" sz="2400" dirty="0">
+                <a:latin typeface="Verdana"/>
+                <a:ea typeface="Verdana"/>
+                <a:cs typeface="Verdana"/>
+                <a:sym typeface="Verdana"/>
+              </a:rPr>
+              <a:t>But...!</a:t>
+            </a:r>
+            <a:endParaRPr dirty="0"/>
+          </a:p>
+          <a:p>
+            <a:pPr marL="742950" lvl="1" indent="-285750">
+              <a:spcBef>
+                <a:spcPts val="800"/>
+              </a:spcBef>
+              <a:buSzPts val="2000"/>
+              <a:buFont typeface="Verdana"/>
+              <a:buChar char="–"/>
+            </a:pPr>
+            <a:r>
+              <a:rPr lang="en-US" sz="2000" dirty="0">
+                <a:latin typeface="Verdana"/>
+                <a:ea typeface="Verdana"/>
+                <a:cs typeface="Verdana"/>
+                <a:sym typeface="Verdana"/>
+              </a:rPr>
+              <a:t>mutable </a:t>
+            </a:r>
+            <a:r>
+              <a:rPr lang="en-US" sz="2000" i="1" dirty="0">
+                <a:latin typeface="Verdana"/>
+                <a:ea typeface="Verdana"/>
+                <a:cs typeface="Verdana"/>
+                <a:sym typeface="Verdana"/>
+              </a:rPr>
+              <a:t>class</a:t>
+            </a:r>
+            <a:r>
+              <a:rPr lang="en-US" sz="2000" dirty="0">
+                <a:latin typeface="Verdana"/>
+                <a:ea typeface="Verdana"/>
+                <a:cs typeface="Verdana"/>
+                <a:sym typeface="Verdana"/>
+              </a:rPr>
+              <a:t> variable: one copy </a:t>
+            </a:r>
+            <a:r>
+              <a:rPr lang="en-US" sz="2000" i="1" dirty="0">
+                <a:latin typeface="Verdana"/>
+                <a:ea typeface="Verdana"/>
+                <a:cs typeface="Verdana"/>
+                <a:sym typeface="Verdana"/>
+              </a:rPr>
+              <a:t>shared</a:t>
+            </a:r>
+            <a:r>
+              <a:rPr lang="en-US" sz="2000" dirty="0">
+                <a:latin typeface="Verdana"/>
+                <a:ea typeface="Verdana"/>
+                <a:cs typeface="Verdana"/>
+                <a:sym typeface="Verdana"/>
+              </a:rPr>
+              <a:t> by all</a:t>
+            </a:r>
+            <a:endParaRPr dirty="0"/>
+          </a:p>
+          <a:p>
+            <a:pPr marL="742950" lvl="1" indent="-285750">
+              <a:spcBef>
+                <a:spcPts val="800"/>
+              </a:spcBef>
+              <a:buSzPts val="2000"/>
+              <a:buFont typeface="Verdana"/>
+              <a:buChar char="–"/>
+            </a:pPr>
+            <a:r>
+              <a:rPr lang="en-US" sz="2000" dirty="0">
+                <a:latin typeface="Verdana"/>
+                <a:ea typeface="Verdana"/>
+                <a:cs typeface="Verdana"/>
+                <a:sym typeface="Verdana"/>
+              </a:rPr>
+              <a:t>mutable </a:t>
+            </a:r>
+            <a:r>
+              <a:rPr lang="en-US" sz="2000" i="1" dirty="0">
+                <a:latin typeface="Verdana"/>
+                <a:ea typeface="Verdana"/>
+                <a:cs typeface="Verdana"/>
+                <a:sym typeface="Verdana"/>
+              </a:rPr>
+              <a:t>instance</a:t>
+            </a:r>
+            <a:r>
+              <a:rPr lang="en-US" sz="2000" dirty="0">
+                <a:latin typeface="Verdana"/>
+                <a:ea typeface="Verdana"/>
+                <a:cs typeface="Verdana"/>
+                <a:sym typeface="Verdana"/>
+              </a:rPr>
+              <a:t> variable: each instance its own</a:t>
+            </a:r>
+            <a:endParaRPr dirty="0"/>
+          </a:p>
+        </p:txBody>
+      </p:sp>
+    </p:spTree>
+  </p:cSld>
+  <p:clrMapOvr>
+    <a:masterClrMapping/>
+  </p:clrMapOvr>
+</p:sld>
+</file>
+
+<file path=ppt/slides/slide23.xml><?xml version="1.0" encoding="utf-8"?>
+<p:sld xmlns:a="http://schemas.openxmlformats.org/drawingml/2006/main" xmlns:r="http://schemas.openxmlformats.org/officeDocument/2006/relationships" xmlns:p="http://schemas.openxmlformats.org/presentationml/2006/main">
+  <p:cSld>
+    <p:spTree>
+      <p:nvGrpSpPr>
+        <p:cNvPr id="1" name="Shape 252"/>
+        <p:cNvGrpSpPr/>
+        <p:nvPr/>
+      </p:nvGrpSpPr>
+      <p:grpSpPr>
+        <a:xfrm>
+          <a:off x="0" y="0"/>
+          <a:ext cx="0" cy="0"/>
+          <a:chOff x="0" y="0"/>
+          <a:chExt cx="0" cy="0"/>
+        </a:xfrm>
+      </p:grpSpPr>
+      <p:sp>
+        <p:nvSpPr>
+          <p:cNvPr id="253" name="Google Shape;253;p29"/>
+          <p:cNvSpPr txBox="1">
+            <a:spLocks noGrp="1"/>
+          </p:cNvSpPr>
+          <p:nvPr>
+            <p:ph type="title"/>
+          </p:nvPr>
+        </p:nvSpPr>
+        <p:spPr>
+          <a:prstGeom prst="rect">
+            <a:avLst/>
+          </a:prstGeom>
+          <a:noFill/>
+          <a:ln>
+            <a:noFill/>
+          </a:ln>
+        </p:spPr>
+        <p:txBody>
+          <a:bodyPr spcFirstLastPara="1" vert="horz" wrap="square" lIns="91425" tIns="45700" rIns="91425" bIns="45700" rtlCol="0" anchor="ctr" anchorCtr="0">
+            <a:noAutofit/>
+          </a:bodyPr>
+          <a:lstStyle/>
+          <a:p>
+            <a:pPr>
+              <a:buClr>
+                <a:schemeClr val="dk1"/>
+              </a:buClr>
+              <a:buSzPts val="3200"/>
+            </a:pPr>
+            <a:r>
+              <a:rPr lang="en-US" sz="3200" b="1" dirty="0">
+                <a:solidFill>
+                  <a:schemeClr val="tx1"/>
+                </a:solidFill>
+                <a:latin typeface="Verdana"/>
+                <a:ea typeface="Verdana"/>
+                <a:cs typeface="Verdana"/>
+                <a:sym typeface="Verdana"/>
+              </a:rPr>
+              <a:t>Modules</a:t>
+            </a:r>
+            <a:endParaRPr dirty="0">
+              <a:solidFill>
+                <a:schemeClr val="tx1"/>
+              </a:solidFill>
+            </a:endParaRPr>
+          </a:p>
+        </p:txBody>
+      </p:sp>
+      <p:sp>
+        <p:nvSpPr>
+          <p:cNvPr id="254" name="Google Shape;254;p29"/>
+          <p:cNvSpPr txBox="1">
+            <a:spLocks noGrp="1"/>
+          </p:cNvSpPr>
+          <p:nvPr>
+            <p:ph idx="1"/>
+          </p:nvPr>
+        </p:nvSpPr>
+        <p:spPr>
+          <a:prstGeom prst="rect">
+            <a:avLst/>
+          </a:prstGeom>
+          <a:noFill/>
+          <a:ln>
+            <a:noFill/>
+          </a:ln>
+        </p:spPr>
+        <p:txBody>
+          <a:bodyPr spcFirstLastPara="1" vert="horz" wrap="square" lIns="91425" tIns="45700" rIns="91425" bIns="45700" rtlCol="0" anchor="t" anchorCtr="0">
+            <a:noAutofit/>
+          </a:bodyPr>
+          <a:lstStyle/>
+          <a:p>
+            <a:pPr marL="342900">
+              <a:spcBef>
+                <a:spcPts val="0"/>
+              </a:spcBef>
+              <a:buSzPts val="2400"/>
+              <a:buFont typeface="Verdana"/>
+              <a:buChar char="•"/>
+            </a:pPr>
+            <a:r>
+              <a:rPr lang="en-US" sz="2400" dirty="0">
+                <a:latin typeface="Verdana"/>
+                <a:ea typeface="Verdana"/>
+                <a:cs typeface="Verdana"/>
+                <a:sym typeface="Verdana"/>
+              </a:rPr>
+              <a:t>Collection of stuff in </a:t>
+            </a:r>
+            <a:r>
+              <a:rPr lang="en-US" sz="2400" i="1" dirty="0" err="1">
+                <a:latin typeface="Verdana"/>
+                <a:ea typeface="Verdana"/>
+                <a:cs typeface="Verdana"/>
+                <a:sym typeface="Verdana"/>
+              </a:rPr>
+              <a:t>foo</a:t>
+            </a:r>
+            <a:r>
+              <a:rPr lang="en-US" sz="2400" dirty="0" err="1">
+                <a:latin typeface="Verdana"/>
+                <a:ea typeface="Verdana"/>
+                <a:cs typeface="Verdana"/>
+                <a:sym typeface="Verdana"/>
+              </a:rPr>
+              <a:t>.py</a:t>
+            </a:r>
+            <a:r>
+              <a:rPr lang="en-US" sz="2400" dirty="0">
+                <a:latin typeface="Verdana"/>
+                <a:ea typeface="Verdana"/>
+                <a:cs typeface="Verdana"/>
+                <a:sym typeface="Verdana"/>
+              </a:rPr>
+              <a:t> file</a:t>
+            </a:r>
+            <a:endParaRPr dirty="0"/>
+          </a:p>
+          <a:p>
+            <a:pPr marL="742950" lvl="1" indent="-285750">
+              <a:spcBef>
+                <a:spcPts val="800"/>
+              </a:spcBef>
+              <a:buSzPts val="2000"/>
+              <a:buFont typeface="Verdana"/>
+              <a:buChar char="–"/>
+            </a:pPr>
+            <a:r>
+              <a:rPr lang="en-US" sz="2000" dirty="0">
+                <a:latin typeface="Verdana"/>
+                <a:ea typeface="Verdana"/>
+                <a:cs typeface="Verdana"/>
+                <a:sym typeface="Verdana"/>
+              </a:rPr>
+              <a:t>functions, classes, variables</a:t>
+            </a:r>
+            <a:endParaRPr dirty="0"/>
+          </a:p>
+          <a:p>
+            <a:pPr marL="342900">
+              <a:spcBef>
+                <a:spcPts val="960"/>
+              </a:spcBef>
+              <a:buSzPts val="2400"/>
+              <a:buFont typeface="Verdana"/>
+              <a:buChar char="•"/>
+            </a:pPr>
+            <a:r>
+              <a:rPr lang="en-US" sz="2400" dirty="0">
+                <a:latin typeface="Verdana"/>
+                <a:ea typeface="Verdana"/>
+                <a:cs typeface="Verdana"/>
+                <a:sym typeface="Verdana"/>
+              </a:rPr>
+              <a:t>Importing modules:</a:t>
+            </a:r>
+            <a:endParaRPr dirty="0"/>
+          </a:p>
+          <a:p>
+            <a:pPr marL="742950" lvl="1" indent="-285750">
+              <a:spcBef>
+                <a:spcPts val="800"/>
+              </a:spcBef>
+              <a:buSzPts val="2000"/>
+              <a:buFont typeface="Verdana"/>
+              <a:buChar char="–"/>
+            </a:pPr>
+            <a:r>
+              <a:rPr lang="en-US" sz="2000" dirty="0">
+                <a:latin typeface="Verdana"/>
+                <a:ea typeface="Verdana"/>
+                <a:cs typeface="Verdana"/>
+                <a:sym typeface="Verdana"/>
+              </a:rPr>
+              <a:t>import re; print </a:t>
+            </a:r>
+            <a:r>
+              <a:rPr lang="en-US" sz="2000" dirty="0" err="1">
+                <a:latin typeface="Verdana"/>
+                <a:ea typeface="Verdana"/>
+                <a:cs typeface="Verdana"/>
+                <a:sym typeface="Verdana"/>
+              </a:rPr>
+              <a:t>re.match</a:t>
+            </a:r>
+            <a:r>
+              <a:rPr lang="en-US" sz="2000" dirty="0">
+                <a:latin typeface="Verdana"/>
+                <a:ea typeface="Verdana"/>
+                <a:cs typeface="Verdana"/>
+                <a:sym typeface="Verdana"/>
+              </a:rPr>
+              <a:t>("[a-z]+", s)</a:t>
+            </a:r>
+            <a:endParaRPr dirty="0"/>
+          </a:p>
+          <a:p>
+            <a:pPr marL="742950" lvl="1" indent="-285750">
+              <a:spcBef>
+                <a:spcPts val="800"/>
+              </a:spcBef>
+              <a:buSzPts val="2000"/>
+              <a:buFont typeface="Verdana"/>
+              <a:buChar char="–"/>
+            </a:pPr>
+            <a:r>
+              <a:rPr lang="en-US" sz="2000" dirty="0">
+                <a:latin typeface="Verdana"/>
+                <a:ea typeface="Verdana"/>
+                <a:cs typeface="Verdana"/>
+                <a:sym typeface="Verdana"/>
+              </a:rPr>
+              <a:t>from re import match; print match("[a-z]+", s)</a:t>
+            </a:r>
+            <a:endParaRPr dirty="0"/>
+          </a:p>
+          <a:p>
+            <a:pPr marL="342900">
+              <a:spcBef>
+                <a:spcPts val="960"/>
+              </a:spcBef>
+              <a:buSzPts val="2400"/>
+              <a:buFont typeface="Verdana"/>
+              <a:buChar char="•"/>
+            </a:pPr>
+            <a:r>
+              <a:rPr lang="en-US" sz="2400" dirty="0">
+                <a:latin typeface="Verdana"/>
+                <a:ea typeface="Verdana"/>
+                <a:cs typeface="Verdana"/>
+                <a:sym typeface="Verdana"/>
+              </a:rPr>
+              <a:t>Import with rename:</a:t>
+            </a:r>
+            <a:endParaRPr dirty="0"/>
+          </a:p>
+          <a:p>
+            <a:pPr marL="742950" lvl="1" indent="-285750">
+              <a:spcBef>
+                <a:spcPts val="800"/>
+              </a:spcBef>
+              <a:buSzPts val="2000"/>
+              <a:buFont typeface="Verdana"/>
+              <a:buChar char="–"/>
+            </a:pPr>
+            <a:r>
+              <a:rPr lang="en-US" sz="2000" dirty="0">
+                <a:latin typeface="Verdana"/>
+                <a:ea typeface="Verdana"/>
+                <a:cs typeface="Verdana"/>
+                <a:sym typeface="Verdana"/>
+              </a:rPr>
+              <a:t>import re as regex</a:t>
+            </a:r>
+            <a:endParaRPr dirty="0"/>
+          </a:p>
+          <a:p>
+            <a:pPr marL="742950" lvl="1" indent="-285750">
+              <a:spcBef>
+                <a:spcPts val="800"/>
+              </a:spcBef>
+              <a:buSzPts val="2000"/>
+              <a:buFont typeface="Verdana"/>
+              <a:buChar char="–"/>
+            </a:pPr>
+            <a:r>
+              <a:rPr lang="en-US" sz="2000" dirty="0">
+                <a:latin typeface="Verdana"/>
+                <a:ea typeface="Verdana"/>
+                <a:cs typeface="Verdana"/>
+                <a:sym typeface="Verdana"/>
+              </a:rPr>
+              <a:t>from re import match as m</a:t>
+            </a:r>
+            <a:endParaRPr dirty="0"/>
+          </a:p>
+          <a:p>
+            <a:pPr marL="742950" lvl="1" indent="-285750">
+              <a:spcBef>
+                <a:spcPts val="800"/>
+              </a:spcBef>
+              <a:buSzPts val="2000"/>
+              <a:buFont typeface="Verdana"/>
+              <a:buChar char="–"/>
+            </a:pPr>
+            <a:r>
+              <a:rPr lang="en-US" sz="2000" dirty="0">
+                <a:latin typeface="Verdana"/>
+                <a:ea typeface="Verdana"/>
+                <a:cs typeface="Verdana"/>
+                <a:sym typeface="Verdana"/>
+              </a:rPr>
+              <a:t>Before Python 2.0:</a:t>
+            </a:r>
+            <a:endParaRPr dirty="0"/>
+          </a:p>
+          <a:p>
+            <a:pPr marL="1143000" lvl="2" indent="-228600">
+              <a:buFont typeface="Verdana"/>
+              <a:buChar char="•"/>
+            </a:pPr>
+            <a:r>
+              <a:rPr lang="en-US" sz="1800" dirty="0">
+                <a:latin typeface="Verdana"/>
+                <a:ea typeface="Verdana"/>
+                <a:cs typeface="Verdana"/>
+                <a:sym typeface="Verdana"/>
+              </a:rPr>
+              <a:t>import re; regex = re; del re</a:t>
+            </a:r>
+            <a:endParaRPr dirty="0"/>
+          </a:p>
+        </p:txBody>
+      </p:sp>
+    </p:spTree>
+  </p:cSld>
+  <p:clrMapOvr>
+    <a:masterClrMapping/>
+  </p:clrMapOvr>
+</p:sld>
+</file>
+
+<file path=ppt/slides/slide24.xml><?xml version="1.0" encoding="utf-8"?>
+<p:sld xmlns:a="http://schemas.openxmlformats.org/drawingml/2006/main" xmlns:r="http://schemas.openxmlformats.org/officeDocument/2006/relationships" xmlns:p="http://schemas.openxmlformats.org/presentationml/2006/main">
+  <p:cSld>
+    <p:spTree>
+      <p:nvGrpSpPr>
+        <p:cNvPr id="1" name="Shape 258"/>
+        <p:cNvGrpSpPr/>
+        <p:nvPr/>
+      </p:nvGrpSpPr>
+      <p:grpSpPr>
+        <a:xfrm>
+          <a:off x="0" y="0"/>
+          <a:ext cx="0" cy="0"/>
+          <a:chOff x="0" y="0"/>
+          <a:chExt cx="0" cy="0"/>
+        </a:xfrm>
+      </p:grpSpPr>
+      <p:sp>
+        <p:nvSpPr>
+          <p:cNvPr id="259" name="Google Shape;259;p30"/>
+          <p:cNvSpPr txBox="1">
+            <a:spLocks noGrp="1"/>
+          </p:cNvSpPr>
+          <p:nvPr>
+            <p:ph type="title"/>
+          </p:nvPr>
+        </p:nvSpPr>
+        <p:spPr>
+          <a:prstGeom prst="rect">
+            <a:avLst/>
+          </a:prstGeom>
+          <a:noFill/>
+          <a:ln>
+            <a:noFill/>
+          </a:ln>
+        </p:spPr>
+        <p:txBody>
+          <a:bodyPr spcFirstLastPara="1" vert="horz" wrap="square" lIns="91425" tIns="45700" rIns="91425" bIns="45700" rtlCol="0" anchor="ctr" anchorCtr="0">
+            <a:noAutofit/>
+          </a:bodyPr>
+          <a:lstStyle/>
+          <a:p>
+            <a:pPr>
+              <a:buClr>
+                <a:schemeClr val="dk1"/>
+              </a:buClr>
+              <a:buSzPts val="3200"/>
+            </a:pPr>
+            <a:r>
+              <a:rPr lang="en-US" sz="3200" b="1" dirty="0">
+                <a:solidFill>
+                  <a:schemeClr val="tx1"/>
+                </a:solidFill>
+                <a:latin typeface="Verdana"/>
+                <a:ea typeface="Verdana"/>
+                <a:cs typeface="Verdana"/>
+                <a:sym typeface="Verdana"/>
+              </a:rPr>
+              <a:t>Packages</a:t>
+            </a:r>
+            <a:endParaRPr dirty="0">
+              <a:solidFill>
+                <a:schemeClr val="tx1"/>
+              </a:solidFill>
+            </a:endParaRPr>
+          </a:p>
+        </p:txBody>
+      </p:sp>
+      <p:sp>
+        <p:nvSpPr>
+          <p:cNvPr id="260" name="Google Shape;260;p30"/>
+          <p:cNvSpPr txBox="1">
+            <a:spLocks noGrp="1"/>
+          </p:cNvSpPr>
+          <p:nvPr>
+            <p:ph idx="1"/>
+          </p:nvPr>
+        </p:nvSpPr>
+        <p:spPr>
+          <a:prstGeom prst="rect">
+            <a:avLst/>
+          </a:prstGeom>
+          <a:noFill/>
+          <a:ln>
+            <a:noFill/>
+          </a:ln>
+        </p:spPr>
+        <p:txBody>
+          <a:bodyPr spcFirstLastPara="1" vert="horz" wrap="square" lIns="91425" tIns="45700" rIns="91425" bIns="45700" rtlCol="0" anchor="t" anchorCtr="0">
+            <a:noAutofit/>
+          </a:bodyPr>
+          <a:lstStyle/>
+          <a:p>
+            <a:pPr marL="342900">
+              <a:spcBef>
+                <a:spcPts val="0"/>
+              </a:spcBef>
+              <a:buSzPts val="2400"/>
+              <a:buFont typeface="Verdana"/>
+              <a:buChar char="•"/>
+            </a:pPr>
+            <a:r>
+              <a:rPr lang="en-US" sz="2400" dirty="0">
+                <a:latin typeface="Verdana"/>
+                <a:ea typeface="Verdana"/>
+                <a:cs typeface="Verdana"/>
+                <a:sym typeface="Verdana"/>
+              </a:rPr>
+              <a:t>Collection of modules in directory</a:t>
+            </a:r>
+            <a:endParaRPr dirty="0"/>
+          </a:p>
+          <a:p>
+            <a:pPr marL="342900">
+              <a:spcBef>
+                <a:spcPts val="960"/>
+              </a:spcBef>
+              <a:buSzPts val="2400"/>
+              <a:buFont typeface="Verdana"/>
+              <a:buChar char="•"/>
+            </a:pPr>
+            <a:r>
+              <a:rPr lang="en-US" sz="2400" dirty="0">
+                <a:latin typeface="Verdana"/>
+                <a:ea typeface="Verdana"/>
+                <a:cs typeface="Verdana"/>
+                <a:sym typeface="Verdana"/>
+              </a:rPr>
+              <a:t>Must have __</a:t>
+            </a:r>
+            <a:r>
+              <a:rPr lang="en-US" sz="2400" dirty="0" err="1">
+                <a:latin typeface="Verdana"/>
+                <a:ea typeface="Verdana"/>
+                <a:cs typeface="Verdana"/>
+                <a:sym typeface="Verdana"/>
+              </a:rPr>
+              <a:t>init</a:t>
+            </a:r>
+            <a:r>
+              <a:rPr lang="en-US" sz="2400" dirty="0">
+                <a:latin typeface="Verdana"/>
+                <a:ea typeface="Verdana"/>
+                <a:cs typeface="Verdana"/>
+                <a:sym typeface="Verdana"/>
+              </a:rPr>
+              <a:t>__.</a:t>
+            </a:r>
+            <a:r>
+              <a:rPr lang="en-US" sz="2400" dirty="0" err="1">
+                <a:latin typeface="Verdana"/>
+                <a:ea typeface="Verdana"/>
+                <a:cs typeface="Verdana"/>
+                <a:sym typeface="Verdana"/>
+              </a:rPr>
+              <a:t>py</a:t>
+            </a:r>
+            <a:r>
+              <a:rPr lang="en-US" sz="2400" dirty="0">
+                <a:latin typeface="Verdana"/>
+                <a:ea typeface="Verdana"/>
+                <a:cs typeface="Verdana"/>
+                <a:sym typeface="Verdana"/>
+              </a:rPr>
+              <a:t> file</a:t>
+            </a:r>
+            <a:endParaRPr dirty="0"/>
+          </a:p>
+          <a:p>
+            <a:pPr marL="342900">
+              <a:spcBef>
+                <a:spcPts val="960"/>
+              </a:spcBef>
+              <a:buSzPts val="2400"/>
+              <a:buFont typeface="Verdana"/>
+              <a:buChar char="•"/>
+            </a:pPr>
+            <a:r>
+              <a:rPr lang="en-US" sz="2400" dirty="0">
+                <a:latin typeface="Verdana"/>
+                <a:ea typeface="Verdana"/>
+                <a:cs typeface="Verdana"/>
+                <a:sym typeface="Verdana"/>
+              </a:rPr>
+              <a:t>May contain </a:t>
+            </a:r>
+            <a:r>
+              <a:rPr lang="en-US" sz="2400" dirty="0" err="1">
+                <a:latin typeface="Verdana"/>
+                <a:ea typeface="Verdana"/>
+                <a:cs typeface="Verdana"/>
+                <a:sym typeface="Verdana"/>
+              </a:rPr>
+              <a:t>subpackages</a:t>
+            </a:r>
+            <a:endParaRPr dirty="0"/>
+          </a:p>
+          <a:p>
+            <a:pPr marL="342900">
+              <a:spcBef>
+                <a:spcPts val="960"/>
+              </a:spcBef>
+              <a:buSzPts val="2400"/>
+              <a:buFont typeface="Verdana"/>
+              <a:buChar char="•"/>
+            </a:pPr>
+            <a:r>
+              <a:rPr lang="en-US" sz="2400" dirty="0">
+                <a:latin typeface="Verdana"/>
+                <a:ea typeface="Verdana"/>
+                <a:cs typeface="Verdana"/>
+                <a:sym typeface="Verdana"/>
+              </a:rPr>
+              <a:t>Import syntax:</a:t>
+            </a:r>
+            <a:endParaRPr dirty="0"/>
+          </a:p>
+          <a:p>
+            <a:pPr marL="742950" lvl="1" indent="-285750">
+              <a:spcBef>
+                <a:spcPts val="800"/>
+              </a:spcBef>
+              <a:buSzPts val="2000"/>
+              <a:buFont typeface="Verdana"/>
+              <a:buChar char="–"/>
+            </a:pPr>
+            <a:r>
+              <a:rPr lang="en-US" sz="2000" dirty="0">
+                <a:latin typeface="Verdana"/>
+                <a:ea typeface="Verdana"/>
+                <a:cs typeface="Verdana"/>
+                <a:sym typeface="Verdana"/>
+              </a:rPr>
+              <a:t>from P.Q.M import foo; print foo()</a:t>
+            </a:r>
+            <a:endParaRPr dirty="0"/>
+          </a:p>
+          <a:p>
+            <a:pPr marL="742950" lvl="1" indent="-285750">
+              <a:spcBef>
+                <a:spcPts val="800"/>
+              </a:spcBef>
+              <a:buSzPts val="2000"/>
+              <a:buFont typeface="Verdana"/>
+              <a:buChar char="–"/>
+            </a:pPr>
+            <a:r>
+              <a:rPr lang="en-US" sz="2000" dirty="0">
+                <a:latin typeface="Verdana"/>
+                <a:ea typeface="Verdana"/>
+                <a:cs typeface="Verdana"/>
+                <a:sym typeface="Verdana"/>
+              </a:rPr>
+              <a:t>from P.Q import M; print </a:t>
+            </a:r>
+            <a:r>
+              <a:rPr lang="en-US" sz="2000" dirty="0" err="1">
+                <a:latin typeface="Verdana"/>
+                <a:ea typeface="Verdana"/>
+                <a:cs typeface="Verdana"/>
+                <a:sym typeface="Verdana"/>
+              </a:rPr>
+              <a:t>M.foo</a:t>
+            </a:r>
+            <a:r>
+              <a:rPr lang="en-US" sz="2000" dirty="0">
+                <a:latin typeface="Verdana"/>
+                <a:ea typeface="Verdana"/>
+                <a:cs typeface="Verdana"/>
+                <a:sym typeface="Verdana"/>
+              </a:rPr>
+              <a:t>()</a:t>
+            </a:r>
+            <a:endParaRPr dirty="0"/>
+          </a:p>
+          <a:p>
+            <a:pPr marL="742950" lvl="1" indent="-285750">
+              <a:spcBef>
+                <a:spcPts val="800"/>
+              </a:spcBef>
+              <a:buSzPts val="2000"/>
+              <a:buFont typeface="Verdana"/>
+              <a:buChar char="–"/>
+            </a:pPr>
+            <a:r>
+              <a:rPr lang="en-US" sz="2000" dirty="0">
+                <a:latin typeface="Verdana"/>
+                <a:ea typeface="Verdana"/>
+                <a:cs typeface="Verdana"/>
+                <a:sym typeface="Verdana"/>
+              </a:rPr>
+              <a:t>import P.Q.M; print </a:t>
+            </a:r>
+            <a:r>
+              <a:rPr lang="en-US" sz="2000" dirty="0" err="1">
+                <a:latin typeface="Verdana"/>
+                <a:ea typeface="Verdana"/>
+                <a:cs typeface="Verdana"/>
+                <a:sym typeface="Verdana"/>
+              </a:rPr>
+              <a:t>P.Q.M.foo</a:t>
+            </a:r>
+            <a:r>
+              <a:rPr lang="en-US" sz="2000" dirty="0">
+                <a:latin typeface="Verdana"/>
+                <a:ea typeface="Verdana"/>
+                <a:cs typeface="Verdana"/>
+                <a:sym typeface="Verdana"/>
+              </a:rPr>
+              <a:t>()</a:t>
+            </a:r>
+            <a:endParaRPr dirty="0"/>
+          </a:p>
+          <a:p>
+            <a:pPr marL="742950" lvl="1" indent="-285750">
+              <a:spcBef>
+                <a:spcPts val="800"/>
+              </a:spcBef>
+              <a:buSzPts val="2000"/>
+              <a:buFont typeface="Verdana"/>
+              <a:buChar char="–"/>
+            </a:pPr>
+            <a:r>
+              <a:rPr lang="en-US" sz="2000" dirty="0">
+                <a:latin typeface="Verdana"/>
+                <a:ea typeface="Verdana"/>
+                <a:cs typeface="Verdana"/>
+                <a:sym typeface="Verdana"/>
+              </a:rPr>
+              <a:t>import P.Q.M as M; print </a:t>
+            </a:r>
+            <a:r>
+              <a:rPr lang="en-US" sz="2000" dirty="0" err="1">
+                <a:latin typeface="Verdana"/>
+                <a:ea typeface="Verdana"/>
+                <a:cs typeface="Verdana"/>
+                <a:sym typeface="Verdana"/>
+              </a:rPr>
+              <a:t>M.foo</a:t>
+            </a:r>
+            <a:r>
+              <a:rPr lang="en-US" sz="2000" dirty="0">
+                <a:latin typeface="Verdana"/>
+                <a:ea typeface="Verdana"/>
+                <a:cs typeface="Verdana"/>
+                <a:sym typeface="Verdana"/>
+              </a:rPr>
+              <a:t>()	# new</a:t>
+            </a:r>
+            <a:endParaRPr dirty="0"/>
+          </a:p>
+        </p:txBody>
+      </p:sp>
+    </p:spTree>
   </p:cSld>
   <p:clrMapOvr>
     <a:masterClrMapping/>
@@ -7224,7 +15080,7 @@
   <p:cSld>
     <p:spTree>
       <p:nvGrpSpPr>
-        <p:cNvPr id="1" name=""/>
+        <p:cNvPr id="1" name="Shape 60"/>
         <p:cNvGrpSpPr/>
         <p:nvPr/>
       </p:nvGrpSpPr>
@@ -7238,96 +15094,1363 @@
       </p:grpSpPr>
       <p:sp>
         <p:nvSpPr>
-          <p:cNvPr id="2" name="Title 1">
-            <a:extLst>
-              <a:ext uri="{FF2B5EF4-FFF2-40B4-BE49-F238E27FC236}">
-                <a16:creationId xmlns:a16="http://schemas.microsoft.com/office/drawing/2014/main" id="{F8425BBF-94C7-A03C-D2B0-1F29C84713F0}"/>
-              </a:ext>
-            </a:extLst>
-          </p:cNvPr>
-          <p:cNvSpPr>
+          <p:cNvPr id="61" name="Google Shape;61;p5"/>
+          <p:cNvSpPr txBox="1">
             <a:spLocks noGrp="1"/>
           </p:cNvSpPr>
           <p:nvPr>
             <p:ph type="title"/>
           </p:nvPr>
         </p:nvSpPr>
-        <p:spPr/>
-        <p:txBody>
-          <a:bodyPr/>
+        <p:spPr>
+          <a:prstGeom prst="rect">
+            <a:avLst/>
+          </a:prstGeom>
+          <a:noFill/>
+          <a:ln>
+            <a:noFill/>
+          </a:ln>
+        </p:spPr>
+        <p:txBody>
+          <a:bodyPr spcFirstLastPara="1" vert="horz" wrap="square" lIns="91425" tIns="45700" rIns="91425" bIns="45700" rtlCol="0" anchor="ctr" anchorCtr="0">
+            <a:noAutofit/>
+          </a:bodyPr>
           <a:lstStyle/>
           <a:p>
+            <a:pPr algn="l">
+              <a:buClr>
+                <a:schemeClr val="dk1"/>
+              </a:buClr>
+              <a:buSzPts val="3200"/>
+            </a:pPr>
+            <a:r>
+              <a:rPr lang="en-US" sz="3200" b="1" dirty="0">
+                <a:solidFill>
+                  <a:schemeClr val="tx1"/>
+                </a:solidFill>
+                <a:latin typeface="Verdana"/>
+                <a:ea typeface="Verdana"/>
+                <a:cs typeface="Verdana"/>
+                <a:sym typeface="Verdana"/>
+              </a:rPr>
+              <a:t>Interactive “Shell”</a:t>
+            </a:r>
+            <a:endParaRPr dirty="0">
+              <a:solidFill>
+                <a:schemeClr val="tx1"/>
+              </a:solidFill>
+            </a:endParaRPr>
+          </a:p>
+        </p:txBody>
+      </p:sp>
+      <p:sp>
+        <p:nvSpPr>
+          <p:cNvPr id="62" name="Google Shape;62;p5"/>
+          <p:cNvSpPr txBox="1">
+            <a:spLocks noGrp="1"/>
+          </p:cNvSpPr>
+          <p:nvPr>
+            <p:ph idx="1"/>
+          </p:nvPr>
+        </p:nvSpPr>
+        <p:spPr>
+          <a:prstGeom prst="rect">
+            <a:avLst/>
+          </a:prstGeom>
+          <a:noFill/>
+          <a:ln>
+            <a:noFill/>
+          </a:ln>
+        </p:spPr>
+        <p:txBody>
+          <a:bodyPr spcFirstLastPara="1" vert="horz" wrap="square" lIns="91425" tIns="45700" rIns="91425" bIns="45700" rtlCol="0" anchor="t" anchorCtr="0">
+            <a:noAutofit/>
+          </a:bodyPr>
+          <a:lstStyle/>
+          <a:p>
+            <a:pPr marL="342900">
+              <a:spcBef>
+                <a:spcPts val="0"/>
+              </a:spcBef>
+              <a:buSzPts val="2000"/>
+              <a:buFont typeface="Verdana"/>
+              <a:buChar char="•"/>
+            </a:pPr>
+            <a:r>
+              <a:rPr lang="en-US" dirty="0">
+                <a:latin typeface="Verdana"/>
+                <a:ea typeface="Verdana"/>
+                <a:cs typeface="Verdana"/>
+                <a:sym typeface="Verdana"/>
+              </a:rPr>
+              <a:t>Great for learning the language</a:t>
+            </a:r>
+            <a:endParaRPr dirty="0"/>
+          </a:p>
+          <a:p>
+            <a:pPr marL="342900">
+              <a:spcBef>
+                <a:spcPts val="800"/>
+              </a:spcBef>
+              <a:buSzPts val="2000"/>
+              <a:buFont typeface="Verdana"/>
+              <a:buChar char="•"/>
+            </a:pPr>
+            <a:r>
+              <a:rPr lang="en-US" dirty="0">
+                <a:latin typeface="Verdana"/>
+                <a:ea typeface="Verdana"/>
+                <a:cs typeface="Verdana"/>
+                <a:sym typeface="Verdana"/>
+              </a:rPr>
+              <a:t>Great for experimenting with the library</a:t>
+            </a:r>
+            <a:endParaRPr dirty="0"/>
+          </a:p>
+          <a:p>
+            <a:pPr marL="342900">
+              <a:spcBef>
+                <a:spcPts val="800"/>
+              </a:spcBef>
+              <a:buSzPts val="2000"/>
+              <a:buFont typeface="Verdana"/>
+              <a:buChar char="•"/>
+            </a:pPr>
+            <a:r>
+              <a:rPr lang="en-US" dirty="0">
+                <a:latin typeface="Verdana"/>
+                <a:ea typeface="Verdana"/>
+                <a:cs typeface="Verdana"/>
+                <a:sym typeface="Verdana"/>
+              </a:rPr>
+              <a:t>Great for testing your own modules</a:t>
+            </a:r>
+            <a:endParaRPr dirty="0"/>
+          </a:p>
+          <a:p>
+            <a:pPr marL="342900">
+              <a:spcBef>
+                <a:spcPts val="800"/>
+              </a:spcBef>
+              <a:buSzPts val="2000"/>
+              <a:buFont typeface="Verdana"/>
+              <a:buChar char="•"/>
+            </a:pPr>
+            <a:r>
+              <a:rPr lang="en-US" dirty="0">
+                <a:latin typeface="Verdana"/>
+                <a:ea typeface="Verdana"/>
+                <a:cs typeface="Verdana"/>
+                <a:sym typeface="Verdana"/>
+              </a:rPr>
+              <a:t>Two variations: IDLE (GUI),</a:t>
+            </a:r>
+            <a:br>
+              <a:rPr lang="en-US" dirty="0">
+                <a:latin typeface="Verdana"/>
+                <a:ea typeface="Verdana"/>
+                <a:cs typeface="Verdana"/>
+                <a:sym typeface="Verdana"/>
+              </a:rPr>
+            </a:br>
+            <a:r>
+              <a:rPr lang="en-US" dirty="0">
+                <a:latin typeface="Verdana"/>
+                <a:ea typeface="Verdana"/>
+                <a:cs typeface="Verdana"/>
+                <a:sym typeface="Verdana"/>
+              </a:rPr>
+              <a:t>python (command line)</a:t>
+            </a:r>
+            <a:endParaRPr dirty="0"/>
+          </a:p>
+          <a:p>
+            <a:pPr marL="342900">
+              <a:spcBef>
+                <a:spcPts val="800"/>
+              </a:spcBef>
+              <a:buSzPts val="2000"/>
+              <a:buFont typeface="Verdana"/>
+              <a:buChar char="•"/>
+            </a:pPr>
+            <a:r>
+              <a:rPr lang="en-US" dirty="0">
+                <a:latin typeface="Verdana"/>
+                <a:ea typeface="Verdana"/>
+                <a:cs typeface="Verdana"/>
+                <a:sym typeface="Verdana"/>
+              </a:rPr>
+              <a:t>Type statements or expressions at prompt:</a:t>
+            </a:r>
+            <a:endParaRPr dirty="0"/>
+          </a:p>
+          <a:p>
+            <a:pPr marL="1143000" lvl="2" indent="-228600">
+              <a:spcBef>
+                <a:spcPts val="640"/>
+              </a:spcBef>
+              <a:buSzPts val="1600"/>
+              <a:buNone/>
+            </a:pPr>
+            <a:r>
+              <a:rPr lang="en-US" dirty="0">
+                <a:latin typeface="Verdana"/>
+                <a:ea typeface="Verdana"/>
+                <a:cs typeface="Verdana"/>
+                <a:sym typeface="Verdana"/>
+              </a:rPr>
+              <a:t>&gt;&gt;&gt; print "Hello, world"</a:t>
+            </a:r>
+            <a:endParaRPr dirty="0"/>
+          </a:p>
+          <a:p>
+            <a:pPr marL="1143000" lvl="2" indent="-228600">
+              <a:spcBef>
+                <a:spcPts val="640"/>
+              </a:spcBef>
+              <a:buSzPts val="1600"/>
+              <a:buNone/>
+            </a:pPr>
+            <a:r>
+              <a:rPr lang="en-US" dirty="0">
+                <a:latin typeface="Verdana"/>
+                <a:ea typeface="Verdana"/>
+                <a:cs typeface="Verdana"/>
+                <a:sym typeface="Verdana"/>
+              </a:rPr>
+              <a:t>Hello, world</a:t>
+            </a:r>
+            <a:endParaRPr dirty="0"/>
+          </a:p>
+          <a:p>
+            <a:pPr marL="1143000" lvl="2" indent="-228600">
+              <a:spcBef>
+                <a:spcPts val="640"/>
+              </a:spcBef>
+              <a:buSzPts val="1600"/>
+              <a:buNone/>
+            </a:pPr>
+            <a:r>
+              <a:rPr lang="en-US" dirty="0">
+                <a:latin typeface="Verdana"/>
+                <a:ea typeface="Verdana"/>
+                <a:cs typeface="Verdana"/>
+                <a:sym typeface="Verdana"/>
+              </a:rPr>
+              <a:t>&gt;&gt;&gt; x = 12**2</a:t>
+            </a:r>
+            <a:endParaRPr dirty="0"/>
+          </a:p>
+          <a:p>
+            <a:pPr marL="1143000" lvl="2" indent="-228600">
+              <a:spcBef>
+                <a:spcPts val="640"/>
+              </a:spcBef>
+              <a:buSzPts val="1600"/>
+              <a:buNone/>
+            </a:pPr>
+            <a:r>
+              <a:rPr lang="en-US" dirty="0">
+                <a:latin typeface="Verdana"/>
+                <a:ea typeface="Verdana"/>
+                <a:cs typeface="Verdana"/>
+                <a:sym typeface="Verdana"/>
+              </a:rPr>
+              <a:t>&gt;&gt;&gt; x/2</a:t>
+            </a:r>
+            <a:endParaRPr dirty="0"/>
+          </a:p>
+          <a:p>
+            <a:pPr marL="1143000" lvl="2" indent="-228600">
+              <a:spcBef>
+                <a:spcPts val="640"/>
+              </a:spcBef>
+              <a:buSzPts val="1600"/>
+              <a:buNone/>
+            </a:pPr>
+            <a:r>
+              <a:rPr lang="en-US" dirty="0">
+                <a:latin typeface="Verdana"/>
+                <a:ea typeface="Verdana"/>
+                <a:cs typeface="Verdana"/>
+                <a:sym typeface="Verdana"/>
+              </a:rPr>
+              <a:t>72</a:t>
+            </a:r>
+            <a:endParaRPr dirty="0"/>
+          </a:p>
+          <a:p>
+            <a:pPr marL="1143000" lvl="2" indent="-228600">
+              <a:spcBef>
+                <a:spcPts val="640"/>
+              </a:spcBef>
+              <a:buSzPts val="1600"/>
+              <a:buNone/>
+            </a:pPr>
+            <a:r>
+              <a:rPr lang="en-US" dirty="0">
+                <a:latin typeface="Verdana"/>
+                <a:ea typeface="Verdana"/>
+                <a:cs typeface="Verdana"/>
+                <a:sym typeface="Verdana"/>
+              </a:rPr>
+              <a:t>&gt;&gt;&gt; # this is a comment</a:t>
+            </a:r>
+            <a:endParaRPr dirty="0"/>
+          </a:p>
+        </p:txBody>
+      </p:sp>
+    </p:spTree>
+  </p:cSld>
+  <p:clrMapOvr>
+    <a:masterClrMapping/>
+  </p:clrMapOvr>
+</p:sld>
+</file>
+
+<file path=ppt/slides/slide7.xml><?xml version="1.0" encoding="utf-8"?>
+<p:sld xmlns:a="http://schemas.openxmlformats.org/drawingml/2006/main" xmlns:r="http://schemas.openxmlformats.org/officeDocument/2006/relationships" xmlns:p="http://schemas.openxmlformats.org/presentationml/2006/main">
+  <p:cSld>
+    <p:spTree>
+      <p:nvGrpSpPr>
+        <p:cNvPr id="1" name="Shape 66"/>
+        <p:cNvGrpSpPr/>
+        <p:nvPr/>
+      </p:nvGrpSpPr>
+      <p:grpSpPr>
+        <a:xfrm>
+          <a:off x="0" y="0"/>
+          <a:ext cx="0" cy="0"/>
+          <a:chOff x="0" y="0"/>
+          <a:chExt cx="0" cy="0"/>
+        </a:xfrm>
+      </p:grpSpPr>
+      <p:sp>
+        <p:nvSpPr>
+          <p:cNvPr id="67" name="Google Shape;67;p6"/>
+          <p:cNvSpPr txBox="1">
+            <a:spLocks noGrp="1"/>
+          </p:cNvSpPr>
+          <p:nvPr>
+            <p:ph type="title"/>
+          </p:nvPr>
+        </p:nvSpPr>
+        <p:spPr>
+          <a:prstGeom prst="rect">
+            <a:avLst/>
+          </a:prstGeom>
+          <a:noFill/>
+          <a:ln>
+            <a:noFill/>
+          </a:ln>
+        </p:spPr>
+        <p:txBody>
+          <a:bodyPr spcFirstLastPara="1" vert="horz" wrap="square" lIns="91425" tIns="45700" rIns="91425" bIns="45700" rtlCol="0" anchor="ctr" anchorCtr="0">
+            <a:noAutofit/>
+          </a:bodyPr>
+          <a:lstStyle/>
+          <a:p>
+            <a:pPr>
+              <a:buClr>
+                <a:schemeClr val="dk1"/>
+              </a:buClr>
+              <a:buSzPts val="3200"/>
+            </a:pPr>
+            <a:r>
+              <a:rPr lang="en-US" sz="3200" b="1" dirty="0">
+                <a:solidFill>
+                  <a:schemeClr val="tx1"/>
+                </a:solidFill>
+                <a:latin typeface="Verdana"/>
+                <a:ea typeface="Verdana"/>
+                <a:cs typeface="Verdana"/>
+                <a:sym typeface="Verdana"/>
+              </a:rPr>
+              <a:t>Numbers</a:t>
+            </a:r>
+            <a:endParaRPr dirty="0">
+              <a:solidFill>
+                <a:schemeClr val="tx1"/>
+              </a:solidFill>
+            </a:endParaRPr>
+          </a:p>
+        </p:txBody>
+      </p:sp>
+      <p:sp>
+        <p:nvSpPr>
+          <p:cNvPr id="68" name="Google Shape;68;p6"/>
+          <p:cNvSpPr txBox="1">
+            <a:spLocks noGrp="1"/>
+          </p:cNvSpPr>
+          <p:nvPr>
+            <p:ph idx="1"/>
+          </p:nvPr>
+        </p:nvSpPr>
+        <p:spPr>
+          <a:prstGeom prst="rect">
+            <a:avLst/>
+          </a:prstGeom>
+          <a:noFill/>
+          <a:ln>
+            <a:noFill/>
+          </a:ln>
+        </p:spPr>
+        <p:txBody>
+          <a:bodyPr spcFirstLastPara="1" vert="horz" wrap="square" lIns="91425" tIns="45700" rIns="91425" bIns="45700" rtlCol="0" anchor="t" anchorCtr="0">
+            <a:noAutofit/>
+          </a:bodyPr>
+          <a:lstStyle/>
+          <a:p>
+            <a:pPr marL="342900">
+              <a:spcBef>
+                <a:spcPts val="0"/>
+              </a:spcBef>
+              <a:buSzPts val="2000"/>
+              <a:buFont typeface="Verdana"/>
+              <a:buChar char="•"/>
+            </a:pPr>
+            <a:r>
+              <a:rPr lang="en-US" dirty="0">
+                <a:latin typeface="Verdana"/>
+                <a:ea typeface="Verdana"/>
+                <a:cs typeface="Verdana"/>
+                <a:sym typeface="Verdana"/>
+              </a:rPr>
+              <a:t>The usual suspects</a:t>
+            </a:r>
+            <a:endParaRPr dirty="0"/>
+          </a:p>
+          <a:p>
+            <a:pPr marL="1143000" lvl="2" indent="-228600">
+              <a:spcBef>
+                <a:spcPts val="640"/>
+              </a:spcBef>
+              <a:buSzPts val="1600"/>
+              <a:buFont typeface="Verdana"/>
+              <a:buChar char="•"/>
+            </a:pPr>
+            <a:r>
+              <a:rPr lang="en-US" dirty="0">
+                <a:latin typeface="Verdana"/>
+                <a:ea typeface="Verdana"/>
+                <a:cs typeface="Verdana"/>
+                <a:sym typeface="Verdana"/>
+              </a:rPr>
+              <a:t>12, 3.14, 0xFF, 0377, (-1+2)*3/4**5, abs(x), 0&lt;x&lt;=5</a:t>
+            </a:r>
+            <a:endParaRPr dirty="0"/>
+          </a:p>
+          <a:p>
+            <a:pPr marL="342900">
+              <a:spcBef>
+                <a:spcPts val="800"/>
+              </a:spcBef>
+              <a:buSzPts val="2000"/>
+              <a:buFont typeface="Verdana"/>
+              <a:buChar char="•"/>
+            </a:pPr>
+            <a:r>
+              <a:rPr lang="en-US" dirty="0">
+                <a:latin typeface="Verdana"/>
+                <a:ea typeface="Verdana"/>
+                <a:cs typeface="Verdana"/>
+                <a:sym typeface="Verdana"/>
+              </a:rPr>
+              <a:t>C-style shifting &amp; masking</a:t>
+            </a:r>
+            <a:endParaRPr dirty="0"/>
+          </a:p>
+          <a:p>
+            <a:pPr marL="1143000" lvl="2" indent="-228600">
+              <a:spcBef>
+                <a:spcPts val="640"/>
+              </a:spcBef>
+              <a:buSzPts val="1600"/>
+              <a:buFont typeface="Verdana"/>
+              <a:buChar char="•"/>
+            </a:pPr>
+            <a:r>
+              <a:rPr lang="en-US" dirty="0">
+                <a:latin typeface="Verdana"/>
+                <a:ea typeface="Verdana"/>
+                <a:cs typeface="Verdana"/>
+                <a:sym typeface="Verdana"/>
+              </a:rPr>
+              <a:t>1&lt;&lt;16, x&amp;0xff, x|1, ~x, </a:t>
+            </a:r>
+            <a:r>
+              <a:rPr lang="en-US" dirty="0" err="1">
+                <a:latin typeface="Verdana"/>
+                <a:ea typeface="Verdana"/>
+                <a:cs typeface="Verdana"/>
+                <a:sym typeface="Verdana"/>
+              </a:rPr>
+              <a:t>x^y</a:t>
+            </a:r>
+            <a:endParaRPr dirty="0"/>
+          </a:p>
+          <a:p>
+            <a:pPr marL="342900">
+              <a:spcBef>
+                <a:spcPts val="800"/>
+              </a:spcBef>
+              <a:buSzPts val="2000"/>
+              <a:buFont typeface="Verdana"/>
+              <a:buChar char="•"/>
+            </a:pPr>
+            <a:r>
+              <a:rPr lang="en-US" dirty="0">
+                <a:latin typeface="Verdana"/>
+                <a:ea typeface="Verdana"/>
+                <a:cs typeface="Verdana"/>
+                <a:sym typeface="Verdana"/>
+              </a:rPr>
+              <a:t>Integer division truncates :-(</a:t>
+            </a:r>
+            <a:endParaRPr dirty="0"/>
+          </a:p>
+          <a:p>
+            <a:pPr marL="1143000" lvl="2" indent="-228600">
+              <a:spcBef>
+                <a:spcPts val="640"/>
+              </a:spcBef>
+              <a:buSzPts val="1600"/>
+              <a:buFont typeface="Verdana"/>
+              <a:buChar char="•"/>
+            </a:pPr>
+            <a:r>
+              <a:rPr lang="en-US" dirty="0">
+                <a:latin typeface="Verdana"/>
+                <a:ea typeface="Verdana"/>
+                <a:cs typeface="Verdana"/>
+                <a:sym typeface="Verdana"/>
+              </a:rPr>
+              <a:t>1/2 -&gt; 0	# 1./2. -&gt; 0.5, float(1)/2 -&gt; 0.5</a:t>
+            </a:r>
+            <a:endParaRPr dirty="0"/>
+          </a:p>
+          <a:p>
+            <a:pPr marL="1143000" lvl="2" indent="-228600">
+              <a:spcBef>
+                <a:spcPts val="640"/>
+              </a:spcBef>
+              <a:buSzPts val="1600"/>
+              <a:buFont typeface="Verdana"/>
+              <a:buChar char="•"/>
+            </a:pPr>
+            <a:r>
+              <a:rPr lang="en-US" dirty="0">
+                <a:latin typeface="Verdana"/>
+                <a:ea typeface="Verdana"/>
+                <a:cs typeface="Verdana"/>
+                <a:sym typeface="Verdana"/>
+              </a:rPr>
+              <a:t>Will be fixed in the future</a:t>
+            </a:r>
+            <a:endParaRPr dirty="0"/>
+          </a:p>
+          <a:p>
+            <a:pPr marL="342900">
+              <a:spcBef>
+                <a:spcPts val="800"/>
+              </a:spcBef>
+              <a:buSzPts val="2000"/>
+              <a:buFont typeface="Verdana"/>
+              <a:buChar char="•"/>
+            </a:pPr>
+            <a:r>
+              <a:rPr lang="en-US" dirty="0">
+                <a:latin typeface="Verdana"/>
+                <a:ea typeface="Verdana"/>
+                <a:cs typeface="Verdana"/>
+                <a:sym typeface="Verdana"/>
+              </a:rPr>
+              <a:t>Long (arbitrary precision), complex</a:t>
+            </a:r>
+            <a:endParaRPr dirty="0"/>
+          </a:p>
+          <a:p>
+            <a:pPr marL="1143000" lvl="2" indent="-228600">
+              <a:spcBef>
+                <a:spcPts val="640"/>
+              </a:spcBef>
+              <a:buSzPts val="1600"/>
+              <a:buFont typeface="Verdana"/>
+              <a:buChar char="•"/>
+            </a:pPr>
+            <a:r>
+              <a:rPr lang="en-US" dirty="0">
+                <a:latin typeface="Verdana"/>
+                <a:ea typeface="Verdana"/>
+                <a:cs typeface="Verdana"/>
+                <a:sym typeface="Verdana"/>
+              </a:rPr>
+              <a:t>2L**100 -&gt; 1267650600228229401496703205376L</a:t>
+            </a:r>
+            <a:endParaRPr dirty="0"/>
+          </a:p>
+          <a:p>
+            <a:pPr marL="1600200" lvl="3" indent="-228600">
+              <a:spcBef>
+                <a:spcPts val="560"/>
+              </a:spcBef>
+              <a:buSzPts val="1400"/>
+              <a:buFont typeface="Verdana"/>
+              <a:buChar char="–"/>
+            </a:pPr>
+            <a:r>
+              <a:rPr lang="en-US" dirty="0">
+                <a:latin typeface="Verdana"/>
+                <a:ea typeface="Verdana"/>
+                <a:cs typeface="Verdana"/>
+                <a:sym typeface="Verdana"/>
+              </a:rPr>
+              <a:t>In Python 2.2 and beyond, 2**100 does the same thing</a:t>
+            </a:r>
+            <a:endParaRPr dirty="0"/>
+          </a:p>
+          <a:p>
+            <a:pPr marL="1143000" lvl="2" indent="-228600">
+              <a:spcBef>
+                <a:spcPts val="640"/>
+              </a:spcBef>
+              <a:buSzPts val="1600"/>
+              <a:buFont typeface="Verdana"/>
+              <a:buChar char="•"/>
+            </a:pPr>
+            <a:r>
+              <a:rPr lang="en-US" dirty="0">
+                <a:latin typeface="Verdana"/>
+                <a:ea typeface="Verdana"/>
+                <a:cs typeface="Verdana"/>
+                <a:sym typeface="Verdana"/>
+              </a:rPr>
+              <a:t>1j**2 -&gt; (-1+0j)</a:t>
+            </a:r>
+            <a:endParaRPr dirty="0"/>
+          </a:p>
+        </p:txBody>
+      </p:sp>
+    </p:spTree>
+  </p:cSld>
+  <p:clrMapOvr>
+    <a:masterClrMapping/>
+  </p:clrMapOvr>
+</p:sld>
+</file>
+
+<file path=ppt/slides/slide8.xml><?xml version="1.0" encoding="utf-8"?>
+<p:sld xmlns:a="http://schemas.openxmlformats.org/drawingml/2006/main" xmlns:r="http://schemas.openxmlformats.org/officeDocument/2006/relationships" xmlns:p="http://schemas.openxmlformats.org/presentationml/2006/main">
+  <p:cSld>
+    <p:spTree>
+      <p:nvGrpSpPr>
+        <p:cNvPr id="1" name="Shape 72"/>
+        <p:cNvGrpSpPr/>
+        <p:nvPr/>
+      </p:nvGrpSpPr>
+      <p:grpSpPr>
+        <a:xfrm>
+          <a:off x="0" y="0"/>
+          <a:ext cx="0" cy="0"/>
+          <a:chOff x="0" y="0"/>
+          <a:chExt cx="0" cy="0"/>
+        </a:xfrm>
+      </p:grpSpPr>
+      <p:sp>
+        <p:nvSpPr>
+          <p:cNvPr id="73" name="Google Shape;73;p7"/>
+          <p:cNvSpPr txBox="1">
+            <a:spLocks noGrp="1"/>
+          </p:cNvSpPr>
+          <p:nvPr>
+            <p:ph type="title"/>
+          </p:nvPr>
+        </p:nvSpPr>
+        <p:spPr>
+          <a:prstGeom prst="rect">
+            <a:avLst/>
+          </a:prstGeom>
+          <a:noFill/>
+          <a:ln>
+            <a:noFill/>
+          </a:ln>
+        </p:spPr>
+        <p:txBody>
+          <a:bodyPr spcFirstLastPara="1" vert="horz" wrap="square" lIns="91425" tIns="45700" rIns="91425" bIns="45700" rtlCol="0" anchor="ctr" anchorCtr="0">
+            <a:noAutofit/>
+          </a:bodyPr>
+          <a:lstStyle/>
+          <a:p>
+            <a:pPr>
+              <a:buClr>
+                <a:schemeClr val="dk1"/>
+              </a:buClr>
+              <a:buSzPts val="3200"/>
+            </a:pPr>
+            <a:r>
+              <a:rPr lang="en-US" sz="3200" b="1" dirty="0">
+                <a:solidFill>
+                  <a:schemeClr val="tx1"/>
+                </a:solidFill>
+                <a:latin typeface="Verdana"/>
+                <a:ea typeface="Verdana"/>
+                <a:cs typeface="Verdana"/>
+                <a:sym typeface="Verdana"/>
+              </a:rPr>
+              <a:t>Strings</a:t>
+            </a:r>
+            <a:endParaRPr dirty="0">
+              <a:solidFill>
+                <a:schemeClr val="tx1"/>
+              </a:solidFill>
+            </a:endParaRPr>
+          </a:p>
+        </p:txBody>
+      </p:sp>
+      <p:sp>
+        <p:nvSpPr>
+          <p:cNvPr id="74" name="Google Shape;74;p7"/>
+          <p:cNvSpPr txBox="1">
+            <a:spLocks noGrp="1"/>
+          </p:cNvSpPr>
+          <p:nvPr>
+            <p:ph idx="1"/>
+          </p:nvPr>
+        </p:nvSpPr>
+        <p:spPr>
+          <a:prstGeom prst="rect">
+            <a:avLst/>
+          </a:prstGeom>
+          <a:noFill/>
+          <a:ln>
+            <a:noFill/>
+          </a:ln>
+        </p:spPr>
+        <p:txBody>
+          <a:bodyPr spcFirstLastPara="1" vert="horz" wrap="square" lIns="91425" tIns="45700" rIns="91425" bIns="45700" rtlCol="0" anchor="t" anchorCtr="0">
+            <a:noAutofit/>
+          </a:bodyPr>
+          <a:lstStyle/>
+          <a:p>
+            <a:pPr marL="1143000" lvl="2" indent="-228600">
+              <a:spcBef>
+                <a:spcPts val="0"/>
+              </a:spcBef>
+              <a:buFont typeface="Verdana"/>
+              <a:buChar char="•"/>
+            </a:pPr>
+            <a:r>
+              <a:rPr lang="en-US" sz="1800" dirty="0">
+                <a:latin typeface="Verdana"/>
+                <a:ea typeface="Verdana"/>
+                <a:cs typeface="Verdana"/>
+                <a:sym typeface="Verdana"/>
+              </a:rPr>
+              <a:t>"</a:t>
+            </a:r>
+            <a:r>
+              <a:rPr lang="en-US" sz="1800" dirty="0" err="1">
+                <a:latin typeface="Verdana"/>
+                <a:ea typeface="Verdana"/>
+                <a:cs typeface="Verdana"/>
+                <a:sym typeface="Verdana"/>
+              </a:rPr>
+              <a:t>hello"+"world</a:t>
+            </a:r>
+            <a:r>
+              <a:rPr lang="en-US" sz="1800" dirty="0">
+                <a:latin typeface="Verdana"/>
+                <a:ea typeface="Verdana"/>
+                <a:cs typeface="Verdana"/>
+                <a:sym typeface="Verdana"/>
+              </a:rPr>
+              <a:t>"	"</a:t>
+            </a:r>
+            <a:r>
+              <a:rPr lang="en-US" sz="1800" dirty="0" err="1">
+                <a:latin typeface="Verdana"/>
+                <a:ea typeface="Verdana"/>
+                <a:cs typeface="Verdana"/>
+                <a:sym typeface="Verdana"/>
+              </a:rPr>
+              <a:t>helloworld</a:t>
+            </a:r>
+            <a:r>
+              <a:rPr lang="en-US" sz="1800" dirty="0">
+                <a:latin typeface="Verdana"/>
+                <a:ea typeface="Verdana"/>
+                <a:cs typeface="Verdana"/>
+                <a:sym typeface="Verdana"/>
+              </a:rPr>
+              <a:t>"	# concatenation</a:t>
+            </a:r>
+            <a:endParaRPr dirty="0"/>
+          </a:p>
+          <a:p>
+            <a:pPr marL="1143000" lvl="2" indent="-228600">
+              <a:buFont typeface="Verdana"/>
+              <a:buChar char="•"/>
+            </a:pPr>
+            <a:r>
+              <a:rPr lang="en-US" sz="1800" dirty="0">
+                <a:latin typeface="Verdana"/>
+                <a:ea typeface="Verdana"/>
+                <a:cs typeface="Verdana"/>
+                <a:sym typeface="Verdana"/>
+              </a:rPr>
+              <a:t>"hello"*3		"</a:t>
+            </a:r>
+            <a:r>
+              <a:rPr lang="en-US" sz="1800" dirty="0" err="1">
+                <a:latin typeface="Verdana"/>
+                <a:ea typeface="Verdana"/>
+                <a:cs typeface="Verdana"/>
+                <a:sym typeface="Verdana"/>
+              </a:rPr>
+              <a:t>hellohellohello</a:t>
+            </a:r>
+            <a:r>
+              <a:rPr lang="en-US" sz="1800" dirty="0">
+                <a:latin typeface="Verdana"/>
+                <a:ea typeface="Verdana"/>
+                <a:cs typeface="Verdana"/>
+                <a:sym typeface="Verdana"/>
+              </a:rPr>
+              <a:t>" # repetition</a:t>
+            </a:r>
+            <a:endParaRPr dirty="0"/>
+          </a:p>
+          <a:p>
+            <a:pPr marL="1143000" lvl="2" indent="-228600">
+              <a:buFont typeface="Verdana"/>
+              <a:buChar char="•"/>
+            </a:pPr>
+            <a:r>
+              <a:rPr lang="en-US" sz="1800" dirty="0">
+                <a:latin typeface="Verdana"/>
+                <a:ea typeface="Verdana"/>
+                <a:cs typeface="Verdana"/>
+                <a:sym typeface="Verdana"/>
+              </a:rPr>
+              <a:t>"hello"[0]		"h"		# indexing</a:t>
+            </a:r>
+            <a:endParaRPr dirty="0"/>
+          </a:p>
+          <a:p>
+            <a:pPr marL="1143000" lvl="2" indent="-228600">
+              <a:buFont typeface="Verdana"/>
+              <a:buChar char="•"/>
+            </a:pPr>
+            <a:r>
+              <a:rPr lang="en-US" sz="1800" dirty="0">
+                <a:latin typeface="Verdana"/>
+                <a:ea typeface="Verdana"/>
+                <a:cs typeface="Verdana"/>
+                <a:sym typeface="Verdana"/>
+              </a:rPr>
+              <a:t>"hello"[-1]		"o"		# (from end)</a:t>
+            </a:r>
+            <a:endParaRPr dirty="0"/>
+          </a:p>
+          <a:p>
+            <a:pPr marL="1143000" lvl="2" indent="-228600">
+              <a:buFont typeface="Verdana"/>
+              <a:buChar char="•"/>
+            </a:pPr>
+            <a:r>
+              <a:rPr lang="en-US" sz="1800" dirty="0">
+                <a:latin typeface="Verdana"/>
+                <a:ea typeface="Verdana"/>
+                <a:cs typeface="Verdana"/>
+                <a:sym typeface="Verdana"/>
+              </a:rPr>
+              <a:t>"hello"[1:4]		"ell"		# slicing</a:t>
+            </a:r>
+            <a:endParaRPr dirty="0"/>
+          </a:p>
+          <a:p>
+            <a:pPr marL="1143000" lvl="2" indent="-228600">
+              <a:buFont typeface="Verdana"/>
+              <a:buChar char="•"/>
+            </a:pPr>
+            <a:r>
+              <a:rPr lang="en-US" sz="1800" dirty="0" err="1">
+                <a:latin typeface="Verdana"/>
+                <a:ea typeface="Verdana"/>
+                <a:cs typeface="Verdana"/>
+                <a:sym typeface="Verdana"/>
+              </a:rPr>
+              <a:t>len</a:t>
+            </a:r>
+            <a:r>
+              <a:rPr lang="en-US" sz="1800" dirty="0">
+                <a:latin typeface="Verdana"/>
+                <a:ea typeface="Verdana"/>
+                <a:cs typeface="Verdana"/>
+                <a:sym typeface="Verdana"/>
+              </a:rPr>
+              <a:t>("hello")		5		# size</a:t>
+            </a:r>
+            <a:endParaRPr dirty="0"/>
+          </a:p>
+          <a:p>
+            <a:pPr marL="1143000" lvl="2" indent="-228600">
+              <a:buFont typeface="Verdana"/>
+              <a:buChar char="•"/>
+            </a:pPr>
+            <a:r>
+              <a:rPr lang="en-US" sz="1800" dirty="0">
+                <a:latin typeface="Verdana"/>
+                <a:ea typeface="Verdana"/>
+                <a:cs typeface="Verdana"/>
+                <a:sym typeface="Verdana"/>
+              </a:rPr>
+              <a:t>"hello" &lt; "</a:t>
+            </a:r>
+            <a:r>
+              <a:rPr lang="en-US" sz="1800" dirty="0" err="1">
+                <a:latin typeface="Verdana"/>
+                <a:ea typeface="Verdana"/>
+                <a:cs typeface="Verdana"/>
+                <a:sym typeface="Verdana"/>
+              </a:rPr>
+              <a:t>jello</a:t>
+            </a:r>
+            <a:r>
+              <a:rPr lang="en-US" sz="1800" dirty="0">
+                <a:latin typeface="Verdana"/>
+                <a:ea typeface="Verdana"/>
+                <a:cs typeface="Verdana"/>
+                <a:sym typeface="Verdana"/>
+              </a:rPr>
+              <a:t>"	1		# comparison</a:t>
+            </a:r>
+            <a:endParaRPr dirty="0"/>
+          </a:p>
+          <a:p>
+            <a:pPr marL="1143000" lvl="2" indent="-228600">
+              <a:buFont typeface="Verdana"/>
+              <a:buChar char="•"/>
+            </a:pPr>
+            <a:r>
+              <a:rPr lang="en-US" sz="1800" dirty="0">
+                <a:latin typeface="Verdana"/>
+                <a:ea typeface="Verdana"/>
+                <a:cs typeface="Verdana"/>
+                <a:sym typeface="Verdana"/>
+              </a:rPr>
+              <a:t>"e" in "hello"		1		# search</a:t>
+            </a:r>
+            <a:endParaRPr dirty="0"/>
+          </a:p>
+          <a:p>
+            <a:pPr marL="1143000" lvl="2" indent="-228600">
+              <a:buFont typeface="Verdana"/>
+              <a:buChar char="•"/>
+            </a:pPr>
+            <a:r>
+              <a:rPr lang="en-US" sz="1800" dirty="0">
+                <a:latin typeface="Verdana"/>
+                <a:ea typeface="Verdana"/>
+                <a:cs typeface="Verdana"/>
+                <a:sym typeface="Verdana"/>
+              </a:rPr>
+              <a:t>"escapes: \n </a:t>
+            </a:r>
+            <a:r>
+              <a:rPr lang="en-US" sz="1800" dirty="0" err="1">
+                <a:latin typeface="Verdana"/>
+                <a:ea typeface="Verdana"/>
+                <a:cs typeface="Verdana"/>
+                <a:sym typeface="Verdana"/>
+              </a:rPr>
+              <a:t>etc</a:t>
+            </a:r>
+            <a:r>
+              <a:rPr lang="en-US" sz="1800" dirty="0">
+                <a:latin typeface="Verdana"/>
+                <a:ea typeface="Verdana"/>
+                <a:cs typeface="Verdana"/>
+                <a:sym typeface="Verdana"/>
+              </a:rPr>
+              <a:t>, \033 </a:t>
+            </a:r>
+            <a:r>
+              <a:rPr lang="en-US" sz="1800" dirty="0" err="1">
+                <a:latin typeface="Verdana"/>
+                <a:ea typeface="Verdana"/>
+                <a:cs typeface="Verdana"/>
+                <a:sym typeface="Verdana"/>
+              </a:rPr>
+              <a:t>etc</a:t>
+            </a:r>
+            <a:r>
+              <a:rPr lang="en-US" sz="1800" dirty="0">
+                <a:latin typeface="Verdana"/>
+                <a:ea typeface="Verdana"/>
+                <a:cs typeface="Verdana"/>
+                <a:sym typeface="Verdana"/>
+              </a:rPr>
+              <a:t>, \if </a:t>
+            </a:r>
+            <a:r>
+              <a:rPr lang="en-US" sz="1800" dirty="0" err="1">
+                <a:latin typeface="Verdana"/>
+                <a:ea typeface="Verdana"/>
+                <a:cs typeface="Verdana"/>
+                <a:sym typeface="Verdana"/>
+              </a:rPr>
+              <a:t>etc</a:t>
+            </a:r>
+            <a:r>
+              <a:rPr lang="en-US" sz="1800" dirty="0">
+                <a:latin typeface="Verdana"/>
+                <a:ea typeface="Verdana"/>
+                <a:cs typeface="Verdana"/>
+                <a:sym typeface="Verdana"/>
+              </a:rPr>
+              <a:t>"</a:t>
+            </a:r>
+            <a:endParaRPr dirty="0"/>
+          </a:p>
+          <a:p>
+            <a:pPr marL="1143000" lvl="2" indent="-228600">
+              <a:buFont typeface="Verdana"/>
+              <a:buChar char="•"/>
+            </a:pPr>
+            <a:r>
+              <a:rPr lang="en-US" sz="1800" dirty="0">
+                <a:latin typeface="Verdana"/>
+                <a:ea typeface="Verdana"/>
+                <a:cs typeface="Verdana"/>
+                <a:sym typeface="Verdana"/>
+              </a:rPr>
+              <a:t>'single quotes'  """triple quotes"""  </a:t>
+            </a:r>
+            <a:r>
+              <a:rPr lang="en-US" sz="1800" dirty="0" err="1">
+                <a:latin typeface="Verdana"/>
+                <a:ea typeface="Verdana"/>
+                <a:cs typeface="Verdana"/>
+                <a:sym typeface="Verdana"/>
+              </a:rPr>
+              <a:t>r"raw</a:t>
+            </a:r>
+            <a:r>
+              <a:rPr lang="en-US" sz="1800" dirty="0">
+                <a:latin typeface="Verdana"/>
+                <a:ea typeface="Verdana"/>
+                <a:cs typeface="Verdana"/>
+                <a:sym typeface="Verdana"/>
+              </a:rPr>
+              <a:t> strings"</a:t>
+            </a:r>
+            <a:endParaRPr dirty="0"/>
+          </a:p>
+        </p:txBody>
+      </p:sp>
+    </p:spTree>
+  </p:cSld>
+  <p:clrMapOvr>
+    <a:masterClrMapping/>
+  </p:clrMapOvr>
+</p:sld>
+</file>
+
+<file path=ppt/slides/slide9.xml><?xml version="1.0" encoding="utf-8"?>
+<p:sld xmlns:a="http://schemas.openxmlformats.org/drawingml/2006/main" xmlns:r="http://schemas.openxmlformats.org/officeDocument/2006/relationships" xmlns:p="http://schemas.openxmlformats.org/presentationml/2006/main">
+  <p:cSld>
+    <p:spTree>
+      <p:nvGrpSpPr>
+        <p:cNvPr id="1" name="Shape 78"/>
+        <p:cNvGrpSpPr/>
+        <p:nvPr/>
+      </p:nvGrpSpPr>
+      <p:grpSpPr>
+        <a:xfrm>
+          <a:off x="0" y="0"/>
+          <a:ext cx="0" cy="0"/>
+          <a:chOff x="0" y="0"/>
+          <a:chExt cx="0" cy="0"/>
+        </a:xfrm>
+      </p:grpSpPr>
+      <p:sp>
+        <p:nvSpPr>
+          <p:cNvPr id="79" name="Google Shape;79;p8"/>
+          <p:cNvSpPr txBox="1">
+            <a:spLocks noGrp="1"/>
+          </p:cNvSpPr>
+          <p:nvPr>
+            <p:ph type="title"/>
+          </p:nvPr>
+        </p:nvSpPr>
+        <p:spPr>
+          <a:prstGeom prst="rect">
+            <a:avLst/>
+          </a:prstGeom>
+          <a:noFill/>
+          <a:ln>
+            <a:noFill/>
+          </a:ln>
+        </p:spPr>
+        <p:txBody>
+          <a:bodyPr spcFirstLastPara="1" vert="horz" wrap="square" lIns="91425" tIns="45700" rIns="91425" bIns="45700" rtlCol="0" anchor="ctr" anchorCtr="0">
+            <a:noAutofit/>
+          </a:bodyPr>
+          <a:lstStyle/>
+          <a:p>
+            <a:pPr>
+              <a:buClr>
+                <a:schemeClr val="dk1"/>
+              </a:buClr>
+              <a:buSzPts val="3200"/>
+            </a:pPr>
+            <a:r>
+              <a:rPr lang="en-US" sz="3200" b="1" dirty="0">
+                <a:solidFill>
+                  <a:schemeClr val="tx1"/>
+                </a:solidFill>
+                <a:latin typeface="Verdana"/>
+                <a:ea typeface="Verdana"/>
+                <a:cs typeface="Verdana"/>
+                <a:sym typeface="Verdana"/>
+              </a:rPr>
+              <a:t>Lists</a:t>
+            </a:r>
+            <a:endParaRPr dirty="0">
+              <a:solidFill>
+                <a:schemeClr val="tx1"/>
+              </a:solidFill>
+            </a:endParaRPr>
+          </a:p>
+        </p:txBody>
+      </p:sp>
+      <p:sp>
+        <p:nvSpPr>
+          <p:cNvPr id="80" name="Google Shape;80;p8"/>
+          <p:cNvSpPr txBox="1">
+            <a:spLocks noGrp="1"/>
+          </p:cNvSpPr>
+          <p:nvPr>
+            <p:ph idx="1"/>
+          </p:nvPr>
+        </p:nvSpPr>
+        <p:spPr>
+          <a:prstGeom prst="rect">
+            <a:avLst/>
+          </a:prstGeom>
+          <a:noFill/>
+          <a:ln>
+            <a:noFill/>
+          </a:ln>
+        </p:spPr>
+        <p:txBody>
+          <a:bodyPr spcFirstLastPara="1" vert="horz" wrap="square" lIns="91425" tIns="45700" rIns="91425" bIns="45700" rtlCol="0" anchor="t" anchorCtr="0">
+            <a:noAutofit/>
+          </a:bodyPr>
+          <a:lstStyle/>
+          <a:p>
+            <a:pPr marL="342900">
+              <a:spcBef>
+                <a:spcPts val="0"/>
+              </a:spcBef>
+              <a:buSzPts val="2400"/>
+              <a:buFont typeface="Verdana"/>
+              <a:buChar char="•"/>
+            </a:pPr>
+            <a:r>
+              <a:rPr lang="en-US" sz="2400" dirty="0">
+                <a:latin typeface="Verdana"/>
+                <a:ea typeface="Verdana"/>
+                <a:cs typeface="Verdana"/>
+                <a:sym typeface="Verdana"/>
+              </a:rPr>
+              <a:t>Flexible arrays, </a:t>
+            </a:r>
+            <a:r>
+              <a:rPr lang="en-US" sz="2400" i="1" dirty="0">
+                <a:latin typeface="Verdana"/>
+                <a:ea typeface="Verdana"/>
+                <a:cs typeface="Verdana"/>
+                <a:sym typeface="Verdana"/>
+              </a:rPr>
+              <a:t>not</a:t>
+            </a:r>
+            <a:r>
+              <a:rPr lang="en-US" sz="2400" dirty="0">
+                <a:latin typeface="Verdana"/>
+                <a:ea typeface="Verdana"/>
+                <a:cs typeface="Verdana"/>
+                <a:sym typeface="Verdana"/>
+              </a:rPr>
+              <a:t> Lisp-like linked lists</a:t>
+            </a:r>
+            <a:endParaRPr dirty="0"/>
+          </a:p>
+          <a:p>
+            <a:pPr marL="1143000" lvl="2" indent="-228600">
+              <a:buFont typeface="Verdana"/>
+              <a:buChar char="•"/>
+            </a:pPr>
+            <a:r>
+              <a:rPr lang="en-US" sz="1800" dirty="0">
+                <a:latin typeface="Verdana"/>
+                <a:ea typeface="Verdana"/>
+                <a:cs typeface="Verdana"/>
+                <a:sym typeface="Verdana"/>
+              </a:rPr>
+              <a:t>a = [99, "bottles of beer", ["on", "the", "wall"]]</a:t>
+            </a:r>
+            <a:endParaRPr dirty="0"/>
+          </a:p>
+          <a:p>
+            <a:pPr marL="342900">
+              <a:spcBef>
+                <a:spcPts val="960"/>
+              </a:spcBef>
+              <a:buSzPts val="2400"/>
+              <a:buFont typeface="Verdana"/>
+              <a:buChar char="•"/>
+            </a:pPr>
+            <a:r>
+              <a:rPr lang="en-US" sz="2400" dirty="0">
+                <a:latin typeface="Verdana"/>
+                <a:ea typeface="Verdana"/>
+                <a:cs typeface="Verdana"/>
+                <a:sym typeface="Verdana"/>
+              </a:rPr>
+              <a:t>Same operators as for strings</a:t>
+            </a:r>
+            <a:endParaRPr dirty="0"/>
+          </a:p>
+          <a:p>
+            <a:pPr marL="1143000" lvl="2" indent="-228600">
+              <a:buFont typeface="Verdana"/>
+              <a:buChar char="•"/>
+            </a:pPr>
+            <a:r>
+              <a:rPr lang="en-US" sz="1800" dirty="0" err="1">
+                <a:latin typeface="Verdana"/>
+                <a:ea typeface="Verdana"/>
+                <a:cs typeface="Verdana"/>
+                <a:sym typeface="Verdana"/>
+              </a:rPr>
+              <a:t>a+b</a:t>
+            </a:r>
+            <a:r>
+              <a:rPr lang="en-US" sz="1800" dirty="0">
+                <a:latin typeface="Verdana"/>
+                <a:ea typeface="Verdana"/>
+                <a:cs typeface="Verdana"/>
+                <a:sym typeface="Verdana"/>
+              </a:rPr>
+              <a:t>, a*3, a[0], a[-1], a[1, le</a:t>
+            </a:r>
             <a:r>
               <a:rPr lang="en-US" dirty="0"/>
-              <a:t>Sort Algorithms in Python</a:t>
-            </a:r>
-          </a:p>
-        </p:txBody>
-      </p:sp>
-      <p:sp>
-        <p:nvSpPr>
-          <p:cNvPr id="3" name="Content Placeholder 2">
-            <a:extLst>
-              <a:ext uri="{FF2B5EF4-FFF2-40B4-BE49-F238E27FC236}">
-                <a16:creationId xmlns:a16="http://schemas.microsoft.com/office/drawing/2014/main" id="{AC86DE11-A3E6-B441-AC57-E7D1C24270DD}"/>
-              </a:ext>
-            </a:extLst>
-          </p:cNvPr>
-          <p:cNvSpPr>
-            <a:spLocks noGrp="1"/>
-          </p:cNvSpPr>
-          <p:nvPr>
-            <p:ph idx="1"/>
-          </p:nvPr>
-        </p:nvSpPr>
-        <p:spPr/>
-        <p:txBody>
-          <a:bodyPr/>
-          <a:lstStyle/>
-          <a:p>
-            <a:r>
-              <a:rPr lang="en-US" dirty="0"/>
-              <a:t>Selection Sort</a:t>
-            </a:r>
-          </a:p>
-          <a:p>
-            <a:r>
-              <a:rPr lang="en-US" dirty="0"/>
-              <a:t>Bubble Sort</a:t>
-            </a:r>
-          </a:p>
-          <a:p>
-            <a:r>
-              <a:rPr lang="en-US" dirty="0"/>
-              <a:t>Insertion Sort</a:t>
-            </a:r>
-          </a:p>
-          <a:p>
-            <a:r>
-              <a:rPr lang="en-US" dirty="0"/>
-              <a:t>Shell Sort</a:t>
-            </a:r>
-          </a:p>
-          <a:p>
-            <a:r>
-              <a:rPr lang="en-US" dirty="0"/>
-              <a:t>Quick Sort</a:t>
-            </a:r>
-          </a:p>
-          <a:p>
-            <a:r>
-              <a:rPr lang="en-US" dirty="0"/>
-              <a:t>Merge Sort</a:t>
-            </a:r>
+              <a:t>:]</a:t>
+            </a:r>
+            <a:r>
+              <a:rPr lang="en-US" sz="1800" dirty="0">
+                <a:latin typeface="Verdana"/>
+                <a:ea typeface="Verdana"/>
+                <a:cs typeface="Verdana"/>
+                <a:sym typeface="Verdana"/>
+              </a:rPr>
+              <a:t>n(a)</a:t>
+            </a:r>
+            <a:endParaRPr dirty="0"/>
+          </a:p>
+          <a:p>
+            <a:pPr marL="342900">
+              <a:spcBef>
+                <a:spcPts val="960"/>
+              </a:spcBef>
+              <a:buSzPts val="2400"/>
+              <a:buFont typeface="Verdana"/>
+              <a:buChar char="•"/>
+            </a:pPr>
+            <a:r>
+              <a:rPr lang="en-US" sz="2400" dirty="0">
+                <a:latin typeface="Verdana"/>
+                <a:ea typeface="Verdana"/>
+                <a:cs typeface="Verdana"/>
+                <a:sym typeface="Verdana"/>
+              </a:rPr>
+              <a:t>Item and slice assignment</a:t>
+            </a:r>
+            <a:endParaRPr dirty="0"/>
+          </a:p>
+          <a:p>
+            <a:pPr marL="1143000" lvl="2" indent="-228600">
+              <a:buFont typeface="Verdana"/>
+              <a:buChar char="•"/>
+            </a:pPr>
+            <a:r>
+              <a:rPr lang="en-US" sz="1800" dirty="0">
+                <a:latin typeface="Verdana"/>
+                <a:ea typeface="Verdana"/>
+                <a:cs typeface="Verdana"/>
+                <a:sym typeface="Verdana"/>
+              </a:rPr>
+              <a:t>a[0] = 98</a:t>
+            </a:r>
+            <a:endParaRPr dirty="0"/>
+          </a:p>
+          <a:p>
+            <a:pPr marL="1143000" lvl="2" indent="-228600">
+              <a:buFont typeface="Verdana"/>
+              <a:buChar char="•"/>
+            </a:pPr>
+            <a:r>
+              <a:rPr lang="en-US" sz="1800" dirty="0">
+                <a:latin typeface="Verdana"/>
+                <a:ea typeface="Verdana"/>
+                <a:cs typeface="Verdana"/>
+                <a:sym typeface="Verdana"/>
+              </a:rPr>
+              <a:t>a[1:2] = ["bottles", "of", "beer"]</a:t>
+            </a:r>
+            <a:endParaRPr dirty="0"/>
+          </a:p>
+          <a:p>
+            <a:pPr marL="1600200" lvl="3" indent="-228600">
+              <a:spcBef>
+                <a:spcPts val="640"/>
+              </a:spcBef>
+              <a:buSzPts val="1600"/>
+              <a:buNone/>
+            </a:pPr>
+            <a:r>
+              <a:rPr lang="en-US" sz="1600" dirty="0">
+                <a:latin typeface="Verdana"/>
+                <a:ea typeface="Verdana"/>
+                <a:cs typeface="Verdana"/>
+                <a:sym typeface="Verdana"/>
+              </a:rPr>
+              <a:t>-&gt; [98, "bottles", "of", "beer", ["on", "the", "wall"]]</a:t>
+            </a:r>
+            <a:endParaRPr dirty="0"/>
+          </a:p>
+          <a:p>
+            <a:pPr marL="1143000" lvl="2" indent="-228600">
+              <a:buFont typeface="Verdana"/>
+              <a:buChar char="•"/>
+            </a:pPr>
+            <a:r>
+              <a:rPr lang="en-US" sz="1800" dirty="0">
+                <a:latin typeface="Verdana"/>
+                <a:ea typeface="Verdana"/>
+                <a:cs typeface="Verdana"/>
+                <a:sym typeface="Verdana"/>
+              </a:rPr>
+              <a:t>del a[-1]	# -&gt; [98, "bottles", "of", "beer"]</a:t>
+            </a:r>
+            <a:endParaRPr dirty="0"/>
           </a:p>
         </p:txBody>
       </p:sp>
     </p:spTree>
-    <p:extLst>
-      <p:ext uri="{BB962C8B-B14F-4D97-AF65-F5344CB8AC3E}">
-        <p14:creationId xmlns:p14="http://schemas.microsoft.com/office/powerpoint/2010/main" val="241947415"/>
-      </p:ext>
-    </p:extLst>
   </p:cSld>
   <p:clrMapOvr>
     <a:masterClrMapping/>
@@ -7599,4 +16722,299 @@
     </a:ext>
   </a:extLst>
 </a:theme>
+</file>
+
+<file path=ppt/theme/theme2.xml><?xml version="1.0" encoding="utf-8"?>
+<a:theme xmlns:a="http://schemas.openxmlformats.org/drawingml/2006/main" name="Office Theme">
+  <a:themeElements>
+    <a:clrScheme name="Office">
+      <a:dk1>
+        <a:sysClr val="windowText" lastClr="000000"/>
+      </a:dk1>
+      <a:lt1>
+        <a:sysClr val="window" lastClr="FFFFFF"/>
+      </a:lt1>
+      <a:dk2>
+        <a:srgbClr val="44546A"/>
+      </a:dk2>
+      <a:lt2>
+        <a:srgbClr val="E7E6E6"/>
+      </a:lt2>
+      <a:accent1>
+        <a:srgbClr val="4472C4"/>
+      </a:accent1>
+      <a:accent2>
+        <a:srgbClr val="ED7D31"/>
+      </a:accent2>
+      <a:accent3>
+        <a:srgbClr val="A5A5A5"/>
+      </a:accent3>
+      <a:accent4>
+        <a:srgbClr val="FFC000"/>
+      </a:accent4>
+      <a:accent5>
+        <a:srgbClr val="5B9BD5"/>
+      </a:accent5>
+      <a:accent6>
+        <a:srgbClr val="70AD47"/>
+      </a:accent6>
+      <a:hlink>
+        <a:srgbClr val="0563C1"/>
+      </a:hlink>
+      <a:folHlink>
+        <a:srgbClr val="954F72"/>
+      </a:folHlink>
+    </a:clrScheme>
+    <a:fontScheme name="Office">
+      <a:majorFont>
+        <a:latin typeface="Calibri Light" panose="020F0302020204030204"/>
+        <a:ea typeface=""/>
+        <a:cs typeface=""/>
+        <a:font script="Jpan" typeface="游ゴシック Light"/>
+        <a:font script="Hang" typeface="맑은 고딕"/>
+        <a:font script="Hans" typeface="等线 Light"/>
+        <a:font script="Hant" typeface="新細明體"/>
+        <a:font script="Arab" typeface="Times New Roman"/>
+        <a:font script="Hebr" typeface="Times New Roman"/>
+        <a:font script="Thai" typeface="Angsana New"/>
+        <a:font script="Ethi" typeface="Nyala"/>
+        <a:font script="Beng" typeface="Vrinda"/>
+        <a:font script="Gujr" typeface="Shruti"/>
+        <a:font script="Khmr" typeface="MoolBoran"/>
+        <a:font script="Knda" typeface="Tunga"/>
+        <a:font script="Guru" typeface="Raavi"/>
+        <a:font script="Cans" typeface="Euphemia"/>
+        <a:font script="Cher" typeface="Plantagenet Cherokee"/>
+        <a:font script="Yiii" typeface="Microsoft Yi Baiti"/>
+        <a:font script="Tibt" typeface="Microsoft Himalaya"/>
+        <a:font script="Thaa" typeface="MV Boli"/>
+        <a:font script="Deva" typeface="Mangal"/>
+        <a:font script="Telu" typeface="Gautami"/>
+        <a:font script="Taml" typeface="Latha"/>
+        <a:font script="Syrc" typeface="Estrangelo Edessa"/>
+        <a:font script="Orya" typeface="Kalinga"/>
+        <a:font script="Mlym" typeface="Kartika"/>
+        <a:font script="Laoo" typeface="DokChampa"/>
+        <a:font script="Sinh" typeface="Iskoola Pota"/>
+        <a:font script="Mong" typeface="Mongolian Baiti"/>
+        <a:font script="Viet" typeface="Times New Roman"/>
+        <a:font script="Uigh" typeface="Microsoft Uighur"/>
+        <a:font script="Geor" typeface="Sylfaen"/>
+        <a:font script="Armn" typeface="Arial"/>
+        <a:font script="Bugi" typeface="Leelawadee UI"/>
+        <a:font script="Bopo" typeface="Microsoft JhengHei"/>
+        <a:font script="Java" typeface="Javanese Text"/>
+        <a:font script="Lisu" typeface="Segoe UI"/>
+        <a:font script="Mymr" typeface="Myanmar Text"/>
+        <a:font script="Nkoo" typeface="Ebrima"/>
+        <a:font script="Olck" typeface="Nirmala UI"/>
+        <a:font script="Osma" typeface="Ebrima"/>
+        <a:font script="Phag" typeface="Phagspa"/>
+        <a:font script="Syrn" typeface="Estrangelo Edessa"/>
+        <a:font script="Syrj" typeface="Estrangelo Edessa"/>
+        <a:font script="Syre" typeface="Estrangelo Edessa"/>
+        <a:font script="Sora" typeface="Nirmala UI"/>
+        <a:font script="Tale" typeface="Microsoft Tai Le"/>
+        <a:font script="Talu" typeface="Microsoft New Tai Lue"/>
+        <a:font script="Tfng" typeface="Ebrima"/>
+      </a:majorFont>
+      <a:minorFont>
+        <a:latin typeface="Calibri" panose="020F0502020204030204"/>
+        <a:ea typeface=""/>
+        <a:cs typeface=""/>
+        <a:font script="Jpan" typeface="游ゴシック"/>
+        <a:font script="Hang" typeface="맑은 고딕"/>
+        <a:font script="Hans" typeface="等线"/>
+        <a:font script="Hant" typeface="新細明體"/>
+        <a:font script="Arab" typeface="Arial"/>
+        <a:font script="Hebr" typeface="Arial"/>
+        <a:font script="Thai" typeface="Cordia New"/>
+        <a:font script="Ethi" typeface="Nyala"/>
+        <a:font script="Beng" typeface="Vrinda"/>
+        <a:font script="Gujr" typeface="Shruti"/>
+        <a:font script="Khmr" typeface="DaunPenh"/>
+        <a:font script="Knda" typeface="Tunga"/>
+        <a:font script="Guru" typeface="Raavi"/>
+        <a:font script="Cans" typeface="Euphemia"/>
+        <a:font script="Cher" typeface="Plantagenet Cherokee"/>
+        <a:font script="Yiii" typeface="Microsoft Yi Baiti"/>
+        <a:font script="Tibt" typeface="Microsoft Himalaya"/>
+        <a:font script="Thaa" typeface="MV Boli"/>
+        <a:font script="Deva" typeface="Mangal"/>
+        <a:font script="Telu" typeface="Gautami"/>
+        <a:font script="Taml" typeface="Latha"/>
+        <a:font script="Syrc" typeface="Estrangelo Edessa"/>
+        <a:font script="Orya" typeface="Kalinga"/>
+        <a:font script="Mlym" typeface="Kartika"/>
+        <a:font script="Laoo" typeface="DokChampa"/>
+        <a:font script="Sinh" typeface="Iskoola Pota"/>
+        <a:font script="Mong" typeface="Mongolian Baiti"/>
+        <a:font script="Viet" typeface="Arial"/>
+        <a:font script="Uigh" typeface="Microsoft Uighur"/>
+        <a:font script="Geor" typeface="Sylfaen"/>
+        <a:font script="Armn" typeface="Arial"/>
+        <a:font script="Bugi" typeface="Leelawadee UI"/>
+        <a:font script="Bopo" typeface="Microsoft JhengHei"/>
+        <a:font script="Java" typeface="Javanese Text"/>
+        <a:font script="Lisu" typeface="Segoe UI"/>
+        <a:font script="Mymr" typeface="Myanmar Text"/>
+        <a:font script="Nkoo" typeface="Ebrima"/>
+        <a:font script="Olck" typeface="Nirmala UI"/>
+        <a:font script="Osma" typeface="Ebrima"/>
+        <a:font script="Phag" typeface="Phagspa"/>
+        <a:font script="Syrn" typeface="Estrangelo Edessa"/>
+        <a:font script="Syrj" typeface="Estrangelo Edessa"/>
+        <a:font script="Syre" typeface="Estrangelo Edessa"/>
+        <a:font script="Sora" typeface="Nirmala UI"/>
+        <a:font script="Tale" typeface="Microsoft Tai Le"/>
+        <a:font script="Talu" typeface="Microsoft New Tai Lue"/>
+        <a:font script="Tfng" typeface="Ebrima"/>
+      </a:minorFont>
+    </a:fontScheme>
+    <a:fmtScheme name="Office">
+      <a:fillStyleLst>
+        <a:solidFill>
+          <a:schemeClr val="phClr"/>
+        </a:solidFill>
+        <a:gradFill rotWithShape="1">
+          <a:gsLst>
+            <a:gs pos="0">
+              <a:schemeClr val="phClr">
+                <a:lumMod val="110000"/>
+                <a:satMod val="105000"/>
+                <a:tint val="67000"/>
+              </a:schemeClr>
+            </a:gs>
+            <a:gs pos="50000">
+              <a:schemeClr val="phClr">
+                <a:lumMod val="105000"/>
+                <a:satMod val="103000"/>
+                <a:tint val="73000"/>
+              </a:schemeClr>
+            </a:gs>
+            <a:gs pos="100000">
+              <a:schemeClr val="phClr">
+                <a:lumMod val="105000"/>
+                <a:satMod val="109000"/>
+                <a:tint val="81000"/>
+              </a:schemeClr>
+            </a:gs>
+          </a:gsLst>
+          <a:lin ang="5400000" scaled="0"/>
+        </a:gradFill>
+        <a:gradFill rotWithShape="1">
+          <a:gsLst>
+            <a:gs pos="0">
+              <a:schemeClr val="phClr">
+                <a:satMod val="103000"/>
+                <a:lumMod val="102000"/>
+                <a:tint val="94000"/>
+              </a:schemeClr>
+            </a:gs>
+            <a:gs pos="50000">
+              <a:schemeClr val="phClr">
+                <a:satMod val="110000"/>
+                <a:lumMod val="100000"/>
+                <a:shade val="100000"/>
+              </a:schemeClr>
+            </a:gs>
+            <a:gs pos="100000">
+              <a:schemeClr val="phClr">
+                <a:lumMod val="99000"/>
+                <a:satMod val="120000"/>
+                <a:shade val="78000"/>
+              </a:schemeClr>
+            </a:gs>
+          </a:gsLst>
+          <a:lin ang="5400000" scaled="0"/>
+        </a:gradFill>
+      </a:fillStyleLst>
+      <a:lnStyleLst>
+        <a:ln w="6350" cap="flat" cmpd="sng" algn="ctr">
+          <a:solidFill>
+            <a:schemeClr val="phClr"/>
+          </a:solidFill>
+          <a:prstDash val="solid"/>
+          <a:miter lim="800000"/>
+        </a:ln>
+        <a:ln w="12700" cap="flat" cmpd="sng" algn="ctr">
+          <a:solidFill>
+            <a:schemeClr val="phClr"/>
+          </a:solidFill>
+          <a:prstDash val="solid"/>
+          <a:miter lim="800000"/>
+        </a:ln>
+        <a:ln w="19050" cap="flat" cmpd="sng" algn="ctr">
+          <a:solidFill>
+            <a:schemeClr val="phClr"/>
+          </a:solidFill>
+          <a:prstDash val="solid"/>
+          <a:miter lim="800000"/>
+        </a:ln>
+      </a:lnStyleLst>
+      <a:effectStyleLst>
+        <a:effectStyle>
+          <a:effectLst/>
+        </a:effectStyle>
+        <a:effectStyle>
+          <a:effectLst/>
+        </a:effectStyle>
+        <a:effectStyle>
+          <a:effectLst>
+            <a:outerShdw blurRad="57150" dist="19050" dir="5400000" algn="ctr" rotWithShape="0">
+              <a:srgbClr val="000000">
+                <a:alpha val="63000"/>
+              </a:srgbClr>
+            </a:outerShdw>
+          </a:effectLst>
+        </a:effectStyle>
+      </a:effectStyleLst>
+      <a:bgFillStyleLst>
+        <a:solidFill>
+          <a:schemeClr val="phClr"/>
+        </a:solidFill>
+        <a:solidFill>
+          <a:schemeClr val="phClr">
+            <a:tint val="95000"/>
+            <a:satMod val="170000"/>
+          </a:schemeClr>
+        </a:solidFill>
+        <a:gradFill rotWithShape="1">
+          <a:gsLst>
+            <a:gs pos="0">
+              <a:schemeClr val="phClr">
+                <a:tint val="93000"/>
+                <a:satMod val="150000"/>
+                <a:shade val="98000"/>
+                <a:lumMod val="102000"/>
+              </a:schemeClr>
+            </a:gs>
+            <a:gs pos="50000">
+              <a:schemeClr val="phClr">
+                <a:tint val="98000"/>
+                <a:satMod val="130000"/>
+                <a:shade val="90000"/>
+                <a:lumMod val="103000"/>
+              </a:schemeClr>
+            </a:gs>
+            <a:gs pos="100000">
+              <a:schemeClr val="phClr">
+                <a:shade val="63000"/>
+                <a:satMod val="120000"/>
+              </a:schemeClr>
+            </a:gs>
+          </a:gsLst>
+          <a:lin ang="5400000" scaled="0"/>
+        </a:gradFill>
+      </a:bgFillStyleLst>
+    </a:fmtScheme>
+  </a:themeElements>
+  <a:objectDefaults/>
+  <a:extraClrSchemeLst/>
+  <a:extLst>
+    <a:ext uri="{05A4C25C-085E-4340-85A3-A5531E510DB2}">
+      <thm15:themeFamily xmlns:thm15="http://schemas.microsoft.com/office/thememl/2012/main" name="Office Theme" id="{62F939B6-93AF-4DB8-9C6B-D6C7DFDC589F}" vid="{4A3C46E8-61CC-4603-A589-7422A47A8E4A}"/>
+    </a:ext>
+  </a:extLst>
+</a:theme>
 </file>